--- a/DATAAGRO-Frutas/Power BI_Frutas.pptx
+++ b/DATAAGRO-Frutas/Power BI_Frutas.pptx
@@ -15,6 +15,8 @@
     <p:sldId id="329" r:id="rId9"/>
     <p:sldId id="335" r:id="rId10"/>
     <p:sldId id="333" r:id="rId11"/>
+    <p:sldId id="336" r:id="rId12"/>
+    <p:sldId id="337" r:id="rId13"/>
   </p:sldIdLst>
   <p:sldSz cx="12192000" cy="6858000"/>
   <p:notesSz cx="6858000" cy="9144000"/>
@@ -872,6 +874,925 @@
 </dgm:colorsDef>
 </file>
 
+<file path=ppt/diagrams/colors10.xml><?xml version="1.0" encoding="utf-8"?>
+<dgm:colorsDef xmlns:dgm="http://schemas.openxmlformats.org/drawingml/2006/diagram" xmlns:a="http://schemas.openxmlformats.org/drawingml/2006/main" uniqueId="urn:microsoft.com/office/officeart/2005/8/colors/colorful1">
+  <dgm:title val=""/>
+  <dgm:desc val=""/>
+  <dgm:catLst>
+    <dgm:cat type="colorful" pri="10100"/>
+  </dgm:catLst>
+  <dgm:styleLbl name="node0">
+    <dgm:fillClrLst meth="repeat">
+      <a:schemeClr val="accent1"/>
+    </dgm:fillClrLst>
+    <dgm:linClrLst meth="repeat">
+      <a:schemeClr val="lt1"/>
+    </dgm:linClrLst>
+    <dgm:effectClrLst/>
+    <dgm:txLinClrLst/>
+    <dgm:txFillClrLst/>
+    <dgm:txEffectClrLst/>
+  </dgm:styleLbl>
+  <dgm:styleLbl name="node1">
+    <dgm:fillClrLst meth="repeat">
+      <a:schemeClr val="accent2"/>
+      <a:schemeClr val="accent3"/>
+      <a:schemeClr val="accent4"/>
+      <a:schemeClr val="accent5"/>
+      <a:schemeClr val="accent6"/>
+    </dgm:fillClrLst>
+    <dgm:linClrLst meth="repeat">
+      <a:schemeClr val="lt1"/>
+    </dgm:linClrLst>
+    <dgm:effectClrLst/>
+    <dgm:txLinClrLst/>
+    <dgm:txFillClrLst/>
+    <dgm:txEffectClrLst/>
+  </dgm:styleLbl>
+  <dgm:styleLbl name="alignNode1">
+    <dgm:fillClrLst meth="repeat">
+      <a:schemeClr val="accent2"/>
+      <a:schemeClr val="accent3"/>
+      <a:schemeClr val="accent4"/>
+      <a:schemeClr val="accent5"/>
+      <a:schemeClr val="accent6"/>
+    </dgm:fillClrLst>
+    <dgm:linClrLst meth="repeat">
+      <a:schemeClr val="accent2"/>
+      <a:schemeClr val="accent3"/>
+      <a:schemeClr val="accent4"/>
+      <a:schemeClr val="accent5"/>
+      <a:schemeClr val="accent6"/>
+    </dgm:linClrLst>
+    <dgm:effectClrLst/>
+    <dgm:txLinClrLst/>
+    <dgm:txFillClrLst/>
+    <dgm:txEffectClrLst/>
+  </dgm:styleLbl>
+  <dgm:styleLbl name="lnNode1">
+    <dgm:fillClrLst meth="repeat">
+      <a:schemeClr val="accent2"/>
+      <a:schemeClr val="accent3"/>
+      <a:schemeClr val="accent4"/>
+      <a:schemeClr val="accent5"/>
+      <a:schemeClr val="accent6"/>
+    </dgm:fillClrLst>
+    <dgm:linClrLst meth="repeat">
+      <a:schemeClr val="lt1"/>
+    </dgm:linClrLst>
+    <dgm:effectClrLst/>
+    <dgm:txLinClrLst/>
+    <dgm:txFillClrLst/>
+    <dgm:txEffectClrLst/>
+  </dgm:styleLbl>
+  <dgm:styleLbl name="vennNode1">
+    <dgm:fillClrLst meth="repeat">
+      <a:schemeClr val="accent2">
+        <a:alpha val="50000"/>
+      </a:schemeClr>
+      <a:schemeClr val="accent3">
+        <a:alpha val="50000"/>
+      </a:schemeClr>
+      <a:schemeClr val="accent4">
+        <a:alpha val="50000"/>
+      </a:schemeClr>
+      <a:schemeClr val="accent5">
+        <a:alpha val="50000"/>
+      </a:schemeClr>
+      <a:schemeClr val="accent6">
+        <a:alpha val="50000"/>
+      </a:schemeClr>
+    </dgm:fillClrLst>
+    <dgm:linClrLst meth="repeat">
+      <a:schemeClr val="lt1"/>
+    </dgm:linClrLst>
+    <dgm:effectClrLst/>
+    <dgm:txLinClrLst/>
+    <dgm:txFillClrLst/>
+    <dgm:txEffectClrLst/>
+  </dgm:styleLbl>
+  <dgm:styleLbl name="node2">
+    <dgm:fillClrLst>
+      <a:schemeClr val="accent2"/>
+    </dgm:fillClrLst>
+    <dgm:linClrLst meth="repeat">
+      <a:schemeClr val="lt1"/>
+    </dgm:linClrLst>
+    <dgm:effectClrLst/>
+    <dgm:txLinClrLst/>
+    <dgm:txFillClrLst/>
+    <dgm:txEffectClrLst/>
+  </dgm:styleLbl>
+  <dgm:styleLbl name="node3">
+    <dgm:fillClrLst>
+      <a:schemeClr val="accent3"/>
+    </dgm:fillClrLst>
+    <dgm:linClrLst meth="repeat">
+      <a:schemeClr val="lt1"/>
+    </dgm:linClrLst>
+    <dgm:effectClrLst/>
+    <dgm:txLinClrLst/>
+    <dgm:txFillClrLst/>
+    <dgm:txEffectClrLst/>
+  </dgm:styleLbl>
+  <dgm:styleLbl name="node4">
+    <dgm:fillClrLst>
+      <a:schemeClr val="accent4"/>
+    </dgm:fillClrLst>
+    <dgm:linClrLst meth="repeat">
+      <a:schemeClr val="lt1"/>
+    </dgm:linClrLst>
+    <dgm:effectClrLst/>
+    <dgm:txLinClrLst/>
+    <dgm:txFillClrLst/>
+    <dgm:txEffectClrLst/>
+  </dgm:styleLbl>
+  <dgm:styleLbl name="fgImgPlace1">
+    <dgm:fillClrLst meth="repeat">
+      <a:schemeClr val="accent2">
+        <a:tint val="50000"/>
+      </a:schemeClr>
+      <a:schemeClr val="accent3">
+        <a:tint val="50000"/>
+      </a:schemeClr>
+      <a:schemeClr val="accent4">
+        <a:tint val="50000"/>
+      </a:schemeClr>
+      <a:schemeClr val="accent5">
+        <a:tint val="50000"/>
+      </a:schemeClr>
+      <a:schemeClr val="accent6">
+        <a:tint val="50000"/>
+      </a:schemeClr>
+    </dgm:fillClrLst>
+    <dgm:linClrLst meth="repeat">
+      <a:schemeClr val="lt1"/>
+    </dgm:linClrLst>
+    <dgm:effectClrLst/>
+    <dgm:txLinClrLst/>
+    <dgm:txFillClrLst meth="repeat">
+      <a:schemeClr val="lt1"/>
+    </dgm:txFillClrLst>
+    <dgm:txEffectClrLst/>
+  </dgm:styleLbl>
+  <dgm:styleLbl name="alignImgPlace1">
+    <dgm:fillClrLst>
+      <a:schemeClr val="accent1">
+        <a:tint val="50000"/>
+      </a:schemeClr>
+      <a:schemeClr val="accent2">
+        <a:tint val="20000"/>
+      </a:schemeClr>
+    </dgm:fillClrLst>
+    <dgm:linClrLst meth="repeat">
+      <a:schemeClr val="lt1"/>
+    </dgm:linClrLst>
+    <dgm:effectClrLst/>
+    <dgm:txLinClrLst/>
+    <dgm:txFillClrLst meth="repeat">
+      <a:schemeClr val="lt1"/>
+    </dgm:txFillClrLst>
+    <dgm:txEffectClrLst/>
+  </dgm:styleLbl>
+  <dgm:styleLbl name="bgImgPlace1">
+    <dgm:fillClrLst>
+      <a:schemeClr val="accent1">
+        <a:tint val="50000"/>
+      </a:schemeClr>
+      <a:schemeClr val="accent2">
+        <a:tint val="20000"/>
+      </a:schemeClr>
+    </dgm:fillClrLst>
+    <dgm:linClrLst meth="repeat">
+      <a:schemeClr val="lt1"/>
+    </dgm:linClrLst>
+    <dgm:effectClrLst/>
+    <dgm:txLinClrLst/>
+    <dgm:txFillClrLst meth="repeat">
+      <a:schemeClr val="lt1"/>
+    </dgm:txFillClrLst>
+    <dgm:txEffectClrLst/>
+  </dgm:styleLbl>
+  <dgm:styleLbl name="sibTrans2D1">
+    <dgm:fillClrLst meth="repeat">
+      <a:schemeClr val="accent2"/>
+      <a:schemeClr val="accent3"/>
+      <a:schemeClr val="accent4"/>
+      <a:schemeClr val="accent5"/>
+      <a:schemeClr val="accent6"/>
+    </dgm:fillClrLst>
+    <dgm:linClrLst meth="cycle">
+      <a:schemeClr val="lt1"/>
+    </dgm:linClrLst>
+    <dgm:effectClrLst/>
+    <dgm:txLinClrLst/>
+    <dgm:txFillClrLst/>
+    <dgm:txEffectClrLst/>
+  </dgm:styleLbl>
+  <dgm:styleLbl name="fgSibTrans2D1">
+    <dgm:fillClrLst meth="repeat">
+      <a:schemeClr val="accent2"/>
+      <a:schemeClr val="accent3"/>
+      <a:schemeClr val="accent4"/>
+      <a:schemeClr val="accent5"/>
+      <a:schemeClr val="accent6"/>
+    </dgm:fillClrLst>
+    <dgm:linClrLst meth="cycle">
+      <a:schemeClr val="lt1"/>
+    </dgm:linClrLst>
+    <dgm:effectClrLst/>
+    <dgm:txLinClrLst/>
+    <dgm:txFillClrLst meth="repeat">
+      <a:schemeClr val="lt1"/>
+    </dgm:txFillClrLst>
+    <dgm:txEffectClrLst/>
+  </dgm:styleLbl>
+  <dgm:styleLbl name="bgSibTrans2D1">
+    <dgm:fillClrLst meth="repeat">
+      <a:schemeClr val="accent2"/>
+      <a:schemeClr val="accent3"/>
+      <a:schemeClr val="accent4"/>
+      <a:schemeClr val="accent5"/>
+      <a:schemeClr val="accent6"/>
+    </dgm:fillClrLst>
+    <dgm:linClrLst meth="cycle">
+      <a:schemeClr val="lt1"/>
+    </dgm:linClrLst>
+    <dgm:effectClrLst/>
+    <dgm:txLinClrLst/>
+    <dgm:txFillClrLst meth="repeat">
+      <a:schemeClr val="lt1"/>
+    </dgm:txFillClrLst>
+    <dgm:txEffectClrLst/>
+  </dgm:styleLbl>
+  <dgm:styleLbl name="sibTrans1D1">
+    <dgm:fillClrLst meth="repeat">
+      <a:schemeClr val="accent2"/>
+      <a:schemeClr val="accent3"/>
+      <a:schemeClr val="accent4"/>
+      <a:schemeClr val="accent5"/>
+      <a:schemeClr val="accent6"/>
+    </dgm:fillClrLst>
+    <dgm:linClrLst meth="repeat">
+      <a:schemeClr val="accent2"/>
+      <a:schemeClr val="accent3"/>
+      <a:schemeClr val="accent4"/>
+      <a:schemeClr val="accent5"/>
+      <a:schemeClr val="accent6"/>
+    </dgm:linClrLst>
+    <dgm:effectClrLst/>
+    <dgm:txLinClrLst/>
+    <dgm:txFillClrLst meth="repeat">
+      <a:schemeClr val="tx1"/>
+    </dgm:txFillClrLst>
+    <dgm:txEffectClrLst/>
+  </dgm:styleLbl>
+  <dgm:styleLbl name="callout">
+    <dgm:fillClrLst meth="repeat">
+      <a:schemeClr val="accent2"/>
+    </dgm:fillClrLst>
+    <dgm:linClrLst meth="repeat">
+      <a:schemeClr val="accent2">
+        <a:tint val="50000"/>
+      </a:schemeClr>
+    </dgm:linClrLst>
+    <dgm:effectClrLst/>
+    <dgm:txLinClrLst/>
+    <dgm:txFillClrLst meth="repeat">
+      <a:schemeClr val="tx1"/>
+    </dgm:txFillClrLst>
+    <dgm:txEffectClrLst/>
+  </dgm:styleLbl>
+  <dgm:styleLbl name="asst0">
+    <dgm:fillClrLst meth="repeat">
+      <a:schemeClr val="accent1"/>
+    </dgm:fillClrLst>
+    <dgm:linClrLst meth="repeat">
+      <a:schemeClr val="lt1"/>
+    </dgm:linClrLst>
+    <dgm:effectClrLst/>
+    <dgm:txLinClrLst/>
+    <dgm:txFillClrLst/>
+    <dgm:txEffectClrLst/>
+  </dgm:styleLbl>
+  <dgm:styleLbl name="asst1">
+    <dgm:fillClrLst meth="repeat">
+      <a:schemeClr val="accent2"/>
+    </dgm:fillClrLst>
+    <dgm:linClrLst meth="repeat">
+      <a:schemeClr val="lt1"/>
+    </dgm:linClrLst>
+    <dgm:effectClrLst/>
+    <dgm:txLinClrLst/>
+    <dgm:txFillClrLst/>
+    <dgm:txEffectClrLst/>
+  </dgm:styleLbl>
+  <dgm:styleLbl name="asst2">
+    <dgm:fillClrLst>
+      <a:schemeClr val="accent3"/>
+    </dgm:fillClrLst>
+    <dgm:linClrLst meth="repeat">
+      <a:schemeClr val="lt1"/>
+    </dgm:linClrLst>
+    <dgm:effectClrLst/>
+    <dgm:txLinClrLst/>
+    <dgm:txFillClrLst/>
+    <dgm:txEffectClrLst/>
+  </dgm:styleLbl>
+  <dgm:styleLbl name="asst3">
+    <dgm:fillClrLst>
+      <a:schemeClr val="accent4"/>
+    </dgm:fillClrLst>
+    <dgm:linClrLst meth="repeat">
+      <a:schemeClr val="lt1"/>
+    </dgm:linClrLst>
+    <dgm:effectClrLst/>
+    <dgm:txLinClrLst/>
+    <dgm:txFillClrLst/>
+    <dgm:txEffectClrLst/>
+  </dgm:styleLbl>
+  <dgm:styleLbl name="asst4">
+    <dgm:fillClrLst>
+      <a:schemeClr val="accent5"/>
+    </dgm:fillClrLst>
+    <dgm:linClrLst meth="repeat">
+      <a:schemeClr val="lt1"/>
+    </dgm:linClrLst>
+    <dgm:effectClrLst/>
+    <dgm:txLinClrLst/>
+    <dgm:txFillClrLst/>
+    <dgm:txEffectClrLst/>
+  </dgm:styleLbl>
+  <dgm:styleLbl name="parChTrans2D1">
+    <dgm:fillClrLst meth="repeat">
+      <a:schemeClr val="accent2"/>
+    </dgm:fillClrLst>
+    <dgm:linClrLst meth="repeat">
+      <a:schemeClr val="lt1"/>
+    </dgm:linClrLst>
+    <dgm:effectClrLst/>
+    <dgm:txLinClrLst/>
+    <dgm:txFillClrLst meth="repeat">
+      <a:schemeClr val="lt1"/>
+    </dgm:txFillClrLst>
+    <dgm:txEffectClrLst/>
+  </dgm:styleLbl>
+  <dgm:styleLbl name="parChTrans2D2">
+    <dgm:fillClrLst meth="repeat">
+      <a:schemeClr val="accent3"/>
+    </dgm:fillClrLst>
+    <dgm:linClrLst meth="repeat">
+      <a:schemeClr val="lt1"/>
+    </dgm:linClrLst>
+    <dgm:effectClrLst/>
+    <dgm:txLinClrLst/>
+    <dgm:txFillClrLst/>
+    <dgm:txEffectClrLst/>
+  </dgm:styleLbl>
+  <dgm:styleLbl name="parChTrans2D3">
+    <dgm:fillClrLst meth="repeat">
+      <a:schemeClr val="accent4"/>
+    </dgm:fillClrLst>
+    <dgm:linClrLst meth="repeat">
+      <a:schemeClr val="lt1"/>
+    </dgm:linClrLst>
+    <dgm:effectClrLst/>
+    <dgm:txLinClrLst/>
+    <dgm:txFillClrLst/>
+    <dgm:txEffectClrLst/>
+  </dgm:styleLbl>
+  <dgm:styleLbl name="parChTrans2D4">
+    <dgm:fillClrLst meth="repeat">
+      <a:schemeClr val="accent5"/>
+    </dgm:fillClrLst>
+    <dgm:linClrLst meth="repeat">
+      <a:schemeClr val="lt1"/>
+    </dgm:linClrLst>
+    <dgm:effectClrLst/>
+    <dgm:txLinClrLst/>
+    <dgm:txFillClrLst meth="repeat">
+      <a:schemeClr val="lt1"/>
+    </dgm:txFillClrLst>
+    <dgm:txEffectClrLst/>
+  </dgm:styleLbl>
+  <dgm:styleLbl name="parChTrans1D1">
+    <dgm:fillClrLst meth="repeat">
+      <a:schemeClr val="accent2"/>
+    </dgm:fillClrLst>
+    <dgm:linClrLst meth="repeat">
+      <a:schemeClr val="accent1"/>
+    </dgm:linClrLst>
+    <dgm:effectClrLst/>
+    <dgm:txLinClrLst/>
+    <dgm:txFillClrLst meth="repeat">
+      <a:schemeClr val="tx1"/>
+    </dgm:txFillClrLst>
+    <dgm:txEffectClrLst/>
+  </dgm:styleLbl>
+  <dgm:styleLbl name="parChTrans1D2">
+    <dgm:fillClrLst meth="repeat">
+      <a:schemeClr val="accent3">
+        <a:tint val="90000"/>
+      </a:schemeClr>
+    </dgm:fillClrLst>
+    <dgm:linClrLst meth="repeat">
+      <a:schemeClr val="accent2"/>
+    </dgm:linClrLst>
+    <dgm:effectClrLst/>
+    <dgm:txLinClrLst/>
+    <dgm:txFillClrLst meth="repeat">
+      <a:schemeClr val="tx1"/>
+    </dgm:txFillClrLst>
+    <dgm:txEffectClrLst/>
+  </dgm:styleLbl>
+  <dgm:styleLbl name="parChTrans1D3">
+    <dgm:fillClrLst meth="repeat">
+      <a:schemeClr val="accent4">
+        <a:tint val="70000"/>
+      </a:schemeClr>
+    </dgm:fillClrLst>
+    <dgm:linClrLst meth="repeat">
+      <a:schemeClr val="accent3"/>
+    </dgm:linClrLst>
+    <dgm:effectClrLst/>
+    <dgm:txLinClrLst/>
+    <dgm:txFillClrLst meth="repeat">
+      <a:schemeClr val="tx1"/>
+    </dgm:txFillClrLst>
+    <dgm:txEffectClrLst/>
+  </dgm:styleLbl>
+  <dgm:styleLbl name="parChTrans1D4">
+    <dgm:fillClrLst meth="repeat">
+      <a:schemeClr val="accent5">
+        <a:tint val="50000"/>
+      </a:schemeClr>
+    </dgm:fillClrLst>
+    <dgm:linClrLst meth="repeat">
+      <a:schemeClr val="accent4"/>
+    </dgm:linClrLst>
+    <dgm:effectClrLst/>
+    <dgm:txLinClrLst/>
+    <dgm:txFillClrLst meth="repeat">
+      <a:schemeClr val="tx1"/>
+    </dgm:txFillClrLst>
+    <dgm:txEffectClrLst/>
+  </dgm:styleLbl>
+  <dgm:styleLbl name="fgAcc1">
+    <dgm:fillClrLst meth="repeat">
+      <a:schemeClr val="lt1">
+        <a:alpha val="90000"/>
+      </a:schemeClr>
+    </dgm:fillClrLst>
+    <dgm:linClrLst meth="repeat">
+      <a:schemeClr val="accent2"/>
+      <a:schemeClr val="accent3"/>
+      <a:schemeClr val="accent4"/>
+      <a:schemeClr val="accent5"/>
+      <a:schemeClr val="accent6"/>
+    </dgm:linClrLst>
+    <dgm:effectClrLst/>
+    <dgm:txLinClrLst/>
+    <dgm:txFillClrLst meth="repeat">
+      <a:schemeClr val="dk1"/>
+    </dgm:txFillClrLst>
+    <dgm:txEffectClrLst/>
+  </dgm:styleLbl>
+  <dgm:styleLbl name="conFgAcc1">
+    <dgm:fillClrLst meth="repeat">
+      <a:schemeClr val="lt1">
+        <a:alpha val="90000"/>
+      </a:schemeClr>
+    </dgm:fillClrLst>
+    <dgm:linClrLst meth="repeat">
+      <a:schemeClr val="accent2"/>
+      <a:schemeClr val="accent3"/>
+      <a:schemeClr val="accent4"/>
+      <a:schemeClr val="accent5"/>
+      <a:schemeClr val="accent6"/>
+    </dgm:linClrLst>
+    <dgm:effectClrLst/>
+    <dgm:txLinClrLst/>
+    <dgm:txFillClrLst meth="repeat">
+      <a:schemeClr val="dk1"/>
+    </dgm:txFillClrLst>
+    <dgm:txEffectClrLst/>
+  </dgm:styleLbl>
+  <dgm:styleLbl name="alignAcc1">
+    <dgm:fillClrLst meth="repeat">
+      <a:schemeClr val="lt1">
+        <a:alpha val="90000"/>
+      </a:schemeClr>
+    </dgm:fillClrLst>
+    <dgm:linClrLst meth="repeat">
+      <a:schemeClr val="accent2"/>
+      <a:schemeClr val="accent3"/>
+      <a:schemeClr val="accent4"/>
+      <a:schemeClr val="accent5"/>
+      <a:schemeClr val="accent6"/>
+    </dgm:linClrLst>
+    <dgm:effectClrLst/>
+    <dgm:txLinClrLst/>
+    <dgm:txFillClrLst meth="repeat">
+      <a:schemeClr val="dk1"/>
+    </dgm:txFillClrLst>
+    <dgm:txEffectClrLst/>
+  </dgm:styleLbl>
+  <dgm:styleLbl name="trAlignAcc1">
+    <dgm:fillClrLst meth="repeat">
+      <a:schemeClr val="lt1">
+        <a:alpha val="40000"/>
+      </a:schemeClr>
+    </dgm:fillClrLst>
+    <dgm:linClrLst meth="repeat">
+      <a:schemeClr val="accent1"/>
+    </dgm:linClrLst>
+    <dgm:effectClrLst/>
+    <dgm:txLinClrLst/>
+    <dgm:txFillClrLst meth="repeat">
+      <a:schemeClr val="dk1"/>
+    </dgm:txFillClrLst>
+    <dgm:txEffectClrLst/>
+  </dgm:styleLbl>
+  <dgm:styleLbl name="bgAcc1">
+    <dgm:fillClrLst meth="repeat">
+      <a:schemeClr val="lt1">
+        <a:alpha val="90000"/>
+      </a:schemeClr>
+    </dgm:fillClrLst>
+    <dgm:linClrLst meth="repeat">
+      <a:schemeClr val="accent2"/>
+      <a:schemeClr val="accent3"/>
+      <a:schemeClr val="accent4"/>
+      <a:schemeClr val="accent5"/>
+      <a:schemeClr val="accent6"/>
+    </dgm:linClrLst>
+    <dgm:effectClrLst/>
+    <dgm:txLinClrLst/>
+    <dgm:txFillClrLst meth="repeat">
+      <a:schemeClr val="dk1"/>
+    </dgm:txFillClrLst>
+    <dgm:txEffectClrLst/>
+  </dgm:styleLbl>
+  <dgm:styleLbl name="solidFgAcc1">
+    <dgm:fillClrLst meth="repeat">
+      <a:schemeClr val="lt1"/>
+    </dgm:fillClrLst>
+    <dgm:linClrLst meth="repeat">
+      <a:schemeClr val="accent2"/>
+      <a:schemeClr val="accent3"/>
+      <a:schemeClr val="accent4"/>
+      <a:schemeClr val="accent5"/>
+      <a:schemeClr val="accent6"/>
+    </dgm:linClrLst>
+    <dgm:effectClrLst/>
+    <dgm:txLinClrLst/>
+    <dgm:txFillClrLst meth="repeat">
+      <a:schemeClr val="dk1"/>
+    </dgm:txFillClrLst>
+    <dgm:txEffectClrLst/>
+  </dgm:styleLbl>
+  <dgm:styleLbl name="solidAlignAcc1">
+    <dgm:fillClrLst meth="repeat">
+      <a:schemeClr val="lt1"/>
+    </dgm:fillClrLst>
+    <dgm:linClrLst meth="repeat">
+      <a:schemeClr val="accent2"/>
+      <a:schemeClr val="accent3"/>
+      <a:schemeClr val="accent4"/>
+      <a:schemeClr val="accent5"/>
+      <a:schemeClr val="accent6"/>
+    </dgm:linClrLst>
+    <dgm:effectClrLst/>
+    <dgm:txLinClrLst/>
+    <dgm:txFillClrLst meth="repeat">
+      <a:schemeClr val="dk1"/>
+    </dgm:txFillClrLst>
+    <dgm:txEffectClrLst/>
+  </dgm:styleLbl>
+  <dgm:styleLbl name="solidBgAcc1">
+    <dgm:fillClrLst meth="repeat">
+      <a:schemeClr val="lt1"/>
+    </dgm:fillClrLst>
+    <dgm:linClrLst meth="repeat">
+      <a:schemeClr val="accent2"/>
+      <a:schemeClr val="accent3"/>
+      <a:schemeClr val="accent4"/>
+      <a:schemeClr val="accent5"/>
+      <a:schemeClr val="accent6"/>
+    </dgm:linClrLst>
+    <dgm:effectClrLst/>
+    <dgm:txLinClrLst/>
+    <dgm:txFillClrLst meth="repeat">
+      <a:schemeClr val="dk1"/>
+    </dgm:txFillClrLst>
+    <dgm:txEffectClrLst/>
+  </dgm:styleLbl>
+  <dgm:styleLbl name="fgAccFollowNode1">
+    <dgm:fillClrLst meth="repeat">
+      <a:schemeClr val="accent2">
+        <a:tint val="40000"/>
+        <a:alpha val="90000"/>
+      </a:schemeClr>
+      <a:schemeClr val="accent3">
+        <a:tint val="40000"/>
+        <a:alpha val="90000"/>
+      </a:schemeClr>
+      <a:schemeClr val="accent4">
+        <a:tint val="40000"/>
+        <a:alpha val="90000"/>
+      </a:schemeClr>
+      <a:schemeClr val="accent5">
+        <a:tint val="40000"/>
+        <a:alpha val="90000"/>
+      </a:schemeClr>
+      <a:schemeClr val="accent6">
+        <a:tint val="40000"/>
+        <a:alpha val="90000"/>
+      </a:schemeClr>
+    </dgm:fillClrLst>
+    <dgm:linClrLst meth="repeat">
+      <a:schemeClr val="accent2">
+        <a:tint val="40000"/>
+        <a:alpha val="90000"/>
+      </a:schemeClr>
+      <a:schemeClr val="accent3">
+        <a:tint val="40000"/>
+        <a:alpha val="90000"/>
+      </a:schemeClr>
+      <a:schemeClr val="accent4">
+        <a:tint val="40000"/>
+        <a:alpha val="90000"/>
+      </a:schemeClr>
+      <a:schemeClr val="accent5">
+        <a:tint val="40000"/>
+        <a:alpha val="90000"/>
+      </a:schemeClr>
+      <a:schemeClr val="accent6">
+        <a:tint val="40000"/>
+        <a:alpha val="90000"/>
+      </a:schemeClr>
+    </dgm:linClrLst>
+    <dgm:effectClrLst/>
+    <dgm:txLinClrLst/>
+    <dgm:txFillClrLst meth="repeat">
+      <a:schemeClr val="dk1"/>
+    </dgm:txFillClrLst>
+    <dgm:txEffectClrLst/>
+  </dgm:styleLbl>
+  <dgm:styleLbl name="alignAccFollowNode1">
+    <dgm:fillClrLst meth="repeat">
+      <a:schemeClr val="accent2">
+        <a:tint val="40000"/>
+        <a:alpha val="90000"/>
+      </a:schemeClr>
+      <a:schemeClr val="accent3">
+        <a:tint val="40000"/>
+        <a:alpha val="90000"/>
+      </a:schemeClr>
+      <a:schemeClr val="accent4">
+        <a:tint val="40000"/>
+        <a:alpha val="90000"/>
+      </a:schemeClr>
+      <a:schemeClr val="accent5">
+        <a:tint val="40000"/>
+        <a:alpha val="90000"/>
+      </a:schemeClr>
+      <a:schemeClr val="accent6">
+        <a:tint val="40000"/>
+        <a:alpha val="90000"/>
+      </a:schemeClr>
+    </dgm:fillClrLst>
+    <dgm:linClrLst meth="repeat">
+      <a:schemeClr val="accent2">
+        <a:tint val="40000"/>
+        <a:alpha val="90000"/>
+      </a:schemeClr>
+      <a:schemeClr val="accent3">
+        <a:tint val="40000"/>
+        <a:alpha val="90000"/>
+      </a:schemeClr>
+      <a:schemeClr val="accent4">
+        <a:tint val="40000"/>
+        <a:alpha val="90000"/>
+      </a:schemeClr>
+      <a:schemeClr val="accent5">
+        <a:tint val="40000"/>
+        <a:alpha val="90000"/>
+      </a:schemeClr>
+      <a:schemeClr val="accent6">
+        <a:tint val="40000"/>
+        <a:alpha val="90000"/>
+      </a:schemeClr>
+    </dgm:linClrLst>
+    <dgm:effectClrLst/>
+    <dgm:txLinClrLst/>
+    <dgm:txFillClrLst meth="repeat">
+      <a:schemeClr val="dk1"/>
+    </dgm:txFillClrLst>
+    <dgm:txEffectClrLst/>
+  </dgm:styleLbl>
+  <dgm:styleLbl name="bgAccFollowNode1">
+    <dgm:fillClrLst meth="repeat">
+      <a:schemeClr val="accent2">
+        <a:tint val="40000"/>
+        <a:alpha val="90000"/>
+      </a:schemeClr>
+      <a:schemeClr val="accent3">
+        <a:tint val="40000"/>
+        <a:alpha val="90000"/>
+      </a:schemeClr>
+      <a:schemeClr val="accent4">
+        <a:tint val="40000"/>
+        <a:alpha val="90000"/>
+      </a:schemeClr>
+      <a:schemeClr val="accent5">
+        <a:tint val="40000"/>
+        <a:alpha val="90000"/>
+      </a:schemeClr>
+      <a:schemeClr val="accent6">
+        <a:tint val="40000"/>
+        <a:alpha val="90000"/>
+      </a:schemeClr>
+    </dgm:fillClrLst>
+    <dgm:linClrLst meth="repeat">
+      <a:schemeClr val="accent2">
+        <a:tint val="40000"/>
+        <a:alpha val="90000"/>
+      </a:schemeClr>
+      <a:schemeClr val="accent3">
+        <a:tint val="40000"/>
+        <a:alpha val="90000"/>
+      </a:schemeClr>
+      <a:schemeClr val="accent4">
+        <a:tint val="40000"/>
+        <a:alpha val="90000"/>
+      </a:schemeClr>
+      <a:schemeClr val="accent5">
+        <a:tint val="40000"/>
+        <a:alpha val="90000"/>
+      </a:schemeClr>
+      <a:schemeClr val="accent6">
+        <a:tint val="40000"/>
+        <a:alpha val="90000"/>
+      </a:schemeClr>
+    </dgm:linClrLst>
+    <dgm:effectClrLst/>
+    <dgm:txLinClrLst/>
+    <dgm:txFillClrLst meth="repeat">
+      <a:schemeClr val="dk1"/>
+    </dgm:txFillClrLst>
+    <dgm:txEffectClrLst/>
+  </dgm:styleLbl>
+  <dgm:styleLbl name="fgAcc0">
+    <dgm:fillClrLst meth="repeat">
+      <a:schemeClr val="lt1">
+        <a:alpha val="90000"/>
+      </a:schemeClr>
+    </dgm:fillClrLst>
+    <dgm:linClrLst>
+      <a:schemeClr val="accent1"/>
+    </dgm:linClrLst>
+    <dgm:effectClrLst/>
+    <dgm:txLinClrLst/>
+    <dgm:txFillClrLst meth="repeat">
+      <a:schemeClr val="dk1"/>
+    </dgm:txFillClrLst>
+    <dgm:txEffectClrLst/>
+  </dgm:styleLbl>
+  <dgm:styleLbl name="fgAcc2">
+    <dgm:fillClrLst meth="repeat">
+      <a:schemeClr val="lt1">
+        <a:alpha val="90000"/>
+      </a:schemeClr>
+    </dgm:fillClrLst>
+    <dgm:linClrLst>
+      <a:schemeClr val="accent2"/>
+    </dgm:linClrLst>
+    <dgm:effectClrLst/>
+    <dgm:txLinClrLst/>
+    <dgm:txFillClrLst meth="repeat">
+      <a:schemeClr val="dk1"/>
+    </dgm:txFillClrLst>
+    <dgm:txEffectClrLst/>
+  </dgm:styleLbl>
+  <dgm:styleLbl name="fgAcc3">
+    <dgm:fillClrLst meth="repeat">
+      <a:schemeClr val="lt1">
+        <a:alpha val="90000"/>
+      </a:schemeClr>
+    </dgm:fillClrLst>
+    <dgm:linClrLst>
+      <a:schemeClr val="accent3"/>
+    </dgm:linClrLst>
+    <dgm:effectClrLst/>
+    <dgm:txLinClrLst/>
+    <dgm:txFillClrLst meth="repeat">
+      <a:schemeClr val="dk1"/>
+    </dgm:txFillClrLst>
+    <dgm:txEffectClrLst/>
+  </dgm:styleLbl>
+  <dgm:styleLbl name="fgAcc4">
+    <dgm:fillClrLst meth="repeat">
+      <a:schemeClr val="lt1">
+        <a:alpha val="90000"/>
+      </a:schemeClr>
+    </dgm:fillClrLst>
+    <dgm:linClrLst>
+      <a:schemeClr val="accent4"/>
+    </dgm:linClrLst>
+    <dgm:effectClrLst/>
+    <dgm:txLinClrLst/>
+    <dgm:txFillClrLst meth="repeat">
+      <a:schemeClr val="dk1"/>
+    </dgm:txFillClrLst>
+    <dgm:txEffectClrLst/>
+  </dgm:styleLbl>
+  <dgm:styleLbl name="bgShp">
+    <dgm:fillClrLst meth="repeat">
+      <a:schemeClr val="accent2">
+        <a:tint val="40000"/>
+      </a:schemeClr>
+    </dgm:fillClrLst>
+    <dgm:linClrLst meth="repeat">
+      <a:schemeClr val="dk1"/>
+    </dgm:linClrLst>
+    <dgm:effectClrLst/>
+    <dgm:txLinClrLst/>
+    <dgm:txFillClrLst meth="repeat">
+      <a:schemeClr val="dk1"/>
+    </dgm:txFillClrLst>
+    <dgm:txEffectClrLst/>
+  </dgm:styleLbl>
+  <dgm:styleLbl name="dkBgShp">
+    <dgm:fillClrLst meth="repeat">
+      <a:schemeClr val="accent2">
+        <a:shade val="90000"/>
+      </a:schemeClr>
+    </dgm:fillClrLst>
+    <dgm:linClrLst meth="repeat">
+      <a:schemeClr val="dk1"/>
+    </dgm:linClrLst>
+    <dgm:effectClrLst/>
+    <dgm:txLinClrLst/>
+    <dgm:txFillClrLst meth="repeat">
+      <a:schemeClr val="lt1"/>
+    </dgm:txFillClrLst>
+    <dgm:txEffectClrLst/>
+  </dgm:styleLbl>
+  <dgm:styleLbl name="trBgShp">
+    <dgm:fillClrLst meth="repeat">
+      <a:schemeClr val="accent1">
+        <a:tint val="50000"/>
+        <a:alpha val="40000"/>
+      </a:schemeClr>
+    </dgm:fillClrLst>
+    <dgm:linClrLst meth="repeat">
+      <a:schemeClr val="accent2"/>
+    </dgm:linClrLst>
+    <dgm:effectClrLst/>
+    <dgm:txLinClrLst/>
+    <dgm:txFillClrLst meth="repeat">
+      <a:schemeClr val="lt1"/>
+    </dgm:txFillClrLst>
+    <dgm:txEffectClrLst/>
+  </dgm:styleLbl>
+  <dgm:styleLbl name="fgShp">
+    <dgm:fillClrLst meth="repeat">
+      <a:schemeClr val="accent2">
+        <a:tint val="40000"/>
+      </a:schemeClr>
+    </dgm:fillClrLst>
+    <dgm:linClrLst meth="repeat">
+      <a:schemeClr val="lt1"/>
+    </dgm:linClrLst>
+    <dgm:effectClrLst/>
+    <dgm:txLinClrLst/>
+    <dgm:txFillClrLst meth="repeat">
+      <a:schemeClr val="dk1"/>
+    </dgm:txFillClrLst>
+    <dgm:txEffectClrLst/>
+  </dgm:styleLbl>
+  <dgm:styleLbl name="revTx">
+    <dgm:fillClrLst meth="repeat">
+      <a:schemeClr val="lt1">
+        <a:alpha val="0"/>
+      </a:schemeClr>
+    </dgm:fillClrLst>
+    <dgm:linClrLst meth="repeat">
+      <a:schemeClr val="dk1">
+        <a:alpha val="0"/>
+      </a:schemeClr>
+    </dgm:linClrLst>
+    <dgm:effectClrLst/>
+    <dgm:txLinClrLst/>
+    <dgm:txFillClrLst meth="repeat">
+      <a:schemeClr val="tx1"/>
+    </dgm:txFillClrLst>
+    <dgm:txEffectClrLst/>
+  </dgm:styleLbl>
+</dgm:colorsDef>
+</file>
+
 <file path=ppt/diagrams/colors2.xml><?xml version="1.0" encoding="utf-8"?>
 <dgm:colorsDef xmlns:dgm="http://schemas.openxmlformats.org/drawingml/2006/diagram" xmlns:a="http://schemas.openxmlformats.org/drawingml/2006/main" uniqueId="urn:microsoft.com/office/officeart/2005/8/colors/colorful1">
   <dgm:title val=""/>
@@ -6387,6 +7308,925 @@
 </file>
 
 <file path=ppt/diagrams/colors8.xml><?xml version="1.0" encoding="utf-8"?>
+<dgm:colorsDef xmlns:dgm="http://schemas.openxmlformats.org/drawingml/2006/diagram" xmlns:a="http://schemas.openxmlformats.org/drawingml/2006/main" uniqueId="urn:microsoft.com/office/officeart/2005/8/colors/colorful1">
+  <dgm:title val=""/>
+  <dgm:desc val=""/>
+  <dgm:catLst>
+    <dgm:cat type="colorful" pri="10100"/>
+  </dgm:catLst>
+  <dgm:styleLbl name="node0">
+    <dgm:fillClrLst meth="repeat">
+      <a:schemeClr val="accent1"/>
+    </dgm:fillClrLst>
+    <dgm:linClrLst meth="repeat">
+      <a:schemeClr val="lt1"/>
+    </dgm:linClrLst>
+    <dgm:effectClrLst/>
+    <dgm:txLinClrLst/>
+    <dgm:txFillClrLst/>
+    <dgm:txEffectClrLst/>
+  </dgm:styleLbl>
+  <dgm:styleLbl name="node1">
+    <dgm:fillClrLst meth="repeat">
+      <a:schemeClr val="accent2"/>
+      <a:schemeClr val="accent3"/>
+      <a:schemeClr val="accent4"/>
+      <a:schemeClr val="accent5"/>
+      <a:schemeClr val="accent6"/>
+    </dgm:fillClrLst>
+    <dgm:linClrLst meth="repeat">
+      <a:schemeClr val="lt1"/>
+    </dgm:linClrLst>
+    <dgm:effectClrLst/>
+    <dgm:txLinClrLst/>
+    <dgm:txFillClrLst/>
+    <dgm:txEffectClrLst/>
+  </dgm:styleLbl>
+  <dgm:styleLbl name="alignNode1">
+    <dgm:fillClrLst meth="repeat">
+      <a:schemeClr val="accent2"/>
+      <a:schemeClr val="accent3"/>
+      <a:schemeClr val="accent4"/>
+      <a:schemeClr val="accent5"/>
+      <a:schemeClr val="accent6"/>
+    </dgm:fillClrLst>
+    <dgm:linClrLst meth="repeat">
+      <a:schemeClr val="accent2"/>
+      <a:schemeClr val="accent3"/>
+      <a:schemeClr val="accent4"/>
+      <a:schemeClr val="accent5"/>
+      <a:schemeClr val="accent6"/>
+    </dgm:linClrLst>
+    <dgm:effectClrLst/>
+    <dgm:txLinClrLst/>
+    <dgm:txFillClrLst/>
+    <dgm:txEffectClrLst/>
+  </dgm:styleLbl>
+  <dgm:styleLbl name="lnNode1">
+    <dgm:fillClrLst meth="repeat">
+      <a:schemeClr val="accent2"/>
+      <a:schemeClr val="accent3"/>
+      <a:schemeClr val="accent4"/>
+      <a:schemeClr val="accent5"/>
+      <a:schemeClr val="accent6"/>
+    </dgm:fillClrLst>
+    <dgm:linClrLst meth="repeat">
+      <a:schemeClr val="lt1"/>
+    </dgm:linClrLst>
+    <dgm:effectClrLst/>
+    <dgm:txLinClrLst/>
+    <dgm:txFillClrLst/>
+    <dgm:txEffectClrLst/>
+  </dgm:styleLbl>
+  <dgm:styleLbl name="vennNode1">
+    <dgm:fillClrLst meth="repeat">
+      <a:schemeClr val="accent2">
+        <a:alpha val="50000"/>
+      </a:schemeClr>
+      <a:schemeClr val="accent3">
+        <a:alpha val="50000"/>
+      </a:schemeClr>
+      <a:schemeClr val="accent4">
+        <a:alpha val="50000"/>
+      </a:schemeClr>
+      <a:schemeClr val="accent5">
+        <a:alpha val="50000"/>
+      </a:schemeClr>
+      <a:schemeClr val="accent6">
+        <a:alpha val="50000"/>
+      </a:schemeClr>
+    </dgm:fillClrLst>
+    <dgm:linClrLst meth="repeat">
+      <a:schemeClr val="lt1"/>
+    </dgm:linClrLst>
+    <dgm:effectClrLst/>
+    <dgm:txLinClrLst/>
+    <dgm:txFillClrLst/>
+    <dgm:txEffectClrLst/>
+  </dgm:styleLbl>
+  <dgm:styleLbl name="node2">
+    <dgm:fillClrLst>
+      <a:schemeClr val="accent2"/>
+    </dgm:fillClrLst>
+    <dgm:linClrLst meth="repeat">
+      <a:schemeClr val="lt1"/>
+    </dgm:linClrLst>
+    <dgm:effectClrLst/>
+    <dgm:txLinClrLst/>
+    <dgm:txFillClrLst/>
+    <dgm:txEffectClrLst/>
+  </dgm:styleLbl>
+  <dgm:styleLbl name="node3">
+    <dgm:fillClrLst>
+      <a:schemeClr val="accent3"/>
+    </dgm:fillClrLst>
+    <dgm:linClrLst meth="repeat">
+      <a:schemeClr val="lt1"/>
+    </dgm:linClrLst>
+    <dgm:effectClrLst/>
+    <dgm:txLinClrLst/>
+    <dgm:txFillClrLst/>
+    <dgm:txEffectClrLst/>
+  </dgm:styleLbl>
+  <dgm:styleLbl name="node4">
+    <dgm:fillClrLst>
+      <a:schemeClr val="accent4"/>
+    </dgm:fillClrLst>
+    <dgm:linClrLst meth="repeat">
+      <a:schemeClr val="lt1"/>
+    </dgm:linClrLst>
+    <dgm:effectClrLst/>
+    <dgm:txLinClrLst/>
+    <dgm:txFillClrLst/>
+    <dgm:txEffectClrLst/>
+  </dgm:styleLbl>
+  <dgm:styleLbl name="fgImgPlace1">
+    <dgm:fillClrLst meth="repeat">
+      <a:schemeClr val="accent2">
+        <a:tint val="50000"/>
+      </a:schemeClr>
+      <a:schemeClr val="accent3">
+        <a:tint val="50000"/>
+      </a:schemeClr>
+      <a:schemeClr val="accent4">
+        <a:tint val="50000"/>
+      </a:schemeClr>
+      <a:schemeClr val="accent5">
+        <a:tint val="50000"/>
+      </a:schemeClr>
+      <a:schemeClr val="accent6">
+        <a:tint val="50000"/>
+      </a:schemeClr>
+    </dgm:fillClrLst>
+    <dgm:linClrLst meth="repeat">
+      <a:schemeClr val="lt1"/>
+    </dgm:linClrLst>
+    <dgm:effectClrLst/>
+    <dgm:txLinClrLst/>
+    <dgm:txFillClrLst meth="repeat">
+      <a:schemeClr val="lt1"/>
+    </dgm:txFillClrLst>
+    <dgm:txEffectClrLst/>
+  </dgm:styleLbl>
+  <dgm:styleLbl name="alignImgPlace1">
+    <dgm:fillClrLst>
+      <a:schemeClr val="accent1">
+        <a:tint val="50000"/>
+      </a:schemeClr>
+      <a:schemeClr val="accent2">
+        <a:tint val="20000"/>
+      </a:schemeClr>
+    </dgm:fillClrLst>
+    <dgm:linClrLst meth="repeat">
+      <a:schemeClr val="lt1"/>
+    </dgm:linClrLst>
+    <dgm:effectClrLst/>
+    <dgm:txLinClrLst/>
+    <dgm:txFillClrLst meth="repeat">
+      <a:schemeClr val="lt1"/>
+    </dgm:txFillClrLst>
+    <dgm:txEffectClrLst/>
+  </dgm:styleLbl>
+  <dgm:styleLbl name="bgImgPlace1">
+    <dgm:fillClrLst>
+      <a:schemeClr val="accent1">
+        <a:tint val="50000"/>
+      </a:schemeClr>
+      <a:schemeClr val="accent2">
+        <a:tint val="20000"/>
+      </a:schemeClr>
+    </dgm:fillClrLst>
+    <dgm:linClrLst meth="repeat">
+      <a:schemeClr val="lt1"/>
+    </dgm:linClrLst>
+    <dgm:effectClrLst/>
+    <dgm:txLinClrLst/>
+    <dgm:txFillClrLst meth="repeat">
+      <a:schemeClr val="lt1"/>
+    </dgm:txFillClrLst>
+    <dgm:txEffectClrLst/>
+  </dgm:styleLbl>
+  <dgm:styleLbl name="sibTrans2D1">
+    <dgm:fillClrLst meth="repeat">
+      <a:schemeClr val="accent2"/>
+      <a:schemeClr val="accent3"/>
+      <a:schemeClr val="accent4"/>
+      <a:schemeClr val="accent5"/>
+      <a:schemeClr val="accent6"/>
+    </dgm:fillClrLst>
+    <dgm:linClrLst meth="cycle">
+      <a:schemeClr val="lt1"/>
+    </dgm:linClrLst>
+    <dgm:effectClrLst/>
+    <dgm:txLinClrLst/>
+    <dgm:txFillClrLst/>
+    <dgm:txEffectClrLst/>
+  </dgm:styleLbl>
+  <dgm:styleLbl name="fgSibTrans2D1">
+    <dgm:fillClrLst meth="repeat">
+      <a:schemeClr val="accent2"/>
+      <a:schemeClr val="accent3"/>
+      <a:schemeClr val="accent4"/>
+      <a:schemeClr val="accent5"/>
+      <a:schemeClr val="accent6"/>
+    </dgm:fillClrLst>
+    <dgm:linClrLst meth="cycle">
+      <a:schemeClr val="lt1"/>
+    </dgm:linClrLst>
+    <dgm:effectClrLst/>
+    <dgm:txLinClrLst/>
+    <dgm:txFillClrLst meth="repeat">
+      <a:schemeClr val="lt1"/>
+    </dgm:txFillClrLst>
+    <dgm:txEffectClrLst/>
+  </dgm:styleLbl>
+  <dgm:styleLbl name="bgSibTrans2D1">
+    <dgm:fillClrLst meth="repeat">
+      <a:schemeClr val="accent2"/>
+      <a:schemeClr val="accent3"/>
+      <a:schemeClr val="accent4"/>
+      <a:schemeClr val="accent5"/>
+      <a:schemeClr val="accent6"/>
+    </dgm:fillClrLst>
+    <dgm:linClrLst meth="cycle">
+      <a:schemeClr val="lt1"/>
+    </dgm:linClrLst>
+    <dgm:effectClrLst/>
+    <dgm:txLinClrLst/>
+    <dgm:txFillClrLst meth="repeat">
+      <a:schemeClr val="lt1"/>
+    </dgm:txFillClrLst>
+    <dgm:txEffectClrLst/>
+  </dgm:styleLbl>
+  <dgm:styleLbl name="sibTrans1D1">
+    <dgm:fillClrLst meth="repeat">
+      <a:schemeClr val="accent2"/>
+      <a:schemeClr val="accent3"/>
+      <a:schemeClr val="accent4"/>
+      <a:schemeClr val="accent5"/>
+      <a:schemeClr val="accent6"/>
+    </dgm:fillClrLst>
+    <dgm:linClrLst meth="repeat">
+      <a:schemeClr val="accent2"/>
+      <a:schemeClr val="accent3"/>
+      <a:schemeClr val="accent4"/>
+      <a:schemeClr val="accent5"/>
+      <a:schemeClr val="accent6"/>
+    </dgm:linClrLst>
+    <dgm:effectClrLst/>
+    <dgm:txLinClrLst/>
+    <dgm:txFillClrLst meth="repeat">
+      <a:schemeClr val="tx1"/>
+    </dgm:txFillClrLst>
+    <dgm:txEffectClrLst/>
+  </dgm:styleLbl>
+  <dgm:styleLbl name="callout">
+    <dgm:fillClrLst meth="repeat">
+      <a:schemeClr val="accent2"/>
+    </dgm:fillClrLst>
+    <dgm:linClrLst meth="repeat">
+      <a:schemeClr val="accent2">
+        <a:tint val="50000"/>
+      </a:schemeClr>
+    </dgm:linClrLst>
+    <dgm:effectClrLst/>
+    <dgm:txLinClrLst/>
+    <dgm:txFillClrLst meth="repeat">
+      <a:schemeClr val="tx1"/>
+    </dgm:txFillClrLst>
+    <dgm:txEffectClrLst/>
+  </dgm:styleLbl>
+  <dgm:styleLbl name="asst0">
+    <dgm:fillClrLst meth="repeat">
+      <a:schemeClr val="accent1"/>
+    </dgm:fillClrLst>
+    <dgm:linClrLst meth="repeat">
+      <a:schemeClr val="lt1"/>
+    </dgm:linClrLst>
+    <dgm:effectClrLst/>
+    <dgm:txLinClrLst/>
+    <dgm:txFillClrLst/>
+    <dgm:txEffectClrLst/>
+  </dgm:styleLbl>
+  <dgm:styleLbl name="asst1">
+    <dgm:fillClrLst meth="repeat">
+      <a:schemeClr val="accent2"/>
+    </dgm:fillClrLst>
+    <dgm:linClrLst meth="repeat">
+      <a:schemeClr val="lt1"/>
+    </dgm:linClrLst>
+    <dgm:effectClrLst/>
+    <dgm:txLinClrLst/>
+    <dgm:txFillClrLst/>
+    <dgm:txEffectClrLst/>
+  </dgm:styleLbl>
+  <dgm:styleLbl name="asst2">
+    <dgm:fillClrLst>
+      <a:schemeClr val="accent3"/>
+    </dgm:fillClrLst>
+    <dgm:linClrLst meth="repeat">
+      <a:schemeClr val="lt1"/>
+    </dgm:linClrLst>
+    <dgm:effectClrLst/>
+    <dgm:txLinClrLst/>
+    <dgm:txFillClrLst/>
+    <dgm:txEffectClrLst/>
+  </dgm:styleLbl>
+  <dgm:styleLbl name="asst3">
+    <dgm:fillClrLst>
+      <a:schemeClr val="accent4"/>
+    </dgm:fillClrLst>
+    <dgm:linClrLst meth="repeat">
+      <a:schemeClr val="lt1"/>
+    </dgm:linClrLst>
+    <dgm:effectClrLst/>
+    <dgm:txLinClrLst/>
+    <dgm:txFillClrLst/>
+    <dgm:txEffectClrLst/>
+  </dgm:styleLbl>
+  <dgm:styleLbl name="asst4">
+    <dgm:fillClrLst>
+      <a:schemeClr val="accent5"/>
+    </dgm:fillClrLst>
+    <dgm:linClrLst meth="repeat">
+      <a:schemeClr val="lt1"/>
+    </dgm:linClrLst>
+    <dgm:effectClrLst/>
+    <dgm:txLinClrLst/>
+    <dgm:txFillClrLst/>
+    <dgm:txEffectClrLst/>
+  </dgm:styleLbl>
+  <dgm:styleLbl name="parChTrans2D1">
+    <dgm:fillClrLst meth="repeat">
+      <a:schemeClr val="accent2"/>
+    </dgm:fillClrLst>
+    <dgm:linClrLst meth="repeat">
+      <a:schemeClr val="lt1"/>
+    </dgm:linClrLst>
+    <dgm:effectClrLst/>
+    <dgm:txLinClrLst/>
+    <dgm:txFillClrLst meth="repeat">
+      <a:schemeClr val="lt1"/>
+    </dgm:txFillClrLst>
+    <dgm:txEffectClrLst/>
+  </dgm:styleLbl>
+  <dgm:styleLbl name="parChTrans2D2">
+    <dgm:fillClrLst meth="repeat">
+      <a:schemeClr val="accent3"/>
+    </dgm:fillClrLst>
+    <dgm:linClrLst meth="repeat">
+      <a:schemeClr val="lt1"/>
+    </dgm:linClrLst>
+    <dgm:effectClrLst/>
+    <dgm:txLinClrLst/>
+    <dgm:txFillClrLst/>
+    <dgm:txEffectClrLst/>
+  </dgm:styleLbl>
+  <dgm:styleLbl name="parChTrans2D3">
+    <dgm:fillClrLst meth="repeat">
+      <a:schemeClr val="accent4"/>
+    </dgm:fillClrLst>
+    <dgm:linClrLst meth="repeat">
+      <a:schemeClr val="lt1"/>
+    </dgm:linClrLst>
+    <dgm:effectClrLst/>
+    <dgm:txLinClrLst/>
+    <dgm:txFillClrLst/>
+    <dgm:txEffectClrLst/>
+  </dgm:styleLbl>
+  <dgm:styleLbl name="parChTrans2D4">
+    <dgm:fillClrLst meth="repeat">
+      <a:schemeClr val="accent5"/>
+    </dgm:fillClrLst>
+    <dgm:linClrLst meth="repeat">
+      <a:schemeClr val="lt1"/>
+    </dgm:linClrLst>
+    <dgm:effectClrLst/>
+    <dgm:txLinClrLst/>
+    <dgm:txFillClrLst meth="repeat">
+      <a:schemeClr val="lt1"/>
+    </dgm:txFillClrLst>
+    <dgm:txEffectClrLst/>
+  </dgm:styleLbl>
+  <dgm:styleLbl name="parChTrans1D1">
+    <dgm:fillClrLst meth="repeat">
+      <a:schemeClr val="accent2"/>
+    </dgm:fillClrLst>
+    <dgm:linClrLst meth="repeat">
+      <a:schemeClr val="accent1"/>
+    </dgm:linClrLst>
+    <dgm:effectClrLst/>
+    <dgm:txLinClrLst/>
+    <dgm:txFillClrLst meth="repeat">
+      <a:schemeClr val="tx1"/>
+    </dgm:txFillClrLst>
+    <dgm:txEffectClrLst/>
+  </dgm:styleLbl>
+  <dgm:styleLbl name="parChTrans1D2">
+    <dgm:fillClrLst meth="repeat">
+      <a:schemeClr val="accent3">
+        <a:tint val="90000"/>
+      </a:schemeClr>
+    </dgm:fillClrLst>
+    <dgm:linClrLst meth="repeat">
+      <a:schemeClr val="accent2"/>
+    </dgm:linClrLst>
+    <dgm:effectClrLst/>
+    <dgm:txLinClrLst/>
+    <dgm:txFillClrLst meth="repeat">
+      <a:schemeClr val="tx1"/>
+    </dgm:txFillClrLst>
+    <dgm:txEffectClrLst/>
+  </dgm:styleLbl>
+  <dgm:styleLbl name="parChTrans1D3">
+    <dgm:fillClrLst meth="repeat">
+      <a:schemeClr val="accent4">
+        <a:tint val="70000"/>
+      </a:schemeClr>
+    </dgm:fillClrLst>
+    <dgm:linClrLst meth="repeat">
+      <a:schemeClr val="accent3"/>
+    </dgm:linClrLst>
+    <dgm:effectClrLst/>
+    <dgm:txLinClrLst/>
+    <dgm:txFillClrLst meth="repeat">
+      <a:schemeClr val="tx1"/>
+    </dgm:txFillClrLst>
+    <dgm:txEffectClrLst/>
+  </dgm:styleLbl>
+  <dgm:styleLbl name="parChTrans1D4">
+    <dgm:fillClrLst meth="repeat">
+      <a:schemeClr val="accent5">
+        <a:tint val="50000"/>
+      </a:schemeClr>
+    </dgm:fillClrLst>
+    <dgm:linClrLst meth="repeat">
+      <a:schemeClr val="accent4"/>
+    </dgm:linClrLst>
+    <dgm:effectClrLst/>
+    <dgm:txLinClrLst/>
+    <dgm:txFillClrLst meth="repeat">
+      <a:schemeClr val="tx1"/>
+    </dgm:txFillClrLst>
+    <dgm:txEffectClrLst/>
+  </dgm:styleLbl>
+  <dgm:styleLbl name="fgAcc1">
+    <dgm:fillClrLst meth="repeat">
+      <a:schemeClr val="lt1">
+        <a:alpha val="90000"/>
+      </a:schemeClr>
+    </dgm:fillClrLst>
+    <dgm:linClrLst meth="repeat">
+      <a:schemeClr val="accent2"/>
+      <a:schemeClr val="accent3"/>
+      <a:schemeClr val="accent4"/>
+      <a:schemeClr val="accent5"/>
+      <a:schemeClr val="accent6"/>
+    </dgm:linClrLst>
+    <dgm:effectClrLst/>
+    <dgm:txLinClrLst/>
+    <dgm:txFillClrLst meth="repeat">
+      <a:schemeClr val="dk1"/>
+    </dgm:txFillClrLst>
+    <dgm:txEffectClrLst/>
+  </dgm:styleLbl>
+  <dgm:styleLbl name="conFgAcc1">
+    <dgm:fillClrLst meth="repeat">
+      <a:schemeClr val="lt1">
+        <a:alpha val="90000"/>
+      </a:schemeClr>
+    </dgm:fillClrLst>
+    <dgm:linClrLst meth="repeat">
+      <a:schemeClr val="accent2"/>
+      <a:schemeClr val="accent3"/>
+      <a:schemeClr val="accent4"/>
+      <a:schemeClr val="accent5"/>
+      <a:schemeClr val="accent6"/>
+    </dgm:linClrLst>
+    <dgm:effectClrLst/>
+    <dgm:txLinClrLst/>
+    <dgm:txFillClrLst meth="repeat">
+      <a:schemeClr val="dk1"/>
+    </dgm:txFillClrLst>
+    <dgm:txEffectClrLst/>
+  </dgm:styleLbl>
+  <dgm:styleLbl name="alignAcc1">
+    <dgm:fillClrLst meth="repeat">
+      <a:schemeClr val="lt1">
+        <a:alpha val="90000"/>
+      </a:schemeClr>
+    </dgm:fillClrLst>
+    <dgm:linClrLst meth="repeat">
+      <a:schemeClr val="accent2"/>
+      <a:schemeClr val="accent3"/>
+      <a:schemeClr val="accent4"/>
+      <a:schemeClr val="accent5"/>
+      <a:schemeClr val="accent6"/>
+    </dgm:linClrLst>
+    <dgm:effectClrLst/>
+    <dgm:txLinClrLst/>
+    <dgm:txFillClrLst meth="repeat">
+      <a:schemeClr val="dk1"/>
+    </dgm:txFillClrLst>
+    <dgm:txEffectClrLst/>
+  </dgm:styleLbl>
+  <dgm:styleLbl name="trAlignAcc1">
+    <dgm:fillClrLst meth="repeat">
+      <a:schemeClr val="lt1">
+        <a:alpha val="40000"/>
+      </a:schemeClr>
+    </dgm:fillClrLst>
+    <dgm:linClrLst meth="repeat">
+      <a:schemeClr val="accent1"/>
+    </dgm:linClrLst>
+    <dgm:effectClrLst/>
+    <dgm:txLinClrLst/>
+    <dgm:txFillClrLst meth="repeat">
+      <a:schemeClr val="dk1"/>
+    </dgm:txFillClrLst>
+    <dgm:txEffectClrLst/>
+  </dgm:styleLbl>
+  <dgm:styleLbl name="bgAcc1">
+    <dgm:fillClrLst meth="repeat">
+      <a:schemeClr val="lt1">
+        <a:alpha val="90000"/>
+      </a:schemeClr>
+    </dgm:fillClrLst>
+    <dgm:linClrLst meth="repeat">
+      <a:schemeClr val="accent2"/>
+      <a:schemeClr val="accent3"/>
+      <a:schemeClr val="accent4"/>
+      <a:schemeClr val="accent5"/>
+      <a:schemeClr val="accent6"/>
+    </dgm:linClrLst>
+    <dgm:effectClrLst/>
+    <dgm:txLinClrLst/>
+    <dgm:txFillClrLst meth="repeat">
+      <a:schemeClr val="dk1"/>
+    </dgm:txFillClrLst>
+    <dgm:txEffectClrLst/>
+  </dgm:styleLbl>
+  <dgm:styleLbl name="solidFgAcc1">
+    <dgm:fillClrLst meth="repeat">
+      <a:schemeClr val="lt1"/>
+    </dgm:fillClrLst>
+    <dgm:linClrLst meth="repeat">
+      <a:schemeClr val="accent2"/>
+      <a:schemeClr val="accent3"/>
+      <a:schemeClr val="accent4"/>
+      <a:schemeClr val="accent5"/>
+      <a:schemeClr val="accent6"/>
+    </dgm:linClrLst>
+    <dgm:effectClrLst/>
+    <dgm:txLinClrLst/>
+    <dgm:txFillClrLst meth="repeat">
+      <a:schemeClr val="dk1"/>
+    </dgm:txFillClrLst>
+    <dgm:txEffectClrLst/>
+  </dgm:styleLbl>
+  <dgm:styleLbl name="solidAlignAcc1">
+    <dgm:fillClrLst meth="repeat">
+      <a:schemeClr val="lt1"/>
+    </dgm:fillClrLst>
+    <dgm:linClrLst meth="repeat">
+      <a:schemeClr val="accent2"/>
+      <a:schemeClr val="accent3"/>
+      <a:schemeClr val="accent4"/>
+      <a:schemeClr val="accent5"/>
+      <a:schemeClr val="accent6"/>
+    </dgm:linClrLst>
+    <dgm:effectClrLst/>
+    <dgm:txLinClrLst/>
+    <dgm:txFillClrLst meth="repeat">
+      <a:schemeClr val="dk1"/>
+    </dgm:txFillClrLst>
+    <dgm:txEffectClrLst/>
+  </dgm:styleLbl>
+  <dgm:styleLbl name="solidBgAcc1">
+    <dgm:fillClrLst meth="repeat">
+      <a:schemeClr val="lt1"/>
+    </dgm:fillClrLst>
+    <dgm:linClrLst meth="repeat">
+      <a:schemeClr val="accent2"/>
+      <a:schemeClr val="accent3"/>
+      <a:schemeClr val="accent4"/>
+      <a:schemeClr val="accent5"/>
+      <a:schemeClr val="accent6"/>
+    </dgm:linClrLst>
+    <dgm:effectClrLst/>
+    <dgm:txLinClrLst/>
+    <dgm:txFillClrLst meth="repeat">
+      <a:schemeClr val="dk1"/>
+    </dgm:txFillClrLst>
+    <dgm:txEffectClrLst/>
+  </dgm:styleLbl>
+  <dgm:styleLbl name="fgAccFollowNode1">
+    <dgm:fillClrLst meth="repeat">
+      <a:schemeClr val="accent2">
+        <a:tint val="40000"/>
+        <a:alpha val="90000"/>
+      </a:schemeClr>
+      <a:schemeClr val="accent3">
+        <a:tint val="40000"/>
+        <a:alpha val="90000"/>
+      </a:schemeClr>
+      <a:schemeClr val="accent4">
+        <a:tint val="40000"/>
+        <a:alpha val="90000"/>
+      </a:schemeClr>
+      <a:schemeClr val="accent5">
+        <a:tint val="40000"/>
+        <a:alpha val="90000"/>
+      </a:schemeClr>
+      <a:schemeClr val="accent6">
+        <a:tint val="40000"/>
+        <a:alpha val="90000"/>
+      </a:schemeClr>
+    </dgm:fillClrLst>
+    <dgm:linClrLst meth="repeat">
+      <a:schemeClr val="accent2">
+        <a:tint val="40000"/>
+        <a:alpha val="90000"/>
+      </a:schemeClr>
+      <a:schemeClr val="accent3">
+        <a:tint val="40000"/>
+        <a:alpha val="90000"/>
+      </a:schemeClr>
+      <a:schemeClr val="accent4">
+        <a:tint val="40000"/>
+        <a:alpha val="90000"/>
+      </a:schemeClr>
+      <a:schemeClr val="accent5">
+        <a:tint val="40000"/>
+        <a:alpha val="90000"/>
+      </a:schemeClr>
+      <a:schemeClr val="accent6">
+        <a:tint val="40000"/>
+        <a:alpha val="90000"/>
+      </a:schemeClr>
+    </dgm:linClrLst>
+    <dgm:effectClrLst/>
+    <dgm:txLinClrLst/>
+    <dgm:txFillClrLst meth="repeat">
+      <a:schemeClr val="dk1"/>
+    </dgm:txFillClrLst>
+    <dgm:txEffectClrLst/>
+  </dgm:styleLbl>
+  <dgm:styleLbl name="alignAccFollowNode1">
+    <dgm:fillClrLst meth="repeat">
+      <a:schemeClr val="accent2">
+        <a:tint val="40000"/>
+        <a:alpha val="90000"/>
+      </a:schemeClr>
+      <a:schemeClr val="accent3">
+        <a:tint val="40000"/>
+        <a:alpha val="90000"/>
+      </a:schemeClr>
+      <a:schemeClr val="accent4">
+        <a:tint val="40000"/>
+        <a:alpha val="90000"/>
+      </a:schemeClr>
+      <a:schemeClr val="accent5">
+        <a:tint val="40000"/>
+        <a:alpha val="90000"/>
+      </a:schemeClr>
+      <a:schemeClr val="accent6">
+        <a:tint val="40000"/>
+        <a:alpha val="90000"/>
+      </a:schemeClr>
+    </dgm:fillClrLst>
+    <dgm:linClrLst meth="repeat">
+      <a:schemeClr val="accent2">
+        <a:tint val="40000"/>
+        <a:alpha val="90000"/>
+      </a:schemeClr>
+      <a:schemeClr val="accent3">
+        <a:tint val="40000"/>
+        <a:alpha val="90000"/>
+      </a:schemeClr>
+      <a:schemeClr val="accent4">
+        <a:tint val="40000"/>
+        <a:alpha val="90000"/>
+      </a:schemeClr>
+      <a:schemeClr val="accent5">
+        <a:tint val="40000"/>
+        <a:alpha val="90000"/>
+      </a:schemeClr>
+      <a:schemeClr val="accent6">
+        <a:tint val="40000"/>
+        <a:alpha val="90000"/>
+      </a:schemeClr>
+    </dgm:linClrLst>
+    <dgm:effectClrLst/>
+    <dgm:txLinClrLst/>
+    <dgm:txFillClrLst meth="repeat">
+      <a:schemeClr val="dk1"/>
+    </dgm:txFillClrLst>
+    <dgm:txEffectClrLst/>
+  </dgm:styleLbl>
+  <dgm:styleLbl name="bgAccFollowNode1">
+    <dgm:fillClrLst meth="repeat">
+      <a:schemeClr val="accent2">
+        <a:tint val="40000"/>
+        <a:alpha val="90000"/>
+      </a:schemeClr>
+      <a:schemeClr val="accent3">
+        <a:tint val="40000"/>
+        <a:alpha val="90000"/>
+      </a:schemeClr>
+      <a:schemeClr val="accent4">
+        <a:tint val="40000"/>
+        <a:alpha val="90000"/>
+      </a:schemeClr>
+      <a:schemeClr val="accent5">
+        <a:tint val="40000"/>
+        <a:alpha val="90000"/>
+      </a:schemeClr>
+      <a:schemeClr val="accent6">
+        <a:tint val="40000"/>
+        <a:alpha val="90000"/>
+      </a:schemeClr>
+    </dgm:fillClrLst>
+    <dgm:linClrLst meth="repeat">
+      <a:schemeClr val="accent2">
+        <a:tint val="40000"/>
+        <a:alpha val="90000"/>
+      </a:schemeClr>
+      <a:schemeClr val="accent3">
+        <a:tint val="40000"/>
+        <a:alpha val="90000"/>
+      </a:schemeClr>
+      <a:schemeClr val="accent4">
+        <a:tint val="40000"/>
+        <a:alpha val="90000"/>
+      </a:schemeClr>
+      <a:schemeClr val="accent5">
+        <a:tint val="40000"/>
+        <a:alpha val="90000"/>
+      </a:schemeClr>
+      <a:schemeClr val="accent6">
+        <a:tint val="40000"/>
+        <a:alpha val="90000"/>
+      </a:schemeClr>
+    </dgm:linClrLst>
+    <dgm:effectClrLst/>
+    <dgm:txLinClrLst/>
+    <dgm:txFillClrLst meth="repeat">
+      <a:schemeClr val="dk1"/>
+    </dgm:txFillClrLst>
+    <dgm:txEffectClrLst/>
+  </dgm:styleLbl>
+  <dgm:styleLbl name="fgAcc0">
+    <dgm:fillClrLst meth="repeat">
+      <a:schemeClr val="lt1">
+        <a:alpha val="90000"/>
+      </a:schemeClr>
+    </dgm:fillClrLst>
+    <dgm:linClrLst>
+      <a:schemeClr val="accent1"/>
+    </dgm:linClrLst>
+    <dgm:effectClrLst/>
+    <dgm:txLinClrLst/>
+    <dgm:txFillClrLst meth="repeat">
+      <a:schemeClr val="dk1"/>
+    </dgm:txFillClrLst>
+    <dgm:txEffectClrLst/>
+  </dgm:styleLbl>
+  <dgm:styleLbl name="fgAcc2">
+    <dgm:fillClrLst meth="repeat">
+      <a:schemeClr val="lt1">
+        <a:alpha val="90000"/>
+      </a:schemeClr>
+    </dgm:fillClrLst>
+    <dgm:linClrLst>
+      <a:schemeClr val="accent2"/>
+    </dgm:linClrLst>
+    <dgm:effectClrLst/>
+    <dgm:txLinClrLst/>
+    <dgm:txFillClrLst meth="repeat">
+      <a:schemeClr val="dk1"/>
+    </dgm:txFillClrLst>
+    <dgm:txEffectClrLst/>
+  </dgm:styleLbl>
+  <dgm:styleLbl name="fgAcc3">
+    <dgm:fillClrLst meth="repeat">
+      <a:schemeClr val="lt1">
+        <a:alpha val="90000"/>
+      </a:schemeClr>
+    </dgm:fillClrLst>
+    <dgm:linClrLst>
+      <a:schemeClr val="accent3"/>
+    </dgm:linClrLst>
+    <dgm:effectClrLst/>
+    <dgm:txLinClrLst/>
+    <dgm:txFillClrLst meth="repeat">
+      <a:schemeClr val="dk1"/>
+    </dgm:txFillClrLst>
+    <dgm:txEffectClrLst/>
+  </dgm:styleLbl>
+  <dgm:styleLbl name="fgAcc4">
+    <dgm:fillClrLst meth="repeat">
+      <a:schemeClr val="lt1">
+        <a:alpha val="90000"/>
+      </a:schemeClr>
+    </dgm:fillClrLst>
+    <dgm:linClrLst>
+      <a:schemeClr val="accent4"/>
+    </dgm:linClrLst>
+    <dgm:effectClrLst/>
+    <dgm:txLinClrLst/>
+    <dgm:txFillClrLst meth="repeat">
+      <a:schemeClr val="dk1"/>
+    </dgm:txFillClrLst>
+    <dgm:txEffectClrLst/>
+  </dgm:styleLbl>
+  <dgm:styleLbl name="bgShp">
+    <dgm:fillClrLst meth="repeat">
+      <a:schemeClr val="accent2">
+        <a:tint val="40000"/>
+      </a:schemeClr>
+    </dgm:fillClrLst>
+    <dgm:linClrLst meth="repeat">
+      <a:schemeClr val="dk1"/>
+    </dgm:linClrLst>
+    <dgm:effectClrLst/>
+    <dgm:txLinClrLst/>
+    <dgm:txFillClrLst meth="repeat">
+      <a:schemeClr val="dk1"/>
+    </dgm:txFillClrLst>
+    <dgm:txEffectClrLst/>
+  </dgm:styleLbl>
+  <dgm:styleLbl name="dkBgShp">
+    <dgm:fillClrLst meth="repeat">
+      <a:schemeClr val="accent2">
+        <a:shade val="90000"/>
+      </a:schemeClr>
+    </dgm:fillClrLst>
+    <dgm:linClrLst meth="repeat">
+      <a:schemeClr val="dk1"/>
+    </dgm:linClrLst>
+    <dgm:effectClrLst/>
+    <dgm:txLinClrLst/>
+    <dgm:txFillClrLst meth="repeat">
+      <a:schemeClr val="lt1"/>
+    </dgm:txFillClrLst>
+    <dgm:txEffectClrLst/>
+  </dgm:styleLbl>
+  <dgm:styleLbl name="trBgShp">
+    <dgm:fillClrLst meth="repeat">
+      <a:schemeClr val="accent1">
+        <a:tint val="50000"/>
+        <a:alpha val="40000"/>
+      </a:schemeClr>
+    </dgm:fillClrLst>
+    <dgm:linClrLst meth="repeat">
+      <a:schemeClr val="accent2"/>
+    </dgm:linClrLst>
+    <dgm:effectClrLst/>
+    <dgm:txLinClrLst/>
+    <dgm:txFillClrLst meth="repeat">
+      <a:schemeClr val="lt1"/>
+    </dgm:txFillClrLst>
+    <dgm:txEffectClrLst/>
+  </dgm:styleLbl>
+  <dgm:styleLbl name="fgShp">
+    <dgm:fillClrLst meth="repeat">
+      <a:schemeClr val="accent2">
+        <a:tint val="40000"/>
+      </a:schemeClr>
+    </dgm:fillClrLst>
+    <dgm:linClrLst meth="repeat">
+      <a:schemeClr val="lt1"/>
+    </dgm:linClrLst>
+    <dgm:effectClrLst/>
+    <dgm:txLinClrLst/>
+    <dgm:txFillClrLst meth="repeat">
+      <a:schemeClr val="dk1"/>
+    </dgm:txFillClrLst>
+    <dgm:txEffectClrLst/>
+  </dgm:styleLbl>
+  <dgm:styleLbl name="revTx">
+    <dgm:fillClrLst meth="repeat">
+      <a:schemeClr val="lt1">
+        <a:alpha val="0"/>
+      </a:schemeClr>
+    </dgm:fillClrLst>
+    <dgm:linClrLst meth="repeat">
+      <a:schemeClr val="dk1">
+        <a:alpha val="0"/>
+      </a:schemeClr>
+    </dgm:linClrLst>
+    <dgm:effectClrLst/>
+    <dgm:txLinClrLst/>
+    <dgm:txFillClrLst meth="repeat">
+      <a:schemeClr val="tx1"/>
+    </dgm:txFillClrLst>
+    <dgm:txEffectClrLst/>
+  </dgm:styleLbl>
+</dgm:colorsDef>
+</file>
+
+<file path=ppt/diagrams/colors9.xml><?xml version="1.0" encoding="utf-8"?>
 <dgm:colorsDef xmlns:dgm="http://schemas.openxmlformats.org/drawingml/2006/diagram" xmlns:a="http://schemas.openxmlformats.org/drawingml/2006/main" uniqueId="urn:microsoft.com/office/officeart/2005/8/colors/colorful1">
   <dgm:title val=""/>
   <dgm:desc val=""/>
@@ -7576,6 +9416,54 @@
         </a:p>
       </dgm:t>
     </dgm:pt>
+    <dgm:pt modelId="{CC119F51-838B-4537-BAD7-89CD967C1D13}">
+      <dgm:prSet/>
+      <dgm:spPr/>
+      <dgm:t>
+        <a:bodyPr/>
+        <a:lstStyle/>
+        <a:p>
+          <a:r>
+            <a:rPr lang="es-CL" dirty="0"/>
+            <a:t>Procesos Agroindustriales</a:t>
+          </a:r>
+        </a:p>
+      </dgm:t>
+    </dgm:pt>
+    <dgm:pt modelId="{BC99C81C-E006-4264-A57C-6C51CBD45852}" type="parTrans" cxnId="{265896EE-18B8-422D-B3ED-7BB4341E1E51}">
+      <dgm:prSet/>
+      <dgm:spPr/>
+    </dgm:pt>
+    <dgm:pt modelId="{098BEBB0-AD23-42A9-B2FE-6446D6B6DCD4}" type="sibTrans" cxnId="{265896EE-18B8-422D-B3ED-7BB4341E1E51}">
+      <dgm:prSet/>
+      <dgm:spPr/>
+    </dgm:pt>
+    <dgm:pt modelId="{4C4C45B8-B29D-4C4B-99D1-EDE10F6FD678}">
+      <dgm:prSet/>
+      <dgm:spPr/>
+      <dgm:t>
+        <a:bodyPr/>
+        <a:lstStyle/>
+        <a:p>
+          <a:r>
+            <a:rPr lang="es-CL" dirty="0" err="1"/>
+            <a:t>Direcctorio</a:t>
+          </a:r>
+          <a:r>
+            <a:rPr lang="es-CL" dirty="0"/>
+            <a:t> Agroindustria</a:t>
+          </a:r>
+        </a:p>
+      </dgm:t>
+    </dgm:pt>
+    <dgm:pt modelId="{C72BFE63-EC14-46B4-B7EA-D4BCCC7A67D3}" type="parTrans" cxnId="{C483CE2F-25B1-4164-8FE4-4172307FBC04}">
+      <dgm:prSet/>
+      <dgm:spPr/>
+    </dgm:pt>
+    <dgm:pt modelId="{9B18E550-5A50-479B-A615-3BD807DBD8A4}" type="sibTrans" cxnId="{C483CE2F-25B1-4164-8FE4-4172307FBC04}">
+      <dgm:prSet/>
+      <dgm:spPr/>
+    </dgm:pt>
     <dgm:pt modelId="{9F47A91B-D3E9-4FAF-A4D0-8179C0BD5CE2}" type="pres">
       <dgm:prSet presAssocID="{C2B0BC53-E054-4CCB-9171-C86720FC59DF}" presName="linear" presStyleCnt="0">
         <dgm:presLayoutVars>
@@ -7586,7 +9474,7 @@
       <dgm:spPr/>
     </dgm:pt>
     <dgm:pt modelId="{64377ED6-0D0B-4937-8498-C3AA37084194}" type="pres">
-      <dgm:prSet presAssocID="{663C46B4-A275-4A20-9F93-062A0A38263F}" presName="parentText" presStyleLbl="node1" presStyleIdx="0" presStyleCnt="7">
+      <dgm:prSet presAssocID="{663C46B4-A275-4A20-9F93-062A0A38263F}" presName="parentText" presStyleLbl="node1" presStyleIdx="0" presStyleCnt="9">
         <dgm:presLayoutVars>
           <dgm:chMax val="0"/>
           <dgm:bulletEnabled val="1"/>
@@ -7599,7 +9487,7 @@
       <dgm:spPr/>
     </dgm:pt>
     <dgm:pt modelId="{85539961-01D3-46AE-B4BD-A10AF33B4C97}" type="pres">
-      <dgm:prSet presAssocID="{8E01CE8C-3AC0-4851-B335-89F7E4079F6E}" presName="parentText" presStyleLbl="node1" presStyleIdx="1" presStyleCnt="7">
+      <dgm:prSet presAssocID="{8E01CE8C-3AC0-4851-B335-89F7E4079F6E}" presName="parentText" presStyleLbl="node1" presStyleIdx="1" presStyleCnt="9">
         <dgm:presLayoutVars>
           <dgm:chMax val="0"/>
           <dgm:bulletEnabled val="1"/>
@@ -7612,7 +9500,7 @@
       <dgm:spPr/>
     </dgm:pt>
     <dgm:pt modelId="{ABB25A8E-FB33-4F4A-A39F-EEB0F3802432}" type="pres">
-      <dgm:prSet presAssocID="{801A6CBD-0D7B-4B62-9354-DDE4A065FFC3}" presName="parentText" presStyleLbl="node1" presStyleIdx="2" presStyleCnt="7">
+      <dgm:prSet presAssocID="{801A6CBD-0D7B-4B62-9354-DDE4A065FFC3}" presName="parentText" presStyleLbl="node1" presStyleIdx="2" presStyleCnt="9">
         <dgm:presLayoutVars>
           <dgm:chMax val="0"/>
           <dgm:bulletEnabled val="1"/>
@@ -7625,7 +9513,7 @@
       <dgm:spPr/>
     </dgm:pt>
     <dgm:pt modelId="{857E0305-DC83-4580-874E-FCC9768A467B}" type="pres">
-      <dgm:prSet presAssocID="{6E578A6D-D786-4451-A2D7-BCFD36C6A835}" presName="parentText" presStyleLbl="node1" presStyleIdx="3" presStyleCnt="7">
+      <dgm:prSet presAssocID="{6E578A6D-D786-4451-A2D7-BCFD36C6A835}" presName="parentText" presStyleLbl="node1" presStyleIdx="3" presStyleCnt="9">
         <dgm:presLayoutVars>
           <dgm:chMax val="0"/>
           <dgm:bulletEnabled val="1"/>
@@ -7638,7 +9526,7 @@
       <dgm:spPr/>
     </dgm:pt>
     <dgm:pt modelId="{795B7A34-9009-416A-A286-CB24B1702767}" type="pres">
-      <dgm:prSet presAssocID="{7B3CEDDA-B2D5-4677-B413-CC19F4FBF7F9}" presName="parentText" presStyleLbl="node1" presStyleIdx="4" presStyleCnt="7">
+      <dgm:prSet presAssocID="{7B3CEDDA-B2D5-4677-B413-CC19F4FBF7F9}" presName="parentText" presStyleLbl="node1" presStyleIdx="4" presStyleCnt="9">
         <dgm:presLayoutVars>
           <dgm:chMax val="0"/>
           <dgm:bulletEnabled val="1"/>
@@ -7651,7 +9539,7 @@
       <dgm:spPr/>
     </dgm:pt>
     <dgm:pt modelId="{B0D6D213-2DD5-401D-9B0D-C82CDA443F72}" type="pres">
-      <dgm:prSet presAssocID="{DD7F3FDF-E3C6-46FD-A5D5-AC5B226150ED}" presName="parentText" presStyleLbl="node1" presStyleIdx="5" presStyleCnt="7">
+      <dgm:prSet presAssocID="{DD7F3FDF-E3C6-46FD-A5D5-AC5B226150ED}" presName="parentText" presStyleLbl="node1" presStyleIdx="5" presStyleCnt="9">
         <dgm:presLayoutVars>
           <dgm:chMax val="0"/>
           <dgm:bulletEnabled val="1"/>
@@ -7664,7 +9552,33 @@
       <dgm:spPr/>
     </dgm:pt>
     <dgm:pt modelId="{45E1E751-DADF-4AF6-B40E-CAF70016659B}" type="pres">
-      <dgm:prSet presAssocID="{5F48CA1F-0590-41D4-A180-62B195AB3942}" presName="parentText" presStyleLbl="node1" presStyleIdx="6" presStyleCnt="7">
+      <dgm:prSet presAssocID="{5F48CA1F-0590-41D4-A180-62B195AB3942}" presName="parentText" presStyleLbl="node1" presStyleIdx="6" presStyleCnt="9">
+        <dgm:presLayoutVars>
+          <dgm:chMax val="0"/>
+          <dgm:bulletEnabled val="1"/>
+        </dgm:presLayoutVars>
+      </dgm:prSet>
+      <dgm:spPr/>
+    </dgm:pt>
+    <dgm:pt modelId="{49F72999-A57C-43A0-8AF9-9BDF9B8EB8E1}" type="pres">
+      <dgm:prSet presAssocID="{B336945D-101C-4F3F-B73C-0573CEF5EA1E}" presName="spacer" presStyleCnt="0"/>
+      <dgm:spPr/>
+    </dgm:pt>
+    <dgm:pt modelId="{C839A92C-5485-4587-94DB-4E1F3E3A7F0F}" type="pres">
+      <dgm:prSet presAssocID="{CC119F51-838B-4537-BAD7-89CD967C1D13}" presName="parentText" presStyleLbl="node1" presStyleIdx="7" presStyleCnt="9">
+        <dgm:presLayoutVars>
+          <dgm:chMax val="0"/>
+          <dgm:bulletEnabled val="1"/>
+        </dgm:presLayoutVars>
+      </dgm:prSet>
+      <dgm:spPr/>
+    </dgm:pt>
+    <dgm:pt modelId="{A3B5C8D6-0A19-4FF3-B5BB-73D8BDD69F3B}" type="pres">
+      <dgm:prSet presAssocID="{098BEBB0-AD23-42A9-B2FE-6446D6B6DCD4}" presName="spacer" presStyleCnt="0"/>
+      <dgm:spPr/>
+    </dgm:pt>
+    <dgm:pt modelId="{7A7195D4-5A1E-4DA7-A733-4AD6576D4F63}" type="pres">
+      <dgm:prSet presAssocID="{4C4C45B8-B29D-4C4B-99D1-EDE10F6FD678}" presName="parentText" presStyleLbl="node1" presStyleIdx="8" presStyleCnt="9">
         <dgm:presLayoutVars>
           <dgm:chMax val="0"/>
           <dgm:bulletEnabled val="1"/>
@@ -7677,17 +9591,21 @@
     <dgm:cxn modelId="{E46D4B06-3185-49C7-9B5B-508903A43163}" srcId="{C2B0BC53-E054-4CCB-9171-C86720FC59DF}" destId="{DD7F3FDF-E3C6-46FD-A5D5-AC5B226150ED}" srcOrd="5" destOrd="0" parTransId="{4B51D664-04B9-423A-8F7A-8891AC8B71C5}" sibTransId="{50F2FB91-A9F4-4974-BDD0-A4CB97211292}"/>
     <dgm:cxn modelId="{9D061910-B5AB-46F9-91E5-C4D767DD3F75}" type="presOf" srcId="{663C46B4-A275-4A20-9F93-062A0A38263F}" destId="{64377ED6-0D0B-4937-8498-C3AA37084194}" srcOrd="0" destOrd="0" presId="urn:microsoft.com/office/officeart/2005/8/layout/vList2"/>
     <dgm:cxn modelId="{E2DDAA2D-4C5F-4A68-9CAE-4706A8C9DE79}" srcId="{C2B0BC53-E054-4CCB-9171-C86720FC59DF}" destId="{6E578A6D-D786-4451-A2D7-BCFD36C6A835}" srcOrd="3" destOrd="0" parTransId="{7C0E75F1-B3E9-4FE3-95BB-9064DB7DF58C}" sibTransId="{7CD1F8C2-AC95-4D7C-B027-1995E8E6A952}"/>
+    <dgm:cxn modelId="{C483CE2F-25B1-4164-8FE4-4172307FBC04}" srcId="{C2B0BC53-E054-4CCB-9171-C86720FC59DF}" destId="{4C4C45B8-B29D-4C4B-99D1-EDE10F6FD678}" srcOrd="8" destOrd="0" parTransId="{C72BFE63-EC14-46B4-B7EA-D4BCCC7A67D3}" sibTransId="{9B18E550-5A50-479B-A615-3BD807DBD8A4}"/>
     <dgm:cxn modelId="{21006139-5317-43A9-A530-C2EE6F3E2BAA}" srcId="{C2B0BC53-E054-4CCB-9171-C86720FC59DF}" destId="{663C46B4-A275-4A20-9F93-062A0A38263F}" srcOrd="0" destOrd="0" parTransId="{79596D9F-49DF-47D1-903B-ECA6680456A8}" sibTransId="{C19F8939-12D6-4D80-B492-D0E8E4B59489}"/>
+    <dgm:cxn modelId="{ADAAD839-7F46-4085-ABCD-CDE80C8B2FB1}" type="presOf" srcId="{CC119F51-838B-4537-BAD7-89CD967C1D13}" destId="{C839A92C-5485-4587-94DB-4E1F3E3A7F0F}" srcOrd="0" destOrd="0" presId="urn:microsoft.com/office/officeart/2005/8/layout/vList2"/>
     <dgm:cxn modelId="{AD339043-0511-4D64-B7BB-0CC25847C0B9}" type="presOf" srcId="{5F48CA1F-0590-41D4-A180-62B195AB3942}" destId="{45E1E751-DADF-4AF6-B40E-CAF70016659B}" srcOrd="0" destOrd="0" presId="urn:microsoft.com/office/officeart/2005/8/layout/vList2"/>
     <dgm:cxn modelId="{7ABB8068-6F1A-4F8B-A5B5-9A559F091424}" type="presOf" srcId="{7B3CEDDA-B2D5-4677-B413-CC19F4FBF7F9}" destId="{795B7A34-9009-416A-A286-CB24B1702767}" srcOrd="0" destOrd="0" presId="urn:microsoft.com/office/officeart/2005/8/layout/vList2"/>
     <dgm:cxn modelId="{7315D570-88B8-416A-8A56-5505B656CC1B}" srcId="{C2B0BC53-E054-4CCB-9171-C86720FC59DF}" destId="{7B3CEDDA-B2D5-4677-B413-CC19F4FBF7F9}" srcOrd="4" destOrd="0" parTransId="{CA503591-810B-48E6-A21D-EC06F862F712}" sibTransId="{DF2D000A-D2CE-46AE-BE9A-F9CAAD9C915F}"/>
     <dgm:cxn modelId="{1C9D4552-0E5C-4F79-B1D0-5023AFD3169B}" type="presOf" srcId="{801A6CBD-0D7B-4B62-9354-DDE4A065FFC3}" destId="{ABB25A8E-FB33-4F4A-A39F-EEB0F3802432}" srcOrd="0" destOrd="0" presId="urn:microsoft.com/office/officeart/2005/8/layout/vList2"/>
     <dgm:cxn modelId="{43D5867C-F475-4AFD-A1E8-9E7AB9BDF77A}" type="presOf" srcId="{8E01CE8C-3AC0-4851-B335-89F7E4079F6E}" destId="{85539961-01D3-46AE-B4BD-A10AF33B4C97}" srcOrd="0" destOrd="0" presId="urn:microsoft.com/office/officeart/2005/8/layout/vList2"/>
     <dgm:cxn modelId="{348F4E96-464C-4B83-9B09-B42DC0597A27}" type="presOf" srcId="{DD7F3FDF-E3C6-46FD-A5D5-AC5B226150ED}" destId="{B0D6D213-2DD5-401D-9B0D-C82CDA443F72}" srcOrd="0" destOrd="0" presId="urn:microsoft.com/office/officeart/2005/8/layout/vList2"/>
+    <dgm:cxn modelId="{83D5039D-E267-42CA-A56D-EF79D4883865}" type="presOf" srcId="{4C4C45B8-B29D-4C4B-99D1-EDE10F6FD678}" destId="{7A7195D4-5A1E-4DA7-A733-4AD6576D4F63}" srcOrd="0" destOrd="0" presId="urn:microsoft.com/office/officeart/2005/8/layout/vList2"/>
     <dgm:cxn modelId="{49DD2C9D-6A2C-4284-847B-E1F496B580FF}" srcId="{C2B0BC53-E054-4CCB-9171-C86720FC59DF}" destId="{801A6CBD-0D7B-4B62-9354-DDE4A065FFC3}" srcOrd="2" destOrd="0" parTransId="{A7755361-DA67-48C1-AEA0-CC91DF98EF0C}" sibTransId="{87431CE8-3716-4B68-9674-E9204777D33F}"/>
     <dgm:cxn modelId="{9F88319F-2FFA-4457-B7C0-88FCBCF1AEB3}" type="presOf" srcId="{C2B0BC53-E054-4CCB-9171-C86720FC59DF}" destId="{9F47A91B-D3E9-4FAF-A4D0-8179C0BD5CE2}" srcOrd="0" destOrd="0" presId="urn:microsoft.com/office/officeart/2005/8/layout/vList2"/>
     <dgm:cxn modelId="{E15FDEBB-AA30-4624-A647-3EE869D0B2C4}" srcId="{C2B0BC53-E054-4CCB-9171-C86720FC59DF}" destId="{8E01CE8C-3AC0-4851-B335-89F7E4079F6E}" srcOrd="1" destOrd="0" parTransId="{3AE9990B-0950-4A50-A722-041AC2115633}" sibTransId="{97DF087E-F62F-4C1D-BA8A-B3823D2A606B}"/>
     <dgm:cxn modelId="{69838FC3-AC69-4D77-855D-29FFC85E3608}" srcId="{C2B0BC53-E054-4CCB-9171-C86720FC59DF}" destId="{5F48CA1F-0590-41D4-A180-62B195AB3942}" srcOrd="6" destOrd="0" parTransId="{3F2572DC-F90B-4316-A049-BACCFE2ACDD9}" sibTransId="{B336945D-101C-4F3F-B73C-0573CEF5EA1E}"/>
+    <dgm:cxn modelId="{265896EE-18B8-422D-B3ED-7BB4341E1E51}" srcId="{C2B0BC53-E054-4CCB-9171-C86720FC59DF}" destId="{CC119F51-838B-4537-BAD7-89CD967C1D13}" srcOrd="7" destOrd="0" parTransId="{BC99C81C-E006-4264-A57C-6C51CBD45852}" sibTransId="{098BEBB0-AD23-42A9-B2FE-6446D6B6DCD4}"/>
     <dgm:cxn modelId="{AEE453F4-F4C9-4D53-ADC6-A33F1CDA22DA}" type="presOf" srcId="{6E578A6D-D786-4451-A2D7-BCFD36C6A835}" destId="{857E0305-DC83-4580-874E-FCC9768A467B}" srcOrd="0" destOrd="0" presId="urn:microsoft.com/office/officeart/2005/8/layout/vList2"/>
     <dgm:cxn modelId="{9BC32EE6-916A-452D-ADCA-BA0394A62893}" type="presParOf" srcId="{9F47A91B-D3E9-4FAF-A4D0-8179C0BD5CE2}" destId="{64377ED6-0D0B-4937-8498-C3AA37084194}" srcOrd="0" destOrd="0" presId="urn:microsoft.com/office/officeart/2005/8/layout/vList2"/>
     <dgm:cxn modelId="{E9DC27AD-0EB2-4B91-80F1-EF773619953B}" type="presParOf" srcId="{9F47A91B-D3E9-4FAF-A4D0-8179C0BD5CE2}" destId="{D3A8651D-77A6-4C4B-9A41-3F7192BE1332}" srcOrd="1" destOrd="0" presId="urn:microsoft.com/office/officeart/2005/8/layout/vList2"/>
@@ -7702,6 +9620,107 @@
     <dgm:cxn modelId="{5F6F46C9-BB47-4471-A4B2-44AA7CF96DE4}" type="presParOf" srcId="{9F47A91B-D3E9-4FAF-A4D0-8179C0BD5CE2}" destId="{B0D6D213-2DD5-401D-9B0D-C82CDA443F72}" srcOrd="10" destOrd="0" presId="urn:microsoft.com/office/officeart/2005/8/layout/vList2"/>
     <dgm:cxn modelId="{1705EC62-D1FA-4949-A25B-2C4B38FC03E8}" type="presParOf" srcId="{9F47A91B-D3E9-4FAF-A4D0-8179C0BD5CE2}" destId="{00980D8B-9CAF-424E-903C-A2942060AF1A}" srcOrd="11" destOrd="0" presId="urn:microsoft.com/office/officeart/2005/8/layout/vList2"/>
     <dgm:cxn modelId="{4EE1C583-41B2-430D-A204-8E39CC219E5B}" type="presParOf" srcId="{9F47A91B-D3E9-4FAF-A4D0-8179C0BD5CE2}" destId="{45E1E751-DADF-4AF6-B40E-CAF70016659B}" srcOrd="12" destOrd="0" presId="urn:microsoft.com/office/officeart/2005/8/layout/vList2"/>
+    <dgm:cxn modelId="{98EA1600-C8D5-49AE-A34E-9C56B2852A11}" type="presParOf" srcId="{9F47A91B-D3E9-4FAF-A4D0-8179C0BD5CE2}" destId="{49F72999-A57C-43A0-8AF9-9BDF9B8EB8E1}" srcOrd="13" destOrd="0" presId="urn:microsoft.com/office/officeart/2005/8/layout/vList2"/>
+    <dgm:cxn modelId="{4388D9F4-FF62-4CBD-AF7F-05C0976BD76F}" type="presParOf" srcId="{9F47A91B-D3E9-4FAF-A4D0-8179C0BD5CE2}" destId="{C839A92C-5485-4587-94DB-4E1F3E3A7F0F}" srcOrd="14" destOrd="0" presId="urn:microsoft.com/office/officeart/2005/8/layout/vList2"/>
+    <dgm:cxn modelId="{630217AD-526C-498F-95E9-5B4C6FA603DA}" type="presParOf" srcId="{9F47A91B-D3E9-4FAF-A4D0-8179C0BD5CE2}" destId="{A3B5C8D6-0A19-4FF3-B5BB-73D8BDD69F3B}" srcOrd="15" destOrd="0" presId="urn:microsoft.com/office/officeart/2005/8/layout/vList2"/>
+    <dgm:cxn modelId="{DEEBA421-A721-4B84-846A-EF963CC4600B}" type="presParOf" srcId="{9F47A91B-D3E9-4FAF-A4D0-8179C0BD5CE2}" destId="{7A7195D4-5A1E-4DA7-A733-4AD6576D4F63}" srcOrd="16" destOrd="0" presId="urn:microsoft.com/office/officeart/2005/8/layout/vList2"/>
+  </dgm:cxnLst>
+  <dgm:bg/>
+  <dgm:whole/>
+  <dgm:extLst>
+    <a:ext uri="http://schemas.microsoft.com/office/drawing/2008/diagram">
+      <dsp:dataModelExt xmlns:dsp="http://schemas.microsoft.com/office/drawing/2008/diagram" relId="rId6" minVer="http://schemas.openxmlformats.org/drawingml/2006/diagram"/>
+    </a:ext>
+  </dgm:extLst>
+</dgm:dataModel>
+</file>
+
+<file path=ppt/diagrams/data10.xml><?xml version="1.0" encoding="utf-8"?>
+<dgm:dataModel xmlns:dgm="http://schemas.openxmlformats.org/drawingml/2006/diagram" xmlns:a="http://schemas.openxmlformats.org/drawingml/2006/main">
+  <dgm:ptLst>
+    <dgm:pt modelId="{C2B0BC53-E054-4CCB-9171-C86720FC59DF}" type="doc">
+      <dgm:prSet loTypeId="urn:microsoft.com/office/officeart/2005/8/layout/vList2" loCatId="list" qsTypeId="urn:microsoft.com/office/officeart/2005/8/quickstyle/simple5" qsCatId="simple" csTypeId="urn:microsoft.com/office/officeart/2005/8/colors/colorful1" csCatId="colorful" phldr="1"/>
+      <dgm:spPr/>
+      <dgm:t>
+        <a:bodyPr/>
+        <a:lstStyle/>
+        <a:p>
+          <a:endParaRPr lang="es-CL"/>
+        </a:p>
+      </dgm:t>
+    </dgm:pt>
+    <dgm:pt modelId="{DD7F3FDF-E3C6-46FD-A5D5-AC5B226150ED}">
+      <dgm:prSet/>
+      <dgm:spPr>
+        <a:solidFill>
+          <a:schemeClr val="tx1">
+            <a:lumMod val="50000"/>
+            <a:lumOff val="50000"/>
+          </a:schemeClr>
+        </a:solidFill>
+      </dgm:spPr>
+      <dgm:t>
+        <a:bodyPr/>
+        <a:lstStyle/>
+        <a:p>
+          <a:r>
+            <a:rPr lang="es-CL" dirty="0"/>
+            <a:t>Directorio </a:t>
+          </a:r>
+          <a:r>
+            <a:rPr lang="es-CL" dirty="0" err="1"/>
+            <a:t>agroindustra</a:t>
+          </a:r>
+          <a:endParaRPr lang="es-CL" dirty="0"/>
+        </a:p>
+      </dgm:t>
+    </dgm:pt>
+    <dgm:pt modelId="{4B51D664-04B9-423A-8F7A-8891AC8B71C5}" type="parTrans" cxnId="{E46D4B06-3185-49C7-9B5B-508903A43163}">
+      <dgm:prSet/>
+      <dgm:spPr/>
+      <dgm:t>
+        <a:bodyPr/>
+        <a:lstStyle/>
+        <a:p>
+          <a:endParaRPr lang="es-CL" sz="1400"/>
+        </a:p>
+      </dgm:t>
+    </dgm:pt>
+    <dgm:pt modelId="{50F2FB91-A9F4-4974-BDD0-A4CB97211292}" type="sibTrans" cxnId="{E46D4B06-3185-49C7-9B5B-508903A43163}">
+      <dgm:prSet/>
+      <dgm:spPr/>
+      <dgm:t>
+        <a:bodyPr/>
+        <a:lstStyle/>
+        <a:p>
+          <a:endParaRPr lang="es-CL"/>
+        </a:p>
+      </dgm:t>
+    </dgm:pt>
+    <dgm:pt modelId="{9AB1F077-58A6-4DCD-9AEA-D9C1CE2ABBA6}" type="pres">
+      <dgm:prSet presAssocID="{C2B0BC53-E054-4CCB-9171-C86720FC59DF}" presName="linear" presStyleCnt="0">
+        <dgm:presLayoutVars>
+          <dgm:animLvl val="lvl"/>
+          <dgm:resizeHandles val="exact"/>
+        </dgm:presLayoutVars>
+      </dgm:prSet>
+      <dgm:spPr/>
+    </dgm:pt>
+    <dgm:pt modelId="{B631EDAC-EC02-456D-A9E6-E608D96F15DD}" type="pres">
+      <dgm:prSet presAssocID="{DD7F3FDF-E3C6-46FD-A5D5-AC5B226150ED}" presName="parentText" presStyleLbl="node1" presStyleIdx="0" presStyleCnt="1">
+        <dgm:presLayoutVars>
+          <dgm:chMax val="0"/>
+          <dgm:bulletEnabled val="1"/>
+        </dgm:presLayoutVars>
+      </dgm:prSet>
+      <dgm:spPr/>
+    </dgm:pt>
+  </dgm:ptLst>
+  <dgm:cxnLst>
+    <dgm:cxn modelId="{E46D4B06-3185-49C7-9B5B-508903A43163}" srcId="{C2B0BC53-E054-4CCB-9171-C86720FC59DF}" destId="{DD7F3FDF-E3C6-46FD-A5D5-AC5B226150ED}" srcOrd="0" destOrd="0" parTransId="{4B51D664-04B9-423A-8F7A-8891AC8B71C5}" sibTransId="{50F2FB91-A9F4-4974-BDD0-A4CB97211292}"/>
+    <dgm:cxn modelId="{0F5E1D94-0A37-4C3A-B676-AE2310AC55AE}" type="presOf" srcId="{C2B0BC53-E054-4CCB-9171-C86720FC59DF}" destId="{9AB1F077-58A6-4DCD-9AEA-D9C1CE2ABBA6}" srcOrd="0" destOrd="0" presId="urn:microsoft.com/office/officeart/2005/8/layout/vList2"/>
+    <dgm:cxn modelId="{4A484A97-20C7-4F9A-8C2A-21E1001F2806}" type="presOf" srcId="{DD7F3FDF-E3C6-46FD-A5D5-AC5B226150ED}" destId="{B631EDAC-EC02-456D-A9E6-E608D96F15DD}" srcOrd="0" destOrd="0" presId="urn:microsoft.com/office/officeart/2005/8/layout/vList2"/>
+    <dgm:cxn modelId="{78EEDF20-97A2-4F70-9E71-72D654D3B5E9}" type="presParOf" srcId="{9AB1F077-58A6-4DCD-9AEA-D9C1CE2ABBA6}" destId="{B631EDAC-EC02-456D-A9E6-E608D96F15DD}" srcOrd="0" destOrd="0" presId="urn:microsoft.com/office/officeart/2005/8/layout/vList2"/>
   </dgm:cxnLst>
   <dgm:bg/>
   <dgm:whole/>
@@ -8356,6 +10375,98 @@
 </dgm:dataModel>
 </file>
 
+<file path=ppt/diagrams/data9.xml><?xml version="1.0" encoding="utf-8"?>
+<dgm:dataModel xmlns:dgm="http://schemas.openxmlformats.org/drawingml/2006/diagram" xmlns:a="http://schemas.openxmlformats.org/drawingml/2006/main">
+  <dgm:ptLst>
+    <dgm:pt modelId="{C2B0BC53-E054-4CCB-9171-C86720FC59DF}" type="doc">
+      <dgm:prSet loTypeId="urn:microsoft.com/office/officeart/2005/8/layout/vList2" loCatId="list" qsTypeId="urn:microsoft.com/office/officeart/2005/8/quickstyle/simple5" qsCatId="simple" csTypeId="urn:microsoft.com/office/officeart/2005/8/colors/colorful1" csCatId="colorful" phldr="1"/>
+      <dgm:spPr/>
+      <dgm:t>
+        <a:bodyPr/>
+        <a:lstStyle/>
+        <a:p>
+          <a:endParaRPr lang="es-CL"/>
+        </a:p>
+      </dgm:t>
+    </dgm:pt>
+    <dgm:pt modelId="{DD7F3FDF-E3C6-46FD-A5D5-AC5B226150ED}">
+      <dgm:prSet/>
+      <dgm:spPr>
+        <a:solidFill>
+          <a:schemeClr val="tx1">
+            <a:lumMod val="50000"/>
+            <a:lumOff val="50000"/>
+          </a:schemeClr>
+        </a:solidFill>
+      </dgm:spPr>
+      <dgm:t>
+        <a:bodyPr/>
+        <a:lstStyle/>
+        <a:p>
+          <a:r>
+            <a:rPr lang="es-CL" dirty="0"/>
+            <a:t>Procesos agroindustriales</a:t>
+          </a:r>
+        </a:p>
+      </dgm:t>
+    </dgm:pt>
+    <dgm:pt modelId="{4B51D664-04B9-423A-8F7A-8891AC8B71C5}" type="parTrans" cxnId="{E46D4B06-3185-49C7-9B5B-508903A43163}">
+      <dgm:prSet/>
+      <dgm:spPr/>
+      <dgm:t>
+        <a:bodyPr/>
+        <a:lstStyle/>
+        <a:p>
+          <a:endParaRPr lang="es-CL" sz="1400"/>
+        </a:p>
+      </dgm:t>
+    </dgm:pt>
+    <dgm:pt modelId="{50F2FB91-A9F4-4974-BDD0-A4CB97211292}" type="sibTrans" cxnId="{E46D4B06-3185-49C7-9B5B-508903A43163}">
+      <dgm:prSet/>
+      <dgm:spPr/>
+      <dgm:t>
+        <a:bodyPr/>
+        <a:lstStyle/>
+        <a:p>
+          <a:endParaRPr lang="es-CL"/>
+        </a:p>
+      </dgm:t>
+    </dgm:pt>
+    <dgm:pt modelId="{9AB1F077-58A6-4DCD-9AEA-D9C1CE2ABBA6}" type="pres">
+      <dgm:prSet presAssocID="{C2B0BC53-E054-4CCB-9171-C86720FC59DF}" presName="linear" presStyleCnt="0">
+        <dgm:presLayoutVars>
+          <dgm:animLvl val="lvl"/>
+          <dgm:resizeHandles val="exact"/>
+        </dgm:presLayoutVars>
+      </dgm:prSet>
+      <dgm:spPr/>
+    </dgm:pt>
+    <dgm:pt modelId="{B631EDAC-EC02-456D-A9E6-E608D96F15DD}" type="pres">
+      <dgm:prSet presAssocID="{DD7F3FDF-E3C6-46FD-A5D5-AC5B226150ED}" presName="parentText" presStyleLbl="node1" presStyleIdx="0" presStyleCnt="1">
+        <dgm:presLayoutVars>
+          <dgm:chMax val="0"/>
+          <dgm:bulletEnabled val="1"/>
+        </dgm:presLayoutVars>
+      </dgm:prSet>
+      <dgm:spPr/>
+    </dgm:pt>
+  </dgm:ptLst>
+  <dgm:cxnLst>
+    <dgm:cxn modelId="{E46D4B06-3185-49C7-9B5B-508903A43163}" srcId="{C2B0BC53-E054-4CCB-9171-C86720FC59DF}" destId="{DD7F3FDF-E3C6-46FD-A5D5-AC5B226150ED}" srcOrd="0" destOrd="0" parTransId="{4B51D664-04B9-423A-8F7A-8891AC8B71C5}" sibTransId="{50F2FB91-A9F4-4974-BDD0-A4CB97211292}"/>
+    <dgm:cxn modelId="{0F5E1D94-0A37-4C3A-B676-AE2310AC55AE}" type="presOf" srcId="{C2B0BC53-E054-4CCB-9171-C86720FC59DF}" destId="{9AB1F077-58A6-4DCD-9AEA-D9C1CE2ABBA6}" srcOrd="0" destOrd="0" presId="urn:microsoft.com/office/officeart/2005/8/layout/vList2"/>
+    <dgm:cxn modelId="{4A484A97-20C7-4F9A-8C2A-21E1001F2806}" type="presOf" srcId="{DD7F3FDF-E3C6-46FD-A5D5-AC5B226150ED}" destId="{B631EDAC-EC02-456D-A9E6-E608D96F15DD}" srcOrd="0" destOrd="0" presId="urn:microsoft.com/office/officeart/2005/8/layout/vList2"/>
+    <dgm:cxn modelId="{78EEDF20-97A2-4F70-9E71-72D654D3B5E9}" type="presParOf" srcId="{9AB1F077-58A6-4DCD-9AEA-D9C1CE2ABBA6}" destId="{B631EDAC-EC02-456D-A9E6-E608D96F15DD}" srcOrd="0" destOrd="0" presId="urn:microsoft.com/office/officeart/2005/8/layout/vList2"/>
+  </dgm:cxnLst>
+  <dgm:bg/>
+  <dgm:whole/>
+  <dgm:extLst>
+    <a:ext uri="http://schemas.microsoft.com/office/drawing/2008/diagram">
+      <dsp:dataModelExt xmlns:dsp="http://schemas.microsoft.com/office/drawing/2008/diagram" relId="rId6" minVer="http://schemas.openxmlformats.org/drawingml/2006/diagram"/>
+    </a:ext>
+  </dgm:extLst>
+</dgm:dataModel>
+</file>
+
 <file path=ppt/diagrams/drawing1.xml><?xml version="1.0" encoding="utf-8"?>
 <dsp:drawing xmlns:dgm="http://schemas.openxmlformats.org/drawingml/2006/diagram" xmlns:dsp="http://schemas.microsoft.com/office/drawing/2008/diagram" xmlns:a="http://schemas.openxmlformats.org/drawingml/2006/main">
   <dsp:spTree>
@@ -8371,8 +10482,8 @@
       </dsp:nvSpPr>
       <dsp:spPr>
         <a:xfrm>
-          <a:off x="0" y="46156"/>
-          <a:ext cx="5721484" cy="551655"/>
+          <a:off x="0" y="25523"/>
+          <a:ext cx="5721484" cy="431730"/>
         </a:xfrm>
         <a:prstGeom prst="roundRect">
           <a:avLst/>
@@ -8435,12 +10546,12 @@
         </a:fontRef>
       </dsp:style>
       <dsp:txBody>
-        <a:bodyPr spcFirstLastPara="0" vert="horz" wrap="square" lIns="87630" tIns="87630" rIns="87630" bIns="87630" numCol="1" spcCol="1270" anchor="ctr" anchorCtr="0">
+        <a:bodyPr spcFirstLastPara="0" vert="horz" wrap="square" lIns="68580" tIns="68580" rIns="68580" bIns="68580" numCol="1" spcCol="1270" anchor="ctr" anchorCtr="0">
           <a:noAutofit/>
         </a:bodyPr>
         <a:lstStyle/>
         <a:p>
-          <a:pPr marL="0" lvl="0" indent="0" algn="l" defTabSz="1022350">
+          <a:pPr marL="0" lvl="0" indent="0" algn="l" defTabSz="800100">
             <a:lnSpc>
               <a:spcPct val="90000"/>
             </a:lnSpc>
@@ -8453,14 +10564,14 @@
             <a:buNone/>
           </a:pPr>
           <a:r>
-            <a:rPr lang="es-CL" sz="2300" kern="1200" dirty="0"/>
+            <a:rPr lang="es-CL" sz="1800" kern="1200" dirty="0"/>
             <a:t>Superficie</a:t>
           </a:r>
         </a:p>
       </dsp:txBody>
       <dsp:txXfrm>
-        <a:off x="26930" y="73086"/>
-        <a:ext cx="5667624" cy="497795"/>
+        <a:off x="21075" y="46598"/>
+        <a:ext cx="5679334" cy="389580"/>
       </dsp:txXfrm>
     </dsp:sp>
     <dsp:sp modelId="{85539961-01D3-46AE-B4BD-A10AF33B4C97}">
@@ -8470,8 +10581,8 @@
       </dsp:nvSpPr>
       <dsp:spPr>
         <a:xfrm>
-          <a:off x="0" y="664051"/>
-          <a:ext cx="5721484" cy="551655"/>
+          <a:off x="0" y="509093"/>
+          <a:ext cx="5721484" cy="431730"/>
         </a:xfrm>
         <a:prstGeom prst="roundRect">
           <a:avLst/>
@@ -8534,12 +10645,12 @@
         </a:fontRef>
       </dsp:style>
       <dsp:txBody>
-        <a:bodyPr spcFirstLastPara="0" vert="horz" wrap="square" lIns="87630" tIns="87630" rIns="87630" bIns="87630" numCol="1" spcCol="1270" anchor="ctr" anchorCtr="0">
+        <a:bodyPr spcFirstLastPara="0" vert="horz" wrap="square" lIns="68580" tIns="68580" rIns="68580" bIns="68580" numCol="1" spcCol="1270" anchor="ctr" anchorCtr="0">
           <a:noAutofit/>
         </a:bodyPr>
         <a:lstStyle/>
         <a:p>
-          <a:pPr marL="0" lvl="0" indent="0" algn="l" defTabSz="1022350">
+          <a:pPr marL="0" lvl="0" indent="0" algn="l" defTabSz="800100">
             <a:lnSpc>
               <a:spcPct val="90000"/>
             </a:lnSpc>
@@ -8552,14 +10663,14 @@
             <a:buNone/>
           </a:pPr>
           <a:r>
-            <a:rPr lang="es-CL" sz="2300" kern="1200" dirty="0"/>
+            <a:rPr lang="es-CL" sz="1800" kern="1200" dirty="0"/>
             <a:t>Evolución histórica superficie</a:t>
           </a:r>
         </a:p>
       </dsp:txBody>
       <dsp:txXfrm>
-        <a:off x="26930" y="690981"/>
-        <a:ext cx="5667624" cy="497795"/>
+        <a:off x="21075" y="530168"/>
+        <a:ext cx="5679334" cy="389580"/>
       </dsp:txXfrm>
     </dsp:sp>
     <dsp:sp modelId="{ABB25A8E-FB33-4F4A-A39F-EEB0F3802432}">
@@ -8569,8 +10680,8 @@
       </dsp:nvSpPr>
       <dsp:spPr>
         <a:xfrm>
-          <a:off x="0" y="1281946"/>
-          <a:ext cx="5721484" cy="551655"/>
+          <a:off x="0" y="992664"/>
+          <a:ext cx="5721484" cy="431730"/>
         </a:xfrm>
         <a:prstGeom prst="roundRect">
           <a:avLst/>
@@ -8633,12 +10744,12 @@
         </a:fontRef>
       </dsp:style>
       <dsp:txBody>
-        <a:bodyPr spcFirstLastPara="0" vert="horz" wrap="square" lIns="87630" tIns="87630" rIns="87630" bIns="87630" numCol="1" spcCol="1270" anchor="ctr" anchorCtr="0">
+        <a:bodyPr spcFirstLastPara="0" vert="horz" wrap="square" lIns="68580" tIns="68580" rIns="68580" bIns="68580" numCol="1" spcCol="1270" anchor="ctr" anchorCtr="0">
           <a:noAutofit/>
         </a:bodyPr>
         <a:lstStyle/>
         <a:p>
-          <a:pPr marL="0" lvl="0" indent="0" algn="l" defTabSz="1022350">
+          <a:pPr marL="0" lvl="0" indent="0" algn="l" defTabSz="800100">
             <a:lnSpc>
               <a:spcPct val="90000"/>
             </a:lnSpc>
@@ -8651,14 +10762,14 @@
             <a:buNone/>
           </a:pPr>
           <a:r>
-            <a:rPr lang="es-CL" sz="2300" kern="1200" dirty="0"/>
+            <a:rPr lang="es-CL" sz="1800" kern="1200" dirty="0"/>
             <a:t>Importaciones</a:t>
           </a:r>
         </a:p>
       </dsp:txBody>
       <dsp:txXfrm>
-        <a:off x="26930" y="1308876"/>
-        <a:ext cx="5667624" cy="497795"/>
+        <a:off x="21075" y="1013739"/>
+        <a:ext cx="5679334" cy="389580"/>
       </dsp:txXfrm>
     </dsp:sp>
     <dsp:sp modelId="{857E0305-DC83-4580-874E-FCC9768A467B}">
@@ -8668,8 +10779,8 @@
       </dsp:nvSpPr>
       <dsp:spPr>
         <a:xfrm>
-          <a:off x="0" y="1899841"/>
-          <a:ext cx="5721484" cy="551655"/>
+          <a:off x="0" y="1476233"/>
+          <a:ext cx="5721484" cy="431730"/>
         </a:xfrm>
         <a:prstGeom prst="roundRect">
           <a:avLst/>
@@ -8732,12 +10843,12 @@
         </a:fontRef>
       </dsp:style>
       <dsp:txBody>
-        <a:bodyPr spcFirstLastPara="0" vert="horz" wrap="square" lIns="87630" tIns="87630" rIns="87630" bIns="87630" numCol="1" spcCol="1270" anchor="ctr" anchorCtr="0">
+        <a:bodyPr spcFirstLastPara="0" vert="horz" wrap="square" lIns="68580" tIns="68580" rIns="68580" bIns="68580" numCol="1" spcCol="1270" anchor="ctr" anchorCtr="0">
           <a:noAutofit/>
         </a:bodyPr>
         <a:lstStyle/>
         <a:p>
-          <a:pPr marL="0" lvl="0" indent="0" algn="l" defTabSz="1022350">
+          <a:pPr marL="0" lvl="0" indent="0" algn="l" defTabSz="800100">
             <a:lnSpc>
               <a:spcPct val="90000"/>
             </a:lnSpc>
@@ -8750,14 +10861,14 @@
             <a:buNone/>
           </a:pPr>
           <a:r>
-            <a:rPr lang="es-CL" sz="2300" kern="1200" dirty="0"/>
+            <a:rPr lang="es-CL" sz="1800" kern="1200" dirty="0"/>
             <a:t>Exportaciones</a:t>
           </a:r>
         </a:p>
       </dsp:txBody>
       <dsp:txXfrm>
-        <a:off x="26930" y="1926771"/>
-        <a:ext cx="5667624" cy="497795"/>
+        <a:off x="21075" y="1497308"/>
+        <a:ext cx="5679334" cy="389580"/>
       </dsp:txXfrm>
     </dsp:sp>
     <dsp:sp modelId="{795B7A34-9009-416A-A286-CB24B1702767}">
@@ -8767,8 +10878,8 @@
       </dsp:nvSpPr>
       <dsp:spPr>
         <a:xfrm>
-          <a:off x="0" y="2517736"/>
-          <a:ext cx="5721484" cy="551655"/>
+          <a:off x="0" y="1959803"/>
+          <a:ext cx="5721484" cy="431730"/>
         </a:xfrm>
         <a:prstGeom prst="roundRect">
           <a:avLst/>
@@ -8831,12 +10942,12 @@
         </a:fontRef>
       </dsp:style>
       <dsp:txBody>
-        <a:bodyPr spcFirstLastPara="0" vert="horz" wrap="square" lIns="87630" tIns="87630" rIns="87630" bIns="87630" numCol="1" spcCol="1270" anchor="ctr" anchorCtr="0">
+        <a:bodyPr spcFirstLastPara="0" vert="horz" wrap="square" lIns="68580" tIns="68580" rIns="68580" bIns="68580" numCol="1" spcCol="1270" anchor="ctr" anchorCtr="0">
           <a:noAutofit/>
         </a:bodyPr>
         <a:lstStyle/>
         <a:p>
-          <a:pPr marL="0" lvl="0" indent="0" algn="l" defTabSz="1022350">
+          <a:pPr marL="0" lvl="0" indent="0" algn="l" defTabSz="800100">
             <a:lnSpc>
               <a:spcPct val="90000"/>
             </a:lnSpc>
@@ -8849,14 +10960,14 @@
             <a:buNone/>
           </a:pPr>
           <a:r>
-            <a:rPr lang="es-CL" sz="2300" kern="1200" dirty="0"/>
+            <a:rPr lang="es-CL" sz="1800" kern="1200" dirty="0"/>
             <a:t>Precios mensuales a consumidor </a:t>
           </a:r>
         </a:p>
       </dsp:txBody>
       <dsp:txXfrm>
-        <a:off x="26930" y="2544666"/>
-        <a:ext cx="5667624" cy="497795"/>
+        <a:off x="21075" y="1980878"/>
+        <a:ext cx="5679334" cy="389580"/>
       </dsp:txXfrm>
     </dsp:sp>
     <dsp:sp modelId="{B0D6D213-2DD5-401D-9B0D-C82CDA443F72}">
@@ -8866,8 +10977,8 @@
       </dsp:nvSpPr>
       <dsp:spPr>
         <a:xfrm>
-          <a:off x="0" y="3135631"/>
-          <a:ext cx="5721484" cy="551655"/>
+          <a:off x="0" y="2443374"/>
+          <a:ext cx="5721484" cy="431730"/>
         </a:xfrm>
         <a:prstGeom prst="roundRect">
           <a:avLst/>
@@ -8930,12 +11041,12 @@
         </a:fontRef>
       </dsp:style>
       <dsp:txBody>
-        <a:bodyPr spcFirstLastPara="0" vert="horz" wrap="square" lIns="87630" tIns="87630" rIns="87630" bIns="87630" numCol="1" spcCol="1270" anchor="ctr" anchorCtr="0">
+        <a:bodyPr spcFirstLastPara="0" vert="horz" wrap="square" lIns="68580" tIns="68580" rIns="68580" bIns="68580" numCol="1" spcCol="1270" anchor="ctr" anchorCtr="0">
           <a:noAutofit/>
         </a:bodyPr>
         <a:lstStyle/>
         <a:p>
-          <a:pPr marL="0" lvl="0" indent="0" algn="l" defTabSz="1022350">
+          <a:pPr marL="0" lvl="0" indent="0" algn="l" defTabSz="800100">
             <a:lnSpc>
               <a:spcPct val="90000"/>
             </a:lnSpc>
@@ -8948,14 +11059,14 @@
             <a:buNone/>
           </a:pPr>
           <a:r>
-            <a:rPr lang="es-CL" sz="2300" kern="1200" dirty="0"/>
+            <a:rPr lang="es-CL" sz="1800" kern="1200" dirty="0"/>
             <a:t>Empleo </a:t>
           </a:r>
         </a:p>
       </dsp:txBody>
       <dsp:txXfrm>
-        <a:off x="26930" y="3162561"/>
-        <a:ext cx="5667624" cy="497795"/>
+        <a:off x="21075" y="2464449"/>
+        <a:ext cx="5679334" cy="389580"/>
       </dsp:txXfrm>
     </dsp:sp>
     <dsp:sp modelId="{45E1E751-DADF-4AF6-B40E-CAF70016659B}">
@@ -8965,8 +11076,8 @@
       </dsp:nvSpPr>
       <dsp:spPr>
         <a:xfrm>
-          <a:off x="0" y="3753526"/>
-          <a:ext cx="5721484" cy="551655"/>
+          <a:off x="0" y="2926944"/>
+          <a:ext cx="5721484" cy="431730"/>
         </a:xfrm>
         <a:prstGeom prst="roundRect">
           <a:avLst/>
@@ -9029,12 +11140,12 @@
         </a:fontRef>
       </dsp:style>
       <dsp:txBody>
-        <a:bodyPr spcFirstLastPara="0" vert="horz" wrap="square" lIns="87630" tIns="87630" rIns="87630" bIns="87630" numCol="1" spcCol="1270" anchor="ctr" anchorCtr="0">
+        <a:bodyPr spcFirstLastPara="0" vert="horz" wrap="square" lIns="68580" tIns="68580" rIns="68580" bIns="68580" numCol="1" spcCol="1270" anchor="ctr" anchorCtr="0">
           <a:noAutofit/>
         </a:bodyPr>
         <a:lstStyle/>
         <a:p>
-          <a:pPr marL="0" lvl="0" indent="0" algn="l" defTabSz="1022350">
+          <a:pPr marL="0" lvl="0" indent="0" algn="l" defTabSz="800100">
             <a:lnSpc>
               <a:spcPct val="90000"/>
             </a:lnSpc>
@@ -9047,19 +11158,311 @@
             <a:buNone/>
           </a:pPr>
           <a:r>
-            <a:rPr lang="es-CL" sz="2300" kern="1200" dirty="0"/>
+            <a:rPr lang="es-CL" sz="1800" kern="1200" dirty="0"/>
             <a:t>Colocaciones</a:t>
           </a:r>
           <a:r>
-            <a:rPr lang="es-CL" sz="2300" kern="1200" baseline="0" dirty="0"/>
+            <a:rPr lang="es-CL" sz="1800" kern="1200" baseline="0" dirty="0"/>
             <a:t> financieras</a:t>
           </a:r>
-          <a:endParaRPr lang="es-CL" sz="2300" kern="1200" dirty="0"/>
+          <a:endParaRPr lang="es-CL" sz="1800" kern="1200" dirty="0"/>
         </a:p>
       </dsp:txBody>
       <dsp:txXfrm>
-        <a:off x="26930" y="3780456"/>
-        <a:ext cx="5667624" cy="497795"/>
+        <a:off x="21075" y="2948019"/>
+        <a:ext cx="5679334" cy="389580"/>
+      </dsp:txXfrm>
+    </dsp:sp>
+    <dsp:sp modelId="{C839A92C-5485-4587-94DB-4E1F3E3A7F0F}">
+      <dsp:nvSpPr>
+        <dsp:cNvPr id="0" name=""/>
+        <dsp:cNvSpPr/>
+      </dsp:nvSpPr>
+      <dsp:spPr>
+        <a:xfrm>
+          <a:off x="0" y="3410514"/>
+          <a:ext cx="5721484" cy="431730"/>
+        </a:xfrm>
+        <a:prstGeom prst="roundRect">
+          <a:avLst/>
+        </a:prstGeom>
+        <a:gradFill rotWithShape="0">
+          <a:gsLst>
+            <a:gs pos="0">
+              <a:schemeClr val="dk2">
+                <a:hueOff val="0"/>
+                <a:satOff val="0"/>
+                <a:lumOff val="0"/>
+                <a:alphaOff val="0"/>
+                <a:satMod val="103000"/>
+                <a:lumMod val="102000"/>
+                <a:tint val="94000"/>
+              </a:schemeClr>
+            </a:gs>
+            <a:gs pos="50000">
+              <a:schemeClr val="dk2">
+                <a:hueOff val="0"/>
+                <a:satOff val="0"/>
+                <a:lumOff val="0"/>
+                <a:alphaOff val="0"/>
+                <a:satMod val="110000"/>
+                <a:lumMod val="100000"/>
+                <a:shade val="100000"/>
+              </a:schemeClr>
+            </a:gs>
+            <a:gs pos="100000">
+              <a:schemeClr val="dk2">
+                <a:hueOff val="0"/>
+                <a:satOff val="0"/>
+                <a:lumOff val="0"/>
+                <a:alphaOff val="0"/>
+                <a:lumMod val="99000"/>
+                <a:satMod val="120000"/>
+                <a:shade val="78000"/>
+              </a:schemeClr>
+            </a:gs>
+          </a:gsLst>
+          <a:lin ang="5400000" scaled="0"/>
+        </a:gradFill>
+        <a:ln>
+          <a:noFill/>
+        </a:ln>
+        <a:effectLst/>
+      </dsp:spPr>
+      <dsp:style>
+        <a:lnRef idx="0">
+          <a:scrgbClr r="0" g="0" b="0"/>
+        </a:lnRef>
+        <a:fillRef idx="3">
+          <a:scrgbClr r="0" g="0" b="0"/>
+        </a:fillRef>
+        <a:effectRef idx="2">
+          <a:scrgbClr r="0" g="0" b="0"/>
+        </a:effectRef>
+        <a:fontRef idx="minor">
+          <a:schemeClr val="lt1"/>
+        </a:fontRef>
+      </dsp:style>
+      <dsp:txBody>
+        <a:bodyPr spcFirstLastPara="0" vert="horz" wrap="square" lIns="68580" tIns="68580" rIns="68580" bIns="68580" numCol="1" spcCol="1270" anchor="ctr" anchorCtr="0">
+          <a:noAutofit/>
+        </a:bodyPr>
+        <a:lstStyle/>
+        <a:p>
+          <a:pPr marL="0" lvl="0" indent="0" algn="l" defTabSz="800100">
+            <a:lnSpc>
+              <a:spcPct val="90000"/>
+            </a:lnSpc>
+            <a:spcBef>
+              <a:spcPct val="0"/>
+            </a:spcBef>
+            <a:spcAft>
+              <a:spcPct val="35000"/>
+            </a:spcAft>
+            <a:buNone/>
+          </a:pPr>
+          <a:r>
+            <a:rPr lang="es-CL" sz="1800" kern="1200" dirty="0"/>
+            <a:t>Procesos Agroindustriales</a:t>
+          </a:r>
+        </a:p>
+      </dsp:txBody>
+      <dsp:txXfrm>
+        <a:off x="21075" y="3431589"/>
+        <a:ext cx="5679334" cy="389580"/>
+      </dsp:txXfrm>
+    </dsp:sp>
+    <dsp:sp modelId="{7A7195D4-5A1E-4DA7-A733-4AD6576D4F63}">
+      <dsp:nvSpPr>
+        <dsp:cNvPr id="0" name=""/>
+        <dsp:cNvSpPr/>
+      </dsp:nvSpPr>
+      <dsp:spPr>
+        <a:xfrm>
+          <a:off x="0" y="3894084"/>
+          <a:ext cx="5721484" cy="431730"/>
+        </a:xfrm>
+        <a:prstGeom prst="roundRect">
+          <a:avLst/>
+        </a:prstGeom>
+        <a:gradFill rotWithShape="0">
+          <a:gsLst>
+            <a:gs pos="0">
+              <a:schemeClr val="dk2">
+                <a:hueOff val="0"/>
+                <a:satOff val="0"/>
+                <a:lumOff val="0"/>
+                <a:alphaOff val="0"/>
+                <a:satMod val="103000"/>
+                <a:lumMod val="102000"/>
+                <a:tint val="94000"/>
+              </a:schemeClr>
+            </a:gs>
+            <a:gs pos="50000">
+              <a:schemeClr val="dk2">
+                <a:hueOff val="0"/>
+                <a:satOff val="0"/>
+                <a:lumOff val="0"/>
+                <a:alphaOff val="0"/>
+                <a:satMod val="110000"/>
+                <a:lumMod val="100000"/>
+                <a:shade val="100000"/>
+              </a:schemeClr>
+            </a:gs>
+            <a:gs pos="100000">
+              <a:schemeClr val="dk2">
+                <a:hueOff val="0"/>
+                <a:satOff val="0"/>
+                <a:lumOff val="0"/>
+                <a:alphaOff val="0"/>
+                <a:lumMod val="99000"/>
+                <a:satMod val="120000"/>
+                <a:shade val="78000"/>
+              </a:schemeClr>
+            </a:gs>
+          </a:gsLst>
+          <a:lin ang="5400000" scaled="0"/>
+        </a:gradFill>
+        <a:ln>
+          <a:noFill/>
+        </a:ln>
+        <a:effectLst/>
+      </dsp:spPr>
+      <dsp:style>
+        <a:lnRef idx="0">
+          <a:scrgbClr r="0" g="0" b="0"/>
+        </a:lnRef>
+        <a:fillRef idx="3">
+          <a:scrgbClr r="0" g="0" b="0"/>
+        </a:fillRef>
+        <a:effectRef idx="2">
+          <a:scrgbClr r="0" g="0" b="0"/>
+        </a:effectRef>
+        <a:fontRef idx="minor">
+          <a:schemeClr val="lt1"/>
+        </a:fontRef>
+      </dsp:style>
+      <dsp:txBody>
+        <a:bodyPr spcFirstLastPara="0" vert="horz" wrap="square" lIns="68580" tIns="68580" rIns="68580" bIns="68580" numCol="1" spcCol="1270" anchor="ctr" anchorCtr="0">
+          <a:noAutofit/>
+        </a:bodyPr>
+        <a:lstStyle/>
+        <a:p>
+          <a:pPr marL="0" lvl="0" indent="0" algn="l" defTabSz="800100">
+            <a:lnSpc>
+              <a:spcPct val="90000"/>
+            </a:lnSpc>
+            <a:spcBef>
+              <a:spcPct val="0"/>
+            </a:spcBef>
+            <a:spcAft>
+              <a:spcPct val="35000"/>
+            </a:spcAft>
+            <a:buNone/>
+          </a:pPr>
+          <a:r>
+            <a:rPr lang="es-CL" sz="1800" kern="1200" dirty="0" err="1"/>
+            <a:t>Direcctorio</a:t>
+          </a:r>
+          <a:r>
+            <a:rPr lang="es-CL" sz="1800" kern="1200" dirty="0"/>
+            <a:t> Agroindustria</a:t>
+          </a:r>
+        </a:p>
+      </dsp:txBody>
+      <dsp:txXfrm>
+        <a:off x="21075" y="3915159"/>
+        <a:ext cx="5679334" cy="389580"/>
+      </dsp:txXfrm>
+    </dsp:sp>
+  </dsp:spTree>
+</dsp:drawing>
+</file>
+
+<file path=ppt/diagrams/drawing10.xml><?xml version="1.0" encoding="utf-8"?>
+<dsp:drawing xmlns:dgm="http://schemas.openxmlformats.org/drawingml/2006/diagram" xmlns:dsp="http://schemas.microsoft.com/office/drawing/2008/diagram" xmlns:a="http://schemas.openxmlformats.org/drawingml/2006/main">
+  <dsp:spTree>
+    <dsp:nvGrpSpPr>
+      <dsp:cNvPr id="0" name=""/>
+      <dsp:cNvGrpSpPr/>
+    </dsp:nvGrpSpPr>
+    <dsp:grpSpPr/>
+    <dsp:sp modelId="{B631EDAC-EC02-456D-A9E6-E608D96F15DD}">
+      <dsp:nvSpPr>
+        <dsp:cNvPr id="0" name=""/>
+        <dsp:cNvSpPr/>
+      </dsp:nvSpPr>
+      <dsp:spPr>
+        <a:xfrm>
+          <a:off x="0" y="491145"/>
+          <a:ext cx="3812299" cy="1949220"/>
+        </a:xfrm>
+        <a:prstGeom prst="roundRect">
+          <a:avLst/>
+        </a:prstGeom>
+        <a:solidFill>
+          <a:schemeClr val="tx1">
+            <a:lumMod val="50000"/>
+            <a:lumOff val="50000"/>
+          </a:schemeClr>
+        </a:solidFill>
+        <a:ln>
+          <a:noFill/>
+        </a:ln>
+        <a:effectLst>
+          <a:outerShdw blurRad="57150" dist="19050" dir="5400000" algn="ctr" rotWithShape="0">
+            <a:srgbClr val="000000">
+              <a:alpha val="63000"/>
+            </a:srgbClr>
+          </a:outerShdw>
+        </a:effectLst>
+      </dsp:spPr>
+      <dsp:style>
+        <a:lnRef idx="0">
+          <a:scrgbClr r="0" g="0" b="0"/>
+        </a:lnRef>
+        <a:fillRef idx="3">
+          <a:scrgbClr r="0" g="0" b="0"/>
+        </a:fillRef>
+        <a:effectRef idx="3">
+          <a:scrgbClr r="0" g="0" b="0"/>
+        </a:effectRef>
+        <a:fontRef idx="minor">
+          <a:schemeClr val="lt1"/>
+        </a:fontRef>
+      </dsp:style>
+      <dsp:txBody>
+        <a:bodyPr spcFirstLastPara="0" vert="horz" wrap="square" lIns="186690" tIns="186690" rIns="186690" bIns="186690" numCol="1" spcCol="1270" anchor="ctr" anchorCtr="0">
+          <a:noAutofit/>
+        </a:bodyPr>
+        <a:lstStyle/>
+        <a:p>
+          <a:pPr marL="0" lvl="0" indent="0" algn="l" defTabSz="2178050">
+            <a:lnSpc>
+              <a:spcPct val="90000"/>
+            </a:lnSpc>
+            <a:spcBef>
+              <a:spcPct val="0"/>
+            </a:spcBef>
+            <a:spcAft>
+              <a:spcPct val="35000"/>
+            </a:spcAft>
+            <a:buNone/>
+          </a:pPr>
+          <a:r>
+            <a:rPr lang="es-CL" sz="4900" kern="1200" dirty="0"/>
+            <a:t>Directorio </a:t>
+          </a:r>
+          <a:r>
+            <a:rPr lang="es-CL" sz="4900" kern="1200" dirty="0" err="1"/>
+            <a:t>agroindustra</a:t>
+          </a:r>
+          <a:endParaRPr lang="es-CL" sz="4900" kern="1200" dirty="0"/>
+        </a:p>
+      </dsp:txBody>
+      <dsp:txXfrm>
+        <a:off x="95153" y="586298"/>
+        <a:ext cx="3621993" cy="1758914"/>
       </dsp:txXfrm>
     </dsp:sp>
   </dsp:spTree>
@@ -9660,7 +12063,259 @@
 </dsp:drawing>
 </file>
 
+<file path=ppt/diagrams/drawing9.xml><?xml version="1.0" encoding="utf-8"?>
+<dsp:drawing xmlns:dgm="http://schemas.openxmlformats.org/drawingml/2006/diagram" xmlns:dsp="http://schemas.microsoft.com/office/drawing/2008/diagram" xmlns:a="http://schemas.openxmlformats.org/drawingml/2006/main">
+  <dsp:spTree>
+    <dsp:nvGrpSpPr>
+      <dsp:cNvPr id="0" name=""/>
+      <dsp:cNvGrpSpPr/>
+    </dsp:nvGrpSpPr>
+    <dsp:grpSpPr/>
+    <dsp:sp modelId="{B631EDAC-EC02-456D-A9E6-E608D96F15DD}">
+      <dsp:nvSpPr>
+        <dsp:cNvPr id="0" name=""/>
+        <dsp:cNvSpPr/>
+      </dsp:nvSpPr>
+      <dsp:spPr>
+        <a:xfrm>
+          <a:off x="0" y="670155"/>
+          <a:ext cx="3812299" cy="1591200"/>
+        </a:xfrm>
+        <a:prstGeom prst="roundRect">
+          <a:avLst/>
+        </a:prstGeom>
+        <a:solidFill>
+          <a:schemeClr val="tx1">
+            <a:lumMod val="50000"/>
+            <a:lumOff val="50000"/>
+          </a:schemeClr>
+        </a:solidFill>
+        <a:ln>
+          <a:noFill/>
+        </a:ln>
+        <a:effectLst>
+          <a:outerShdw blurRad="57150" dist="19050" dir="5400000" algn="ctr" rotWithShape="0">
+            <a:srgbClr val="000000">
+              <a:alpha val="63000"/>
+            </a:srgbClr>
+          </a:outerShdw>
+        </a:effectLst>
+      </dsp:spPr>
+      <dsp:style>
+        <a:lnRef idx="0">
+          <a:scrgbClr r="0" g="0" b="0"/>
+        </a:lnRef>
+        <a:fillRef idx="3">
+          <a:scrgbClr r="0" g="0" b="0"/>
+        </a:fillRef>
+        <a:effectRef idx="3">
+          <a:scrgbClr r="0" g="0" b="0"/>
+        </a:effectRef>
+        <a:fontRef idx="minor">
+          <a:schemeClr val="lt1"/>
+        </a:fontRef>
+      </dsp:style>
+      <dsp:txBody>
+        <a:bodyPr spcFirstLastPara="0" vert="horz" wrap="square" lIns="152400" tIns="152400" rIns="152400" bIns="152400" numCol="1" spcCol="1270" anchor="ctr" anchorCtr="0">
+          <a:noAutofit/>
+        </a:bodyPr>
+        <a:lstStyle/>
+        <a:p>
+          <a:pPr marL="0" lvl="0" indent="0" algn="l" defTabSz="1778000">
+            <a:lnSpc>
+              <a:spcPct val="90000"/>
+            </a:lnSpc>
+            <a:spcBef>
+              <a:spcPct val="0"/>
+            </a:spcBef>
+            <a:spcAft>
+              <a:spcPct val="35000"/>
+            </a:spcAft>
+            <a:buNone/>
+          </a:pPr>
+          <a:r>
+            <a:rPr lang="es-CL" sz="4000" kern="1200" dirty="0"/>
+            <a:t>Procesos agroindustriales</a:t>
+          </a:r>
+        </a:p>
+      </dsp:txBody>
+      <dsp:txXfrm>
+        <a:off x="77676" y="747831"/>
+        <a:ext cx="3656947" cy="1435848"/>
+      </dsp:txXfrm>
+    </dsp:sp>
+  </dsp:spTree>
+</dsp:drawing>
+</file>
+
 <file path=ppt/diagrams/layout1.xml><?xml version="1.0" encoding="utf-8"?>
+<dgm:layoutDef xmlns:dgm="http://schemas.openxmlformats.org/drawingml/2006/diagram" xmlns:a="http://schemas.openxmlformats.org/drawingml/2006/main" uniqueId="urn:microsoft.com/office/officeart/2005/8/layout/vList2">
+  <dgm:title val=""/>
+  <dgm:desc val=""/>
+  <dgm:catLst>
+    <dgm:cat type="list" pri="3000"/>
+    <dgm:cat type="convert" pri="1000"/>
+  </dgm:catLst>
+  <dgm:sampData>
+    <dgm:dataModel>
+      <dgm:ptLst>
+        <dgm:pt modelId="0" type="doc"/>
+        <dgm:pt modelId="1">
+          <dgm:prSet phldr="1"/>
+        </dgm:pt>
+        <dgm:pt modelId="11">
+          <dgm:prSet phldr="1"/>
+        </dgm:pt>
+        <dgm:pt modelId="2">
+          <dgm:prSet phldr="1"/>
+        </dgm:pt>
+        <dgm:pt modelId="21">
+          <dgm:prSet phldr="1"/>
+        </dgm:pt>
+      </dgm:ptLst>
+      <dgm:cxnLst>
+        <dgm:cxn modelId="4" srcId="0" destId="1" srcOrd="0" destOrd="0"/>
+        <dgm:cxn modelId="5" srcId="0" destId="2" srcOrd="1" destOrd="0"/>
+        <dgm:cxn modelId="12" srcId="1" destId="11" srcOrd="0" destOrd="0"/>
+        <dgm:cxn modelId="23" srcId="2" destId="21" srcOrd="0" destOrd="0"/>
+      </dgm:cxnLst>
+      <dgm:bg/>
+      <dgm:whole/>
+    </dgm:dataModel>
+  </dgm:sampData>
+  <dgm:styleData>
+    <dgm:dataModel>
+      <dgm:ptLst>
+        <dgm:pt modelId="0" type="doc"/>
+        <dgm:pt modelId="1"/>
+        <dgm:pt modelId="2"/>
+      </dgm:ptLst>
+      <dgm:cxnLst>
+        <dgm:cxn modelId="3" srcId="0" destId="1" srcOrd="0" destOrd="0"/>
+        <dgm:cxn modelId="4" srcId="0" destId="2" srcOrd="1" destOrd="0"/>
+      </dgm:cxnLst>
+      <dgm:bg/>
+      <dgm:whole/>
+    </dgm:dataModel>
+  </dgm:styleData>
+  <dgm:clrData>
+    <dgm:dataModel>
+      <dgm:ptLst>
+        <dgm:pt modelId="0" type="doc"/>
+        <dgm:pt modelId="1"/>
+        <dgm:pt modelId="2"/>
+        <dgm:pt modelId="3"/>
+        <dgm:pt modelId="4"/>
+      </dgm:ptLst>
+      <dgm:cxnLst>
+        <dgm:cxn modelId="5" srcId="0" destId="1" srcOrd="0" destOrd="0"/>
+        <dgm:cxn modelId="6" srcId="0" destId="2" srcOrd="1" destOrd="0"/>
+        <dgm:cxn modelId="7" srcId="0" destId="3" srcOrd="2" destOrd="0"/>
+        <dgm:cxn modelId="8" srcId="0" destId="4" srcOrd="3" destOrd="0"/>
+      </dgm:cxnLst>
+      <dgm:bg/>
+      <dgm:whole/>
+    </dgm:dataModel>
+  </dgm:clrData>
+  <dgm:layoutNode name="linear">
+    <dgm:varLst>
+      <dgm:animLvl val="lvl"/>
+      <dgm:resizeHandles val="exact"/>
+    </dgm:varLst>
+    <dgm:alg type="lin">
+      <dgm:param type="linDir" val="fromT"/>
+      <dgm:param type="vertAlign" val="mid"/>
+    </dgm:alg>
+    <dgm:shape xmlns:r="http://schemas.openxmlformats.org/officeDocument/2006/relationships" r:blip="">
+      <dgm:adjLst/>
+    </dgm:shape>
+    <dgm:presOf/>
+    <dgm:constrLst>
+      <dgm:constr type="w" for="ch" forName="parentText" refType="w"/>
+      <dgm:constr type="h" for="ch" forName="parentText" refType="primFontSz" refFor="ch" refForName="parentText" fact="0.52"/>
+      <dgm:constr type="w" for="ch" forName="childText" refType="w"/>
+      <dgm:constr type="h" for="ch" forName="childText" refType="primFontSz" refFor="ch" refForName="parentText" fact="0.46"/>
+      <dgm:constr type="h" for="ch" forName="parentText" op="equ"/>
+      <dgm:constr type="primFontSz" for="ch" forName="parentText" op="equ" val="65"/>
+      <dgm:constr type="primFontSz" for="ch" forName="childText" refType="primFontSz" refFor="ch" refForName="parentText" op="equ"/>
+      <dgm:constr type="h" for="ch" forName="spacer" refType="primFontSz" refFor="ch" refForName="parentText" fact="0.08"/>
+    </dgm:constrLst>
+    <dgm:ruleLst>
+      <dgm:rule type="primFontSz" for="ch" forName="parentText" val="5" fact="NaN" max="NaN"/>
+    </dgm:ruleLst>
+    <dgm:forEach name="Name0" axis="ch" ptType="node">
+      <dgm:layoutNode name="parentText" styleLbl="node1">
+        <dgm:varLst>
+          <dgm:chMax val="0"/>
+          <dgm:bulletEnabled val="1"/>
+        </dgm:varLst>
+        <dgm:alg type="tx">
+          <dgm:param type="parTxLTRAlign" val="l"/>
+          <dgm:param type="parTxRTLAlign" val="r"/>
+        </dgm:alg>
+        <dgm:shape xmlns:r="http://schemas.openxmlformats.org/officeDocument/2006/relationships" type="roundRect" r:blip="">
+          <dgm:adjLst/>
+        </dgm:shape>
+        <dgm:presOf axis="self"/>
+        <dgm:constrLst>
+          <dgm:constr type="tMarg" refType="primFontSz" fact="0.3"/>
+          <dgm:constr type="bMarg" refType="primFontSz" fact="0.3"/>
+          <dgm:constr type="lMarg" refType="primFontSz" fact="0.3"/>
+          <dgm:constr type="rMarg" refType="primFontSz" fact="0.3"/>
+        </dgm:constrLst>
+        <dgm:ruleLst>
+          <dgm:rule type="h" val="INF" fact="NaN" max="NaN"/>
+        </dgm:ruleLst>
+      </dgm:layoutNode>
+      <dgm:choose name="Name1">
+        <dgm:if name="Name2" axis="ch" ptType="node" func="cnt" op="gte" val="1">
+          <dgm:layoutNode name="childText" styleLbl="revTx">
+            <dgm:varLst>
+              <dgm:bulletEnabled val="1"/>
+            </dgm:varLst>
+            <dgm:alg type="tx">
+              <dgm:param type="stBulletLvl" val="1"/>
+              <dgm:param type="lnSpAfChP" val="20"/>
+            </dgm:alg>
+            <dgm:shape xmlns:r="http://schemas.openxmlformats.org/officeDocument/2006/relationships" type="rect" r:blip="">
+              <dgm:adjLst/>
+            </dgm:shape>
+            <dgm:presOf axis="des" ptType="node"/>
+            <dgm:constrLst>
+              <dgm:constr type="tMarg" refType="primFontSz" fact="0.1"/>
+              <dgm:constr type="bMarg" refType="primFontSz" fact="0.1"/>
+              <dgm:constr type="lMarg" refType="w" fact="0.09"/>
+            </dgm:constrLst>
+            <dgm:ruleLst>
+              <dgm:rule type="h" val="INF" fact="NaN" max="NaN"/>
+            </dgm:ruleLst>
+          </dgm:layoutNode>
+        </dgm:if>
+        <dgm:else name="Name3">
+          <dgm:choose name="Name4">
+            <dgm:if name="Name5" axis="par ch" ptType="doc node" func="cnt" op="gte" val="2">
+              <dgm:forEach name="Name6" axis="followSib" ptType="sibTrans" cnt="1">
+                <dgm:layoutNode name="spacer">
+                  <dgm:alg type="sp"/>
+                  <dgm:shape xmlns:r="http://schemas.openxmlformats.org/officeDocument/2006/relationships" r:blip="">
+                    <dgm:adjLst/>
+                  </dgm:shape>
+                  <dgm:presOf/>
+                  <dgm:constrLst/>
+                  <dgm:ruleLst/>
+                </dgm:layoutNode>
+              </dgm:forEach>
+            </dgm:if>
+            <dgm:else name="Name7"/>
+          </dgm:choose>
+        </dgm:else>
+      </dgm:choose>
+    </dgm:forEach>
+  </dgm:layoutNode>
+</dgm:layoutDef>
+</file>
+
+<file path=ppt/diagrams/layout10.xml><?xml version="1.0" encoding="utf-8"?>
 <dgm:layoutDef xmlns:dgm="http://schemas.openxmlformats.org/drawingml/2006/diagram" xmlns:a="http://schemas.openxmlformats.org/drawingml/2006/main" uniqueId="urn:microsoft.com/office/officeart/2005/8/layout/vList2">
   <dgm:title val=""/>
   <dgm:desc val=""/>
@@ -10996,6 +13651,173 @@
 </dgm:layoutDef>
 </file>
 
+<file path=ppt/diagrams/layout9.xml><?xml version="1.0" encoding="utf-8"?>
+<dgm:layoutDef xmlns:dgm="http://schemas.openxmlformats.org/drawingml/2006/diagram" xmlns:a="http://schemas.openxmlformats.org/drawingml/2006/main" uniqueId="urn:microsoft.com/office/officeart/2005/8/layout/vList2">
+  <dgm:title val=""/>
+  <dgm:desc val=""/>
+  <dgm:catLst>
+    <dgm:cat type="list" pri="3000"/>
+    <dgm:cat type="convert" pri="1000"/>
+  </dgm:catLst>
+  <dgm:sampData>
+    <dgm:dataModel>
+      <dgm:ptLst>
+        <dgm:pt modelId="0" type="doc"/>
+        <dgm:pt modelId="1">
+          <dgm:prSet phldr="1"/>
+        </dgm:pt>
+        <dgm:pt modelId="11">
+          <dgm:prSet phldr="1"/>
+        </dgm:pt>
+        <dgm:pt modelId="2">
+          <dgm:prSet phldr="1"/>
+        </dgm:pt>
+        <dgm:pt modelId="21">
+          <dgm:prSet phldr="1"/>
+        </dgm:pt>
+      </dgm:ptLst>
+      <dgm:cxnLst>
+        <dgm:cxn modelId="4" srcId="0" destId="1" srcOrd="0" destOrd="0"/>
+        <dgm:cxn modelId="5" srcId="0" destId="2" srcOrd="1" destOrd="0"/>
+        <dgm:cxn modelId="12" srcId="1" destId="11" srcOrd="0" destOrd="0"/>
+        <dgm:cxn modelId="23" srcId="2" destId="21" srcOrd="0" destOrd="0"/>
+      </dgm:cxnLst>
+      <dgm:bg/>
+      <dgm:whole/>
+    </dgm:dataModel>
+  </dgm:sampData>
+  <dgm:styleData>
+    <dgm:dataModel>
+      <dgm:ptLst>
+        <dgm:pt modelId="0" type="doc"/>
+        <dgm:pt modelId="1"/>
+        <dgm:pt modelId="2"/>
+      </dgm:ptLst>
+      <dgm:cxnLst>
+        <dgm:cxn modelId="3" srcId="0" destId="1" srcOrd="0" destOrd="0"/>
+        <dgm:cxn modelId="4" srcId="0" destId="2" srcOrd="1" destOrd="0"/>
+      </dgm:cxnLst>
+      <dgm:bg/>
+      <dgm:whole/>
+    </dgm:dataModel>
+  </dgm:styleData>
+  <dgm:clrData>
+    <dgm:dataModel>
+      <dgm:ptLst>
+        <dgm:pt modelId="0" type="doc"/>
+        <dgm:pt modelId="1"/>
+        <dgm:pt modelId="2"/>
+        <dgm:pt modelId="3"/>
+        <dgm:pt modelId="4"/>
+      </dgm:ptLst>
+      <dgm:cxnLst>
+        <dgm:cxn modelId="5" srcId="0" destId="1" srcOrd="0" destOrd="0"/>
+        <dgm:cxn modelId="6" srcId="0" destId="2" srcOrd="1" destOrd="0"/>
+        <dgm:cxn modelId="7" srcId="0" destId="3" srcOrd="2" destOrd="0"/>
+        <dgm:cxn modelId="8" srcId="0" destId="4" srcOrd="3" destOrd="0"/>
+      </dgm:cxnLst>
+      <dgm:bg/>
+      <dgm:whole/>
+    </dgm:dataModel>
+  </dgm:clrData>
+  <dgm:layoutNode name="linear">
+    <dgm:varLst>
+      <dgm:animLvl val="lvl"/>
+      <dgm:resizeHandles val="exact"/>
+    </dgm:varLst>
+    <dgm:alg type="lin">
+      <dgm:param type="linDir" val="fromT"/>
+      <dgm:param type="vertAlign" val="mid"/>
+    </dgm:alg>
+    <dgm:shape xmlns:r="http://schemas.openxmlformats.org/officeDocument/2006/relationships" r:blip="">
+      <dgm:adjLst/>
+    </dgm:shape>
+    <dgm:presOf/>
+    <dgm:constrLst>
+      <dgm:constr type="w" for="ch" forName="parentText" refType="w"/>
+      <dgm:constr type="h" for="ch" forName="parentText" refType="primFontSz" refFor="ch" refForName="parentText" fact="0.52"/>
+      <dgm:constr type="w" for="ch" forName="childText" refType="w"/>
+      <dgm:constr type="h" for="ch" forName="childText" refType="primFontSz" refFor="ch" refForName="parentText" fact="0.46"/>
+      <dgm:constr type="h" for="ch" forName="parentText" op="equ"/>
+      <dgm:constr type="primFontSz" for="ch" forName="parentText" op="equ" val="65"/>
+      <dgm:constr type="primFontSz" for="ch" forName="childText" refType="primFontSz" refFor="ch" refForName="parentText" op="equ"/>
+      <dgm:constr type="h" for="ch" forName="spacer" refType="primFontSz" refFor="ch" refForName="parentText" fact="0.08"/>
+    </dgm:constrLst>
+    <dgm:ruleLst>
+      <dgm:rule type="primFontSz" for="ch" forName="parentText" val="5" fact="NaN" max="NaN"/>
+    </dgm:ruleLst>
+    <dgm:forEach name="Name0" axis="ch" ptType="node">
+      <dgm:layoutNode name="parentText" styleLbl="node1">
+        <dgm:varLst>
+          <dgm:chMax val="0"/>
+          <dgm:bulletEnabled val="1"/>
+        </dgm:varLst>
+        <dgm:alg type="tx">
+          <dgm:param type="parTxLTRAlign" val="l"/>
+          <dgm:param type="parTxRTLAlign" val="r"/>
+        </dgm:alg>
+        <dgm:shape xmlns:r="http://schemas.openxmlformats.org/officeDocument/2006/relationships" type="roundRect" r:blip="">
+          <dgm:adjLst/>
+        </dgm:shape>
+        <dgm:presOf axis="self"/>
+        <dgm:constrLst>
+          <dgm:constr type="tMarg" refType="primFontSz" fact="0.3"/>
+          <dgm:constr type="bMarg" refType="primFontSz" fact="0.3"/>
+          <dgm:constr type="lMarg" refType="primFontSz" fact="0.3"/>
+          <dgm:constr type="rMarg" refType="primFontSz" fact="0.3"/>
+        </dgm:constrLst>
+        <dgm:ruleLst>
+          <dgm:rule type="h" val="INF" fact="NaN" max="NaN"/>
+        </dgm:ruleLst>
+      </dgm:layoutNode>
+      <dgm:choose name="Name1">
+        <dgm:if name="Name2" axis="ch" ptType="node" func="cnt" op="gte" val="1">
+          <dgm:layoutNode name="childText" styleLbl="revTx">
+            <dgm:varLst>
+              <dgm:bulletEnabled val="1"/>
+            </dgm:varLst>
+            <dgm:alg type="tx">
+              <dgm:param type="stBulletLvl" val="1"/>
+              <dgm:param type="lnSpAfChP" val="20"/>
+            </dgm:alg>
+            <dgm:shape xmlns:r="http://schemas.openxmlformats.org/officeDocument/2006/relationships" type="rect" r:blip="">
+              <dgm:adjLst/>
+            </dgm:shape>
+            <dgm:presOf axis="des" ptType="node"/>
+            <dgm:constrLst>
+              <dgm:constr type="tMarg" refType="primFontSz" fact="0.1"/>
+              <dgm:constr type="bMarg" refType="primFontSz" fact="0.1"/>
+              <dgm:constr type="lMarg" refType="w" fact="0.09"/>
+            </dgm:constrLst>
+            <dgm:ruleLst>
+              <dgm:rule type="h" val="INF" fact="NaN" max="NaN"/>
+            </dgm:ruleLst>
+          </dgm:layoutNode>
+        </dgm:if>
+        <dgm:else name="Name3">
+          <dgm:choose name="Name4">
+            <dgm:if name="Name5" axis="par ch" ptType="doc node" func="cnt" op="gte" val="2">
+              <dgm:forEach name="Name6" axis="followSib" ptType="sibTrans" cnt="1">
+                <dgm:layoutNode name="spacer">
+                  <dgm:alg type="sp"/>
+                  <dgm:shape xmlns:r="http://schemas.openxmlformats.org/officeDocument/2006/relationships" r:blip="">
+                    <dgm:adjLst/>
+                  </dgm:shape>
+                  <dgm:presOf/>
+                  <dgm:constrLst/>
+                  <dgm:ruleLst/>
+                </dgm:layoutNode>
+              </dgm:forEach>
+            </dgm:if>
+            <dgm:else name="Name7"/>
+          </dgm:choose>
+        </dgm:else>
+      </dgm:choose>
+    </dgm:forEach>
+  </dgm:layoutNode>
+</dgm:layoutDef>
+</file>
+
 <file path=ppt/diagrams/quickStyle1.xml><?xml version="1.0" encoding="utf-8"?>
 <dgm:styleDef xmlns:dgm="http://schemas.openxmlformats.org/drawingml/2006/diagram" xmlns:a="http://schemas.openxmlformats.org/drawingml/2006/main" uniqueId="urn:microsoft.com/office/officeart/2005/8/quickstyle/simple4">
   <dgm:title val=""/>
@@ -12002,6 +14824,1040 @@
         <a:scrgbClr r="0" g="0" b="0"/>
       </a:fillRef>
       <a:effectRef idx="2">
+        <a:scrgbClr r="0" g="0" b="0"/>
+      </a:effectRef>
+      <a:fontRef idx="minor"/>
+    </dgm:style>
+  </dgm:styleLbl>
+  <dgm:styleLbl name="revTx">
+    <dgm:scene3d>
+      <a:camera prst="orthographicFront"/>
+      <a:lightRig rig="threePt" dir="t"/>
+    </dgm:scene3d>
+    <dgm:sp3d/>
+    <dgm:txPr/>
+    <dgm:style>
+      <a:lnRef idx="0">
+        <a:scrgbClr r="0" g="0" b="0"/>
+      </a:lnRef>
+      <a:fillRef idx="0">
+        <a:scrgbClr r="0" g="0" b="0"/>
+      </a:fillRef>
+      <a:effectRef idx="0">
+        <a:scrgbClr r="0" g="0" b="0"/>
+      </a:effectRef>
+      <a:fontRef idx="minor"/>
+    </dgm:style>
+  </dgm:styleLbl>
+</dgm:styleDef>
+</file>
+
+<file path=ppt/diagrams/quickStyle10.xml><?xml version="1.0" encoding="utf-8"?>
+<dgm:styleDef xmlns:dgm="http://schemas.openxmlformats.org/drawingml/2006/diagram" xmlns:a="http://schemas.openxmlformats.org/drawingml/2006/main" uniqueId="urn:microsoft.com/office/officeart/2005/8/quickstyle/simple5">
+  <dgm:title val=""/>
+  <dgm:desc val=""/>
+  <dgm:catLst>
+    <dgm:cat type="simple" pri="10500"/>
+  </dgm:catLst>
+  <dgm:scene3d>
+    <a:camera prst="orthographicFront"/>
+    <a:lightRig rig="threePt" dir="t"/>
+  </dgm:scene3d>
+  <dgm:styleLbl name="node0">
+    <dgm:scene3d>
+      <a:camera prst="orthographicFront"/>
+      <a:lightRig rig="threePt" dir="t"/>
+    </dgm:scene3d>
+    <dgm:sp3d/>
+    <dgm:txPr/>
+    <dgm:style>
+      <a:lnRef idx="0">
+        <a:scrgbClr r="0" g="0" b="0"/>
+      </a:lnRef>
+      <a:fillRef idx="3">
+        <a:scrgbClr r="0" g="0" b="0"/>
+      </a:fillRef>
+      <a:effectRef idx="3">
+        <a:scrgbClr r="0" g="0" b="0"/>
+      </a:effectRef>
+      <a:fontRef idx="minor">
+        <a:schemeClr val="lt1"/>
+      </a:fontRef>
+    </dgm:style>
+  </dgm:styleLbl>
+  <dgm:styleLbl name="lnNode1">
+    <dgm:scene3d>
+      <a:camera prst="orthographicFront"/>
+      <a:lightRig rig="threePt" dir="t"/>
+    </dgm:scene3d>
+    <dgm:sp3d/>
+    <dgm:txPr/>
+    <dgm:style>
+      <a:lnRef idx="0">
+        <a:scrgbClr r="0" g="0" b="0"/>
+      </a:lnRef>
+      <a:fillRef idx="3">
+        <a:scrgbClr r="0" g="0" b="0"/>
+      </a:fillRef>
+      <a:effectRef idx="3">
+        <a:scrgbClr r="0" g="0" b="0"/>
+      </a:effectRef>
+      <a:fontRef idx="minor">
+        <a:schemeClr val="lt1"/>
+      </a:fontRef>
+    </dgm:style>
+  </dgm:styleLbl>
+  <dgm:styleLbl name="vennNode1">
+    <dgm:scene3d>
+      <a:camera prst="orthographicFront"/>
+      <a:lightRig rig="threePt" dir="t"/>
+    </dgm:scene3d>
+    <dgm:sp3d/>
+    <dgm:txPr/>
+    <dgm:style>
+      <a:lnRef idx="0">
+        <a:scrgbClr r="0" g="0" b="0"/>
+      </a:lnRef>
+      <a:fillRef idx="3">
+        <a:scrgbClr r="0" g="0" b="0"/>
+      </a:fillRef>
+      <a:effectRef idx="3">
+        <a:scrgbClr r="0" g="0" b="0"/>
+      </a:effectRef>
+      <a:fontRef idx="minor">
+        <a:schemeClr val="tx1"/>
+      </a:fontRef>
+    </dgm:style>
+  </dgm:styleLbl>
+  <dgm:styleLbl name="alignNode1">
+    <dgm:scene3d>
+      <a:camera prst="orthographicFront"/>
+      <a:lightRig rig="threePt" dir="t"/>
+    </dgm:scene3d>
+    <dgm:sp3d/>
+    <dgm:txPr/>
+    <dgm:style>
+      <a:lnRef idx="1">
+        <a:scrgbClr r="0" g="0" b="0"/>
+      </a:lnRef>
+      <a:fillRef idx="3">
+        <a:scrgbClr r="0" g="0" b="0"/>
+      </a:fillRef>
+      <a:effectRef idx="3">
+        <a:scrgbClr r="0" g="0" b="0"/>
+      </a:effectRef>
+      <a:fontRef idx="minor">
+        <a:schemeClr val="lt1"/>
+      </a:fontRef>
+    </dgm:style>
+  </dgm:styleLbl>
+  <dgm:styleLbl name="node1">
+    <dgm:scene3d>
+      <a:camera prst="orthographicFront"/>
+      <a:lightRig rig="threePt" dir="t"/>
+    </dgm:scene3d>
+    <dgm:sp3d/>
+    <dgm:txPr/>
+    <dgm:style>
+      <a:lnRef idx="0">
+        <a:scrgbClr r="0" g="0" b="0"/>
+      </a:lnRef>
+      <a:fillRef idx="3">
+        <a:scrgbClr r="0" g="0" b="0"/>
+      </a:fillRef>
+      <a:effectRef idx="3">
+        <a:scrgbClr r="0" g="0" b="0"/>
+      </a:effectRef>
+      <a:fontRef idx="minor">
+        <a:schemeClr val="lt1"/>
+      </a:fontRef>
+    </dgm:style>
+  </dgm:styleLbl>
+  <dgm:styleLbl name="node2">
+    <dgm:scene3d>
+      <a:camera prst="orthographicFront"/>
+      <a:lightRig rig="threePt" dir="t"/>
+    </dgm:scene3d>
+    <dgm:sp3d/>
+    <dgm:txPr/>
+    <dgm:style>
+      <a:lnRef idx="0">
+        <a:scrgbClr r="0" g="0" b="0"/>
+      </a:lnRef>
+      <a:fillRef idx="3">
+        <a:scrgbClr r="0" g="0" b="0"/>
+      </a:fillRef>
+      <a:effectRef idx="3">
+        <a:scrgbClr r="0" g="0" b="0"/>
+      </a:effectRef>
+      <a:fontRef idx="minor">
+        <a:schemeClr val="lt1"/>
+      </a:fontRef>
+    </dgm:style>
+  </dgm:styleLbl>
+  <dgm:styleLbl name="node3">
+    <dgm:scene3d>
+      <a:camera prst="orthographicFront"/>
+      <a:lightRig rig="threePt" dir="t"/>
+    </dgm:scene3d>
+    <dgm:sp3d/>
+    <dgm:txPr/>
+    <dgm:style>
+      <a:lnRef idx="0">
+        <a:scrgbClr r="0" g="0" b="0"/>
+      </a:lnRef>
+      <a:fillRef idx="3">
+        <a:scrgbClr r="0" g="0" b="0"/>
+      </a:fillRef>
+      <a:effectRef idx="3">
+        <a:scrgbClr r="0" g="0" b="0"/>
+      </a:effectRef>
+      <a:fontRef idx="minor">
+        <a:schemeClr val="lt1"/>
+      </a:fontRef>
+    </dgm:style>
+  </dgm:styleLbl>
+  <dgm:styleLbl name="node4">
+    <dgm:scene3d>
+      <a:camera prst="orthographicFront"/>
+      <a:lightRig rig="threePt" dir="t"/>
+    </dgm:scene3d>
+    <dgm:sp3d/>
+    <dgm:txPr/>
+    <dgm:style>
+      <a:lnRef idx="0">
+        <a:scrgbClr r="0" g="0" b="0"/>
+      </a:lnRef>
+      <a:fillRef idx="3">
+        <a:scrgbClr r="0" g="0" b="0"/>
+      </a:fillRef>
+      <a:effectRef idx="3">
+        <a:scrgbClr r="0" g="0" b="0"/>
+      </a:effectRef>
+      <a:fontRef idx="minor">
+        <a:schemeClr val="lt1"/>
+      </a:fontRef>
+    </dgm:style>
+  </dgm:styleLbl>
+  <dgm:styleLbl name="fgImgPlace1">
+    <dgm:scene3d>
+      <a:camera prst="orthographicFront"/>
+      <a:lightRig rig="threePt" dir="t"/>
+    </dgm:scene3d>
+    <dgm:sp3d/>
+    <dgm:txPr/>
+    <dgm:style>
+      <a:lnRef idx="0">
+        <a:scrgbClr r="0" g="0" b="0"/>
+      </a:lnRef>
+      <a:fillRef idx="1">
+        <a:scrgbClr r="0" g="0" b="0"/>
+      </a:fillRef>
+      <a:effectRef idx="3">
+        <a:scrgbClr r="0" g="0" b="0"/>
+      </a:effectRef>
+      <a:fontRef idx="minor"/>
+    </dgm:style>
+  </dgm:styleLbl>
+  <dgm:styleLbl name="alignImgPlace1">
+    <dgm:scene3d>
+      <a:camera prst="orthographicFront"/>
+      <a:lightRig rig="threePt" dir="t"/>
+    </dgm:scene3d>
+    <dgm:sp3d/>
+    <dgm:txPr/>
+    <dgm:style>
+      <a:lnRef idx="0">
+        <a:scrgbClr r="0" g="0" b="0"/>
+      </a:lnRef>
+      <a:fillRef idx="1">
+        <a:scrgbClr r="0" g="0" b="0"/>
+      </a:fillRef>
+      <a:effectRef idx="3">
+        <a:scrgbClr r="0" g="0" b="0"/>
+      </a:effectRef>
+      <a:fontRef idx="minor"/>
+    </dgm:style>
+  </dgm:styleLbl>
+  <dgm:styleLbl name="bgImgPlace1">
+    <dgm:scene3d>
+      <a:camera prst="orthographicFront"/>
+      <a:lightRig rig="threePt" dir="t"/>
+    </dgm:scene3d>
+    <dgm:sp3d/>
+    <dgm:txPr/>
+    <dgm:style>
+      <a:lnRef idx="0">
+        <a:scrgbClr r="0" g="0" b="0"/>
+      </a:lnRef>
+      <a:fillRef idx="1">
+        <a:scrgbClr r="0" g="0" b="0"/>
+      </a:fillRef>
+      <a:effectRef idx="3">
+        <a:scrgbClr r="0" g="0" b="0"/>
+      </a:effectRef>
+      <a:fontRef idx="minor"/>
+    </dgm:style>
+  </dgm:styleLbl>
+  <dgm:styleLbl name="sibTrans2D1">
+    <dgm:scene3d>
+      <a:camera prst="orthographicFront"/>
+      <a:lightRig rig="threePt" dir="t"/>
+    </dgm:scene3d>
+    <dgm:sp3d/>
+    <dgm:txPr/>
+    <dgm:style>
+      <a:lnRef idx="0">
+        <a:scrgbClr r="0" g="0" b="0"/>
+      </a:lnRef>
+      <a:fillRef idx="3">
+        <a:scrgbClr r="0" g="0" b="0"/>
+      </a:fillRef>
+      <a:effectRef idx="3">
+        <a:scrgbClr r="0" g="0" b="0"/>
+      </a:effectRef>
+      <a:fontRef idx="minor">
+        <a:schemeClr val="lt1"/>
+      </a:fontRef>
+    </dgm:style>
+  </dgm:styleLbl>
+  <dgm:styleLbl name="fgSibTrans2D1">
+    <dgm:scene3d>
+      <a:camera prst="orthographicFront"/>
+      <a:lightRig rig="threePt" dir="t"/>
+    </dgm:scene3d>
+    <dgm:sp3d/>
+    <dgm:txPr/>
+    <dgm:style>
+      <a:lnRef idx="0">
+        <a:scrgbClr r="0" g="0" b="0"/>
+      </a:lnRef>
+      <a:fillRef idx="3">
+        <a:scrgbClr r="0" g="0" b="0"/>
+      </a:fillRef>
+      <a:effectRef idx="3">
+        <a:scrgbClr r="0" g="0" b="0"/>
+      </a:effectRef>
+      <a:fontRef idx="minor">
+        <a:schemeClr val="lt1"/>
+      </a:fontRef>
+    </dgm:style>
+  </dgm:styleLbl>
+  <dgm:styleLbl name="bgSibTrans2D1">
+    <dgm:scene3d>
+      <a:camera prst="orthographicFront"/>
+      <a:lightRig rig="threePt" dir="t"/>
+    </dgm:scene3d>
+    <dgm:sp3d/>
+    <dgm:txPr/>
+    <dgm:style>
+      <a:lnRef idx="0">
+        <a:scrgbClr r="0" g="0" b="0"/>
+      </a:lnRef>
+      <a:fillRef idx="3">
+        <a:scrgbClr r="0" g="0" b="0"/>
+      </a:fillRef>
+      <a:effectRef idx="3">
+        <a:scrgbClr r="0" g="0" b="0"/>
+      </a:effectRef>
+      <a:fontRef idx="minor">
+        <a:schemeClr val="lt1"/>
+      </a:fontRef>
+    </dgm:style>
+  </dgm:styleLbl>
+  <dgm:styleLbl name="sibTrans1D1">
+    <dgm:scene3d>
+      <a:camera prst="orthographicFront"/>
+      <a:lightRig rig="threePt" dir="t"/>
+    </dgm:scene3d>
+    <dgm:sp3d/>
+    <dgm:txPr/>
+    <dgm:style>
+      <a:lnRef idx="1">
+        <a:scrgbClr r="0" g="0" b="0"/>
+      </a:lnRef>
+      <a:fillRef idx="0">
+        <a:scrgbClr r="0" g="0" b="0"/>
+      </a:fillRef>
+      <a:effectRef idx="0">
+        <a:scrgbClr r="0" g="0" b="0"/>
+      </a:effectRef>
+      <a:fontRef idx="minor"/>
+    </dgm:style>
+  </dgm:styleLbl>
+  <dgm:styleLbl name="callout">
+    <dgm:scene3d>
+      <a:camera prst="orthographicFront"/>
+      <a:lightRig rig="threePt" dir="t"/>
+    </dgm:scene3d>
+    <dgm:sp3d/>
+    <dgm:txPr/>
+    <dgm:style>
+      <a:lnRef idx="1">
+        <a:scrgbClr r="0" g="0" b="0"/>
+      </a:lnRef>
+      <a:fillRef idx="0">
+        <a:scrgbClr r="0" g="0" b="0"/>
+      </a:fillRef>
+      <a:effectRef idx="1">
+        <a:scrgbClr r="0" g="0" b="0"/>
+      </a:effectRef>
+      <a:fontRef idx="minor"/>
+    </dgm:style>
+  </dgm:styleLbl>
+  <dgm:styleLbl name="asst0">
+    <dgm:scene3d>
+      <a:camera prst="orthographicFront"/>
+      <a:lightRig rig="threePt" dir="t"/>
+    </dgm:scene3d>
+    <dgm:sp3d/>
+    <dgm:txPr/>
+    <dgm:style>
+      <a:lnRef idx="0">
+        <a:scrgbClr r="0" g="0" b="0"/>
+      </a:lnRef>
+      <a:fillRef idx="3">
+        <a:scrgbClr r="0" g="0" b="0"/>
+      </a:fillRef>
+      <a:effectRef idx="3">
+        <a:scrgbClr r="0" g="0" b="0"/>
+      </a:effectRef>
+      <a:fontRef idx="minor">
+        <a:schemeClr val="lt1"/>
+      </a:fontRef>
+    </dgm:style>
+  </dgm:styleLbl>
+  <dgm:styleLbl name="asst1">
+    <dgm:scene3d>
+      <a:camera prst="orthographicFront"/>
+      <a:lightRig rig="threePt" dir="t"/>
+    </dgm:scene3d>
+    <dgm:sp3d/>
+    <dgm:txPr/>
+    <dgm:style>
+      <a:lnRef idx="0">
+        <a:scrgbClr r="0" g="0" b="0"/>
+      </a:lnRef>
+      <a:fillRef idx="3">
+        <a:scrgbClr r="0" g="0" b="0"/>
+      </a:fillRef>
+      <a:effectRef idx="3">
+        <a:scrgbClr r="0" g="0" b="0"/>
+      </a:effectRef>
+      <a:fontRef idx="minor">
+        <a:schemeClr val="lt1"/>
+      </a:fontRef>
+    </dgm:style>
+  </dgm:styleLbl>
+  <dgm:styleLbl name="asst2">
+    <dgm:scene3d>
+      <a:camera prst="orthographicFront"/>
+      <a:lightRig rig="threePt" dir="t"/>
+    </dgm:scene3d>
+    <dgm:sp3d/>
+    <dgm:txPr/>
+    <dgm:style>
+      <a:lnRef idx="0">
+        <a:scrgbClr r="0" g="0" b="0"/>
+      </a:lnRef>
+      <a:fillRef idx="3">
+        <a:scrgbClr r="0" g="0" b="0"/>
+      </a:fillRef>
+      <a:effectRef idx="3">
+        <a:scrgbClr r="0" g="0" b="0"/>
+      </a:effectRef>
+      <a:fontRef idx="minor">
+        <a:schemeClr val="lt1"/>
+      </a:fontRef>
+    </dgm:style>
+  </dgm:styleLbl>
+  <dgm:styleLbl name="asst3">
+    <dgm:scene3d>
+      <a:camera prst="orthographicFront"/>
+      <a:lightRig rig="threePt" dir="t"/>
+    </dgm:scene3d>
+    <dgm:sp3d/>
+    <dgm:txPr/>
+    <dgm:style>
+      <a:lnRef idx="0">
+        <a:scrgbClr r="0" g="0" b="0"/>
+      </a:lnRef>
+      <a:fillRef idx="3">
+        <a:scrgbClr r="0" g="0" b="0"/>
+      </a:fillRef>
+      <a:effectRef idx="3">
+        <a:scrgbClr r="0" g="0" b="0"/>
+      </a:effectRef>
+      <a:fontRef idx="minor">
+        <a:schemeClr val="lt1"/>
+      </a:fontRef>
+    </dgm:style>
+  </dgm:styleLbl>
+  <dgm:styleLbl name="asst4">
+    <dgm:scene3d>
+      <a:camera prst="orthographicFront"/>
+      <a:lightRig rig="threePt" dir="t"/>
+    </dgm:scene3d>
+    <dgm:sp3d/>
+    <dgm:txPr/>
+    <dgm:style>
+      <a:lnRef idx="0">
+        <a:scrgbClr r="0" g="0" b="0"/>
+      </a:lnRef>
+      <a:fillRef idx="3">
+        <a:scrgbClr r="0" g="0" b="0"/>
+      </a:fillRef>
+      <a:effectRef idx="3">
+        <a:scrgbClr r="0" g="0" b="0"/>
+      </a:effectRef>
+      <a:fontRef idx="minor">
+        <a:schemeClr val="lt1"/>
+      </a:fontRef>
+    </dgm:style>
+  </dgm:styleLbl>
+  <dgm:styleLbl name="parChTrans2D1">
+    <dgm:scene3d>
+      <a:camera prst="orthographicFront"/>
+      <a:lightRig rig="threePt" dir="t"/>
+    </dgm:scene3d>
+    <dgm:sp3d/>
+    <dgm:txPr/>
+    <dgm:style>
+      <a:lnRef idx="0">
+        <a:scrgbClr r="0" g="0" b="0"/>
+      </a:lnRef>
+      <a:fillRef idx="3">
+        <a:scrgbClr r="0" g="0" b="0"/>
+      </a:fillRef>
+      <a:effectRef idx="3">
+        <a:scrgbClr r="0" g="0" b="0"/>
+      </a:effectRef>
+      <a:fontRef idx="minor">
+        <a:schemeClr val="lt1"/>
+      </a:fontRef>
+    </dgm:style>
+  </dgm:styleLbl>
+  <dgm:styleLbl name="parChTrans2D2">
+    <dgm:scene3d>
+      <a:camera prst="orthographicFront"/>
+      <a:lightRig rig="threePt" dir="t"/>
+    </dgm:scene3d>
+    <dgm:sp3d/>
+    <dgm:txPr/>
+    <dgm:style>
+      <a:lnRef idx="0">
+        <a:scrgbClr r="0" g="0" b="0"/>
+      </a:lnRef>
+      <a:fillRef idx="3">
+        <a:scrgbClr r="0" g="0" b="0"/>
+      </a:fillRef>
+      <a:effectRef idx="3">
+        <a:scrgbClr r="0" g="0" b="0"/>
+      </a:effectRef>
+      <a:fontRef idx="minor">
+        <a:schemeClr val="lt1"/>
+      </a:fontRef>
+    </dgm:style>
+  </dgm:styleLbl>
+  <dgm:styleLbl name="parChTrans2D3">
+    <dgm:scene3d>
+      <a:camera prst="orthographicFront"/>
+      <a:lightRig rig="threePt" dir="t"/>
+    </dgm:scene3d>
+    <dgm:sp3d/>
+    <dgm:txPr/>
+    <dgm:style>
+      <a:lnRef idx="0">
+        <a:scrgbClr r="0" g="0" b="0"/>
+      </a:lnRef>
+      <a:fillRef idx="3">
+        <a:scrgbClr r="0" g="0" b="0"/>
+      </a:fillRef>
+      <a:effectRef idx="3">
+        <a:scrgbClr r="0" g="0" b="0"/>
+      </a:effectRef>
+      <a:fontRef idx="minor">
+        <a:schemeClr val="lt1"/>
+      </a:fontRef>
+    </dgm:style>
+  </dgm:styleLbl>
+  <dgm:styleLbl name="parChTrans2D4">
+    <dgm:scene3d>
+      <a:camera prst="orthographicFront"/>
+      <a:lightRig rig="threePt" dir="t"/>
+    </dgm:scene3d>
+    <dgm:sp3d/>
+    <dgm:txPr/>
+    <dgm:style>
+      <a:lnRef idx="0">
+        <a:scrgbClr r="0" g="0" b="0"/>
+      </a:lnRef>
+      <a:fillRef idx="3">
+        <a:scrgbClr r="0" g="0" b="0"/>
+      </a:fillRef>
+      <a:effectRef idx="3">
+        <a:scrgbClr r="0" g="0" b="0"/>
+      </a:effectRef>
+      <a:fontRef idx="minor">
+        <a:schemeClr val="lt1"/>
+      </a:fontRef>
+    </dgm:style>
+  </dgm:styleLbl>
+  <dgm:styleLbl name="parChTrans1D1">
+    <dgm:scene3d>
+      <a:camera prst="orthographicFront"/>
+      <a:lightRig rig="threePt" dir="t"/>
+    </dgm:scene3d>
+    <dgm:sp3d/>
+    <dgm:txPr/>
+    <dgm:style>
+      <a:lnRef idx="2">
+        <a:scrgbClr r="0" g="0" b="0"/>
+      </a:lnRef>
+      <a:fillRef idx="0">
+        <a:scrgbClr r="0" g="0" b="0"/>
+      </a:fillRef>
+      <a:effectRef idx="0">
+        <a:scrgbClr r="0" g="0" b="0"/>
+      </a:effectRef>
+      <a:fontRef idx="minor"/>
+    </dgm:style>
+  </dgm:styleLbl>
+  <dgm:styleLbl name="parChTrans1D2">
+    <dgm:scene3d>
+      <a:camera prst="orthographicFront"/>
+      <a:lightRig rig="threePt" dir="t"/>
+    </dgm:scene3d>
+    <dgm:sp3d/>
+    <dgm:txPr/>
+    <dgm:style>
+      <a:lnRef idx="2">
+        <a:scrgbClr r="0" g="0" b="0"/>
+      </a:lnRef>
+      <a:fillRef idx="0">
+        <a:scrgbClr r="0" g="0" b="0"/>
+      </a:fillRef>
+      <a:effectRef idx="0">
+        <a:scrgbClr r="0" g="0" b="0"/>
+      </a:effectRef>
+      <a:fontRef idx="minor"/>
+    </dgm:style>
+  </dgm:styleLbl>
+  <dgm:styleLbl name="parChTrans1D3">
+    <dgm:scene3d>
+      <a:camera prst="orthographicFront"/>
+      <a:lightRig rig="threePt" dir="t"/>
+    </dgm:scene3d>
+    <dgm:sp3d/>
+    <dgm:txPr/>
+    <dgm:style>
+      <a:lnRef idx="2">
+        <a:scrgbClr r="0" g="0" b="0"/>
+      </a:lnRef>
+      <a:fillRef idx="0">
+        <a:scrgbClr r="0" g="0" b="0"/>
+      </a:fillRef>
+      <a:effectRef idx="0">
+        <a:scrgbClr r="0" g="0" b="0"/>
+      </a:effectRef>
+      <a:fontRef idx="minor"/>
+    </dgm:style>
+  </dgm:styleLbl>
+  <dgm:styleLbl name="parChTrans1D4">
+    <dgm:scene3d>
+      <a:camera prst="orthographicFront"/>
+      <a:lightRig rig="threePt" dir="t"/>
+    </dgm:scene3d>
+    <dgm:sp3d/>
+    <dgm:txPr/>
+    <dgm:style>
+      <a:lnRef idx="2">
+        <a:scrgbClr r="0" g="0" b="0"/>
+      </a:lnRef>
+      <a:fillRef idx="0">
+        <a:scrgbClr r="0" g="0" b="0"/>
+      </a:fillRef>
+      <a:effectRef idx="0">
+        <a:scrgbClr r="0" g="0" b="0"/>
+      </a:effectRef>
+      <a:fontRef idx="minor"/>
+    </dgm:style>
+  </dgm:styleLbl>
+  <dgm:styleLbl name="fgAcc1">
+    <dgm:scene3d>
+      <a:camera prst="orthographicFront"/>
+      <a:lightRig rig="threePt" dir="t"/>
+    </dgm:scene3d>
+    <dgm:sp3d/>
+    <dgm:txPr/>
+    <dgm:style>
+      <a:lnRef idx="1">
+        <a:scrgbClr r="0" g="0" b="0"/>
+      </a:lnRef>
+      <a:fillRef idx="1">
+        <a:scrgbClr r="0" g="0" b="0"/>
+      </a:fillRef>
+      <a:effectRef idx="2">
+        <a:scrgbClr r="0" g="0" b="0"/>
+      </a:effectRef>
+      <a:fontRef idx="minor"/>
+    </dgm:style>
+  </dgm:styleLbl>
+  <dgm:styleLbl name="conFgAcc1">
+    <dgm:scene3d>
+      <a:camera prst="orthographicFront"/>
+      <a:lightRig rig="threePt" dir="t"/>
+    </dgm:scene3d>
+    <dgm:sp3d/>
+    <dgm:txPr/>
+    <dgm:style>
+      <a:lnRef idx="1">
+        <a:scrgbClr r="0" g="0" b="0"/>
+      </a:lnRef>
+      <a:fillRef idx="1">
+        <a:scrgbClr r="0" g="0" b="0"/>
+      </a:fillRef>
+      <a:effectRef idx="2">
+        <a:scrgbClr r="0" g="0" b="0"/>
+      </a:effectRef>
+      <a:fontRef idx="minor"/>
+    </dgm:style>
+  </dgm:styleLbl>
+  <dgm:styleLbl name="alignAcc1">
+    <dgm:scene3d>
+      <a:camera prst="orthographicFront"/>
+      <a:lightRig rig="threePt" dir="t"/>
+    </dgm:scene3d>
+    <dgm:sp3d/>
+    <dgm:txPr/>
+    <dgm:style>
+      <a:lnRef idx="1">
+        <a:scrgbClr r="0" g="0" b="0"/>
+      </a:lnRef>
+      <a:fillRef idx="1">
+        <a:scrgbClr r="0" g="0" b="0"/>
+      </a:fillRef>
+      <a:effectRef idx="2">
+        <a:scrgbClr r="0" g="0" b="0"/>
+      </a:effectRef>
+      <a:fontRef idx="minor"/>
+    </dgm:style>
+  </dgm:styleLbl>
+  <dgm:styleLbl name="trAlignAcc1">
+    <dgm:scene3d>
+      <a:camera prst="orthographicFront"/>
+      <a:lightRig rig="threePt" dir="t"/>
+    </dgm:scene3d>
+    <dgm:sp3d/>
+    <dgm:txPr/>
+    <dgm:style>
+      <a:lnRef idx="1">
+        <a:scrgbClr r="0" g="0" b="0"/>
+      </a:lnRef>
+      <a:fillRef idx="1">
+        <a:scrgbClr r="0" g="0" b="0"/>
+      </a:fillRef>
+      <a:effectRef idx="0">
+        <a:scrgbClr r="0" g="0" b="0"/>
+      </a:effectRef>
+      <a:fontRef idx="minor"/>
+    </dgm:style>
+  </dgm:styleLbl>
+  <dgm:styleLbl name="bgAcc1">
+    <dgm:scene3d>
+      <a:camera prst="orthographicFront"/>
+      <a:lightRig rig="threePt" dir="t"/>
+    </dgm:scene3d>
+    <dgm:sp3d/>
+    <dgm:txPr/>
+    <dgm:style>
+      <a:lnRef idx="1">
+        <a:scrgbClr r="0" g="0" b="0"/>
+      </a:lnRef>
+      <a:fillRef idx="1">
+        <a:scrgbClr r="0" g="0" b="0"/>
+      </a:fillRef>
+      <a:effectRef idx="2">
+        <a:scrgbClr r="0" g="0" b="0"/>
+      </a:effectRef>
+      <a:fontRef idx="minor"/>
+    </dgm:style>
+  </dgm:styleLbl>
+  <dgm:styleLbl name="solidFgAcc1">
+    <dgm:scene3d>
+      <a:camera prst="orthographicFront"/>
+      <a:lightRig rig="threePt" dir="t"/>
+    </dgm:scene3d>
+    <dgm:sp3d/>
+    <dgm:txPr/>
+    <dgm:style>
+      <a:lnRef idx="1">
+        <a:scrgbClr r="0" g="0" b="0"/>
+      </a:lnRef>
+      <a:fillRef idx="1">
+        <a:scrgbClr r="0" g="0" b="0"/>
+      </a:fillRef>
+      <a:effectRef idx="2">
+        <a:scrgbClr r="0" g="0" b="0"/>
+      </a:effectRef>
+      <a:fontRef idx="minor"/>
+    </dgm:style>
+  </dgm:styleLbl>
+  <dgm:styleLbl name="solidAlignAcc1">
+    <dgm:scene3d>
+      <a:camera prst="orthographicFront"/>
+      <a:lightRig rig="threePt" dir="t"/>
+    </dgm:scene3d>
+    <dgm:sp3d/>
+    <dgm:txPr/>
+    <dgm:style>
+      <a:lnRef idx="1">
+        <a:scrgbClr r="0" g="0" b="0"/>
+      </a:lnRef>
+      <a:fillRef idx="1">
+        <a:scrgbClr r="0" g="0" b="0"/>
+      </a:fillRef>
+      <a:effectRef idx="3">
+        <a:scrgbClr r="0" g="0" b="0"/>
+      </a:effectRef>
+      <a:fontRef idx="minor"/>
+    </dgm:style>
+  </dgm:styleLbl>
+  <dgm:styleLbl name="solidBgAcc1">
+    <dgm:scene3d>
+      <a:camera prst="orthographicFront"/>
+      <a:lightRig rig="threePt" dir="t"/>
+    </dgm:scene3d>
+    <dgm:sp3d/>
+    <dgm:txPr/>
+    <dgm:style>
+      <a:lnRef idx="1">
+        <a:scrgbClr r="0" g="0" b="0"/>
+      </a:lnRef>
+      <a:fillRef idx="1">
+        <a:scrgbClr r="0" g="0" b="0"/>
+      </a:fillRef>
+      <a:effectRef idx="3">
+        <a:scrgbClr r="0" g="0" b="0"/>
+      </a:effectRef>
+      <a:fontRef idx="minor"/>
+    </dgm:style>
+  </dgm:styleLbl>
+  <dgm:styleLbl name="fgAccFollowNode1">
+    <dgm:scene3d>
+      <a:camera prst="orthographicFront"/>
+      <a:lightRig rig="threePt" dir="t"/>
+    </dgm:scene3d>
+    <dgm:sp3d/>
+    <dgm:txPr/>
+    <dgm:style>
+      <a:lnRef idx="1">
+        <a:scrgbClr r="0" g="0" b="0"/>
+      </a:lnRef>
+      <a:fillRef idx="1">
+        <a:scrgbClr r="0" g="0" b="0"/>
+      </a:fillRef>
+      <a:effectRef idx="2">
+        <a:scrgbClr r="0" g="0" b="0"/>
+      </a:effectRef>
+      <a:fontRef idx="minor"/>
+    </dgm:style>
+  </dgm:styleLbl>
+  <dgm:styleLbl name="alignAccFollowNode1">
+    <dgm:scene3d>
+      <a:camera prst="orthographicFront"/>
+      <a:lightRig rig="threePt" dir="t"/>
+    </dgm:scene3d>
+    <dgm:sp3d/>
+    <dgm:txPr/>
+    <dgm:style>
+      <a:lnRef idx="1">
+        <a:scrgbClr r="0" g="0" b="0"/>
+      </a:lnRef>
+      <a:fillRef idx="1">
+        <a:scrgbClr r="0" g="0" b="0"/>
+      </a:fillRef>
+      <a:effectRef idx="2">
+        <a:scrgbClr r="0" g="0" b="0"/>
+      </a:effectRef>
+      <a:fontRef idx="minor"/>
+    </dgm:style>
+  </dgm:styleLbl>
+  <dgm:styleLbl name="bgAccFollowNode1">
+    <dgm:scene3d>
+      <a:camera prst="orthographicFront"/>
+      <a:lightRig rig="threePt" dir="t"/>
+    </dgm:scene3d>
+    <dgm:sp3d/>
+    <dgm:txPr/>
+    <dgm:style>
+      <a:lnRef idx="1">
+        <a:scrgbClr r="0" g="0" b="0"/>
+      </a:lnRef>
+      <a:fillRef idx="1">
+        <a:scrgbClr r="0" g="0" b="0"/>
+      </a:fillRef>
+      <a:effectRef idx="2">
+        <a:scrgbClr r="0" g="0" b="0"/>
+      </a:effectRef>
+      <a:fontRef idx="minor"/>
+    </dgm:style>
+  </dgm:styleLbl>
+  <dgm:styleLbl name="fgAcc0">
+    <dgm:scene3d>
+      <a:camera prst="orthographicFront"/>
+      <a:lightRig rig="threePt" dir="t"/>
+    </dgm:scene3d>
+    <dgm:sp3d/>
+    <dgm:txPr/>
+    <dgm:style>
+      <a:lnRef idx="1">
+        <a:scrgbClr r="0" g="0" b="0"/>
+      </a:lnRef>
+      <a:fillRef idx="1">
+        <a:scrgbClr r="0" g="0" b="0"/>
+      </a:fillRef>
+      <a:effectRef idx="2">
+        <a:scrgbClr r="0" g="0" b="0"/>
+      </a:effectRef>
+      <a:fontRef idx="minor"/>
+    </dgm:style>
+  </dgm:styleLbl>
+  <dgm:styleLbl name="fgAcc2">
+    <dgm:scene3d>
+      <a:camera prst="orthographicFront"/>
+      <a:lightRig rig="threePt" dir="t"/>
+    </dgm:scene3d>
+    <dgm:sp3d/>
+    <dgm:txPr/>
+    <dgm:style>
+      <a:lnRef idx="1">
+        <a:scrgbClr r="0" g="0" b="0"/>
+      </a:lnRef>
+      <a:fillRef idx="1">
+        <a:scrgbClr r="0" g="0" b="0"/>
+      </a:fillRef>
+      <a:effectRef idx="2">
+        <a:scrgbClr r="0" g="0" b="0"/>
+      </a:effectRef>
+      <a:fontRef idx="minor"/>
+    </dgm:style>
+  </dgm:styleLbl>
+  <dgm:styleLbl name="fgAcc3">
+    <dgm:scene3d>
+      <a:camera prst="orthographicFront"/>
+      <a:lightRig rig="threePt" dir="t"/>
+    </dgm:scene3d>
+    <dgm:sp3d/>
+    <dgm:txPr/>
+    <dgm:style>
+      <a:lnRef idx="1">
+        <a:scrgbClr r="0" g="0" b="0"/>
+      </a:lnRef>
+      <a:fillRef idx="1">
+        <a:scrgbClr r="0" g="0" b="0"/>
+      </a:fillRef>
+      <a:effectRef idx="2">
+        <a:scrgbClr r="0" g="0" b="0"/>
+      </a:effectRef>
+      <a:fontRef idx="minor"/>
+    </dgm:style>
+  </dgm:styleLbl>
+  <dgm:styleLbl name="fgAcc4">
+    <dgm:scene3d>
+      <a:camera prst="orthographicFront"/>
+      <a:lightRig rig="threePt" dir="t"/>
+    </dgm:scene3d>
+    <dgm:sp3d/>
+    <dgm:txPr/>
+    <dgm:style>
+      <a:lnRef idx="1">
+        <a:scrgbClr r="0" g="0" b="0"/>
+      </a:lnRef>
+      <a:fillRef idx="1">
+        <a:scrgbClr r="0" g="0" b="0"/>
+      </a:fillRef>
+      <a:effectRef idx="2">
+        <a:scrgbClr r="0" g="0" b="0"/>
+      </a:effectRef>
+      <a:fontRef idx="minor"/>
+    </dgm:style>
+  </dgm:styleLbl>
+  <dgm:styleLbl name="bgShp">
+    <dgm:scene3d>
+      <a:camera prst="orthographicFront"/>
+      <a:lightRig rig="threePt" dir="t"/>
+    </dgm:scene3d>
+    <dgm:sp3d/>
+    <dgm:txPr/>
+    <dgm:style>
+      <a:lnRef idx="0">
+        <a:scrgbClr r="0" g="0" b="0"/>
+      </a:lnRef>
+      <a:fillRef idx="1">
+        <a:scrgbClr r="0" g="0" b="0"/>
+      </a:fillRef>
+      <a:effectRef idx="2">
+        <a:scrgbClr r="0" g="0" b="0"/>
+      </a:effectRef>
+      <a:fontRef idx="minor"/>
+    </dgm:style>
+  </dgm:styleLbl>
+  <dgm:styleLbl name="dkBgShp">
+    <dgm:scene3d>
+      <a:camera prst="orthographicFront"/>
+      <a:lightRig rig="threePt" dir="t"/>
+    </dgm:scene3d>
+    <dgm:sp3d/>
+    <dgm:txPr/>
+    <dgm:style>
+      <a:lnRef idx="0">
+        <a:scrgbClr r="0" g="0" b="0"/>
+      </a:lnRef>
+      <a:fillRef idx="1">
+        <a:scrgbClr r="0" g="0" b="0"/>
+      </a:fillRef>
+      <a:effectRef idx="3">
+        <a:scrgbClr r="0" g="0" b="0"/>
+      </a:effectRef>
+      <a:fontRef idx="minor"/>
+    </dgm:style>
+  </dgm:styleLbl>
+  <dgm:styleLbl name="trBgShp">
+    <dgm:scene3d>
+      <a:camera prst="orthographicFront"/>
+      <a:lightRig rig="threePt" dir="t"/>
+    </dgm:scene3d>
+    <dgm:sp3d/>
+    <dgm:txPr/>
+    <dgm:style>
+      <a:lnRef idx="0">
+        <a:scrgbClr r="0" g="0" b="0"/>
+      </a:lnRef>
+      <a:fillRef idx="1">
+        <a:scrgbClr r="0" g="0" b="0"/>
+      </a:fillRef>
+      <a:effectRef idx="0">
+        <a:scrgbClr r="0" g="0" b="0"/>
+      </a:effectRef>
+      <a:fontRef idx="minor"/>
+    </dgm:style>
+  </dgm:styleLbl>
+  <dgm:styleLbl name="fgShp">
+    <dgm:scene3d>
+      <a:camera prst="orthographicFront"/>
+      <a:lightRig rig="threePt" dir="t"/>
+    </dgm:scene3d>
+    <dgm:sp3d/>
+    <dgm:txPr/>
+    <dgm:style>
+      <a:lnRef idx="0">
+        <a:scrgbClr r="0" g="0" b="0"/>
+      </a:lnRef>
+      <a:fillRef idx="3">
+        <a:scrgbClr r="0" g="0" b="0"/>
+      </a:fillRef>
+      <a:effectRef idx="3">
         <a:scrgbClr r="0" g="0" b="0"/>
       </a:effectRef>
       <a:fontRef idx="minor"/>
@@ -18235,6 +22091,1040 @@
 </file>
 
 <file path=ppt/diagrams/quickStyle8.xml><?xml version="1.0" encoding="utf-8"?>
+<dgm:styleDef xmlns:dgm="http://schemas.openxmlformats.org/drawingml/2006/diagram" xmlns:a="http://schemas.openxmlformats.org/drawingml/2006/main" uniqueId="urn:microsoft.com/office/officeart/2005/8/quickstyle/simple5">
+  <dgm:title val=""/>
+  <dgm:desc val=""/>
+  <dgm:catLst>
+    <dgm:cat type="simple" pri="10500"/>
+  </dgm:catLst>
+  <dgm:scene3d>
+    <a:camera prst="orthographicFront"/>
+    <a:lightRig rig="threePt" dir="t"/>
+  </dgm:scene3d>
+  <dgm:styleLbl name="node0">
+    <dgm:scene3d>
+      <a:camera prst="orthographicFront"/>
+      <a:lightRig rig="threePt" dir="t"/>
+    </dgm:scene3d>
+    <dgm:sp3d/>
+    <dgm:txPr/>
+    <dgm:style>
+      <a:lnRef idx="0">
+        <a:scrgbClr r="0" g="0" b="0"/>
+      </a:lnRef>
+      <a:fillRef idx="3">
+        <a:scrgbClr r="0" g="0" b="0"/>
+      </a:fillRef>
+      <a:effectRef idx="3">
+        <a:scrgbClr r="0" g="0" b="0"/>
+      </a:effectRef>
+      <a:fontRef idx="minor">
+        <a:schemeClr val="lt1"/>
+      </a:fontRef>
+    </dgm:style>
+  </dgm:styleLbl>
+  <dgm:styleLbl name="lnNode1">
+    <dgm:scene3d>
+      <a:camera prst="orthographicFront"/>
+      <a:lightRig rig="threePt" dir="t"/>
+    </dgm:scene3d>
+    <dgm:sp3d/>
+    <dgm:txPr/>
+    <dgm:style>
+      <a:lnRef idx="0">
+        <a:scrgbClr r="0" g="0" b="0"/>
+      </a:lnRef>
+      <a:fillRef idx="3">
+        <a:scrgbClr r="0" g="0" b="0"/>
+      </a:fillRef>
+      <a:effectRef idx="3">
+        <a:scrgbClr r="0" g="0" b="0"/>
+      </a:effectRef>
+      <a:fontRef idx="minor">
+        <a:schemeClr val="lt1"/>
+      </a:fontRef>
+    </dgm:style>
+  </dgm:styleLbl>
+  <dgm:styleLbl name="vennNode1">
+    <dgm:scene3d>
+      <a:camera prst="orthographicFront"/>
+      <a:lightRig rig="threePt" dir="t"/>
+    </dgm:scene3d>
+    <dgm:sp3d/>
+    <dgm:txPr/>
+    <dgm:style>
+      <a:lnRef idx="0">
+        <a:scrgbClr r="0" g="0" b="0"/>
+      </a:lnRef>
+      <a:fillRef idx="3">
+        <a:scrgbClr r="0" g="0" b="0"/>
+      </a:fillRef>
+      <a:effectRef idx="3">
+        <a:scrgbClr r="0" g="0" b="0"/>
+      </a:effectRef>
+      <a:fontRef idx="minor">
+        <a:schemeClr val="tx1"/>
+      </a:fontRef>
+    </dgm:style>
+  </dgm:styleLbl>
+  <dgm:styleLbl name="alignNode1">
+    <dgm:scene3d>
+      <a:camera prst="orthographicFront"/>
+      <a:lightRig rig="threePt" dir="t"/>
+    </dgm:scene3d>
+    <dgm:sp3d/>
+    <dgm:txPr/>
+    <dgm:style>
+      <a:lnRef idx="1">
+        <a:scrgbClr r="0" g="0" b="0"/>
+      </a:lnRef>
+      <a:fillRef idx="3">
+        <a:scrgbClr r="0" g="0" b="0"/>
+      </a:fillRef>
+      <a:effectRef idx="3">
+        <a:scrgbClr r="0" g="0" b="0"/>
+      </a:effectRef>
+      <a:fontRef idx="minor">
+        <a:schemeClr val="lt1"/>
+      </a:fontRef>
+    </dgm:style>
+  </dgm:styleLbl>
+  <dgm:styleLbl name="node1">
+    <dgm:scene3d>
+      <a:camera prst="orthographicFront"/>
+      <a:lightRig rig="threePt" dir="t"/>
+    </dgm:scene3d>
+    <dgm:sp3d/>
+    <dgm:txPr/>
+    <dgm:style>
+      <a:lnRef idx="0">
+        <a:scrgbClr r="0" g="0" b="0"/>
+      </a:lnRef>
+      <a:fillRef idx="3">
+        <a:scrgbClr r="0" g="0" b="0"/>
+      </a:fillRef>
+      <a:effectRef idx="3">
+        <a:scrgbClr r="0" g="0" b="0"/>
+      </a:effectRef>
+      <a:fontRef idx="minor">
+        <a:schemeClr val="lt1"/>
+      </a:fontRef>
+    </dgm:style>
+  </dgm:styleLbl>
+  <dgm:styleLbl name="node2">
+    <dgm:scene3d>
+      <a:camera prst="orthographicFront"/>
+      <a:lightRig rig="threePt" dir="t"/>
+    </dgm:scene3d>
+    <dgm:sp3d/>
+    <dgm:txPr/>
+    <dgm:style>
+      <a:lnRef idx="0">
+        <a:scrgbClr r="0" g="0" b="0"/>
+      </a:lnRef>
+      <a:fillRef idx="3">
+        <a:scrgbClr r="0" g="0" b="0"/>
+      </a:fillRef>
+      <a:effectRef idx="3">
+        <a:scrgbClr r="0" g="0" b="0"/>
+      </a:effectRef>
+      <a:fontRef idx="minor">
+        <a:schemeClr val="lt1"/>
+      </a:fontRef>
+    </dgm:style>
+  </dgm:styleLbl>
+  <dgm:styleLbl name="node3">
+    <dgm:scene3d>
+      <a:camera prst="orthographicFront"/>
+      <a:lightRig rig="threePt" dir="t"/>
+    </dgm:scene3d>
+    <dgm:sp3d/>
+    <dgm:txPr/>
+    <dgm:style>
+      <a:lnRef idx="0">
+        <a:scrgbClr r="0" g="0" b="0"/>
+      </a:lnRef>
+      <a:fillRef idx="3">
+        <a:scrgbClr r="0" g="0" b="0"/>
+      </a:fillRef>
+      <a:effectRef idx="3">
+        <a:scrgbClr r="0" g="0" b="0"/>
+      </a:effectRef>
+      <a:fontRef idx="minor">
+        <a:schemeClr val="lt1"/>
+      </a:fontRef>
+    </dgm:style>
+  </dgm:styleLbl>
+  <dgm:styleLbl name="node4">
+    <dgm:scene3d>
+      <a:camera prst="orthographicFront"/>
+      <a:lightRig rig="threePt" dir="t"/>
+    </dgm:scene3d>
+    <dgm:sp3d/>
+    <dgm:txPr/>
+    <dgm:style>
+      <a:lnRef idx="0">
+        <a:scrgbClr r="0" g="0" b="0"/>
+      </a:lnRef>
+      <a:fillRef idx="3">
+        <a:scrgbClr r="0" g="0" b="0"/>
+      </a:fillRef>
+      <a:effectRef idx="3">
+        <a:scrgbClr r="0" g="0" b="0"/>
+      </a:effectRef>
+      <a:fontRef idx="minor">
+        <a:schemeClr val="lt1"/>
+      </a:fontRef>
+    </dgm:style>
+  </dgm:styleLbl>
+  <dgm:styleLbl name="fgImgPlace1">
+    <dgm:scene3d>
+      <a:camera prst="orthographicFront"/>
+      <a:lightRig rig="threePt" dir="t"/>
+    </dgm:scene3d>
+    <dgm:sp3d/>
+    <dgm:txPr/>
+    <dgm:style>
+      <a:lnRef idx="0">
+        <a:scrgbClr r="0" g="0" b="0"/>
+      </a:lnRef>
+      <a:fillRef idx="1">
+        <a:scrgbClr r="0" g="0" b="0"/>
+      </a:fillRef>
+      <a:effectRef idx="3">
+        <a:scrgbClr r="0" g="0" b="0"/>
+      </a:effectRef>
+      <a:fontRef idx="minor"/>
+    </dgm:style>
+  </dgm:styleLbl>
+  <dgm:styleLbl name="alignImgPlace1">
+    <dgm:scene3d>
+      <a:camera prst="orthographicFront"/>
+      <a:lightRig rig="threePt" dir="t"/>
+    </dgm:scene3d>
+    <dgm:sp3d/>
+    <dgm:txPr/>
+    <dgm:style>
+      <a:lnRef idx="0">
+        <a:scrgbClr r="0" g="0" b="0"/>
+      </a:lnRef>
+      <a:fillRef idx="1">
+        <a:scrgbClr r="0" g="0" b="0"/>
+      </a:fillRef>
+      <a:effectRef idx="3">
+        <a:scrgbClr r="0" g="0" b="0"/>
+      </a:effectRef>
+      <a:fontRef idx="minor"/>
+    </dgm:style>
+  </dgm:styleLbl>
+  <dgm:styleLbl name="bgImgPlace1">
+    <dgm:scene3d>
+      <a:camera prst="orthographicFront"/>
+      <a:lightRig rig="threePt" dir="t"/>
+    </dgm:scene3d>
+    <dgm:sp3d/>
+    <dgm:txPr/>
+    <dgm:style>
+      <a:lnRef idx="0">
+        <a:scrgbClr r="0" g="0" b="0"/>
+      </a:lnRef>
+      <a:fillRef idx="1">
+        <a:scrgbClr r="0" g="0" b="0"/>
+      </a:fillRef>
+      <a:effectRef idx="3">
+        <a:scrgbClr r="0" g="0" b="0"/>
+      </a:effectRef>
+      <a:fontRef idx="minor"/>
+    </dgm:style>
+  </dgm:styleLbl>
+  <dgm:styleLbl name="sibTrans2D1">
+    <dgm:scene3d>
+      <a:camera prst="orthographicFront"/>
+      <a:lightRig rig="threePt" dir="t"/>
+    </dgm:scene3d>
+    <dgm:sp3d/>
+    <dgm:txPr/>
+    <dgm:style>
+      <a:lnRef idx="0">
+        <a:scrgbClr r="0" g="0" b="0"/>
+      </a:lnRef>
+      <a:fillRef idx="3">
+        <a:scrgbClr r="0" g="0" b="0"/>
+      </a:fillRef>
+      <a:effectRef idx="3">
+        <a:scrgbClr r="0" g="0" b="0"/>
+      </a:effectRef>
+      <a:fontRef idx="minor">
+        <a:schemeClr val="lt1"/>
+      </a:fontRef>
+    </dgm:style>
+  </dgm:styleLbl>
+  <dgm:styleLbl name="fgSibTrans2D1">
+    <dgm:scene3d>
+      <a:camera prst="orthographicFront"/>
+      <a:lightRig rig="threePt" dir="t"/>
+    </dgm:scene3d>
+    <dgm:sp3d/>
+    <dgm:txPr/>
+    <dgm:style>
+      <a:lnRef idx="0">
+        <a:scrgbClr r="0" g="0" b="0"/>
+      </a:lnRef>
+      <a:fillRef idx="3">
+        <a:scrgbClr r="0" g="0" b="0"/>
+      </a:fillRef>
+      <a:effectRef idx="3">
+        <a:scrgbClr r="0" g="0" b="0"/>
+      </a:effectRef>
+      <a:fontRef idx="minor">
+        <a:schemeClr val="lt1"/>
+      </a:fontRef>
+    </dgm:style>
+  </dgm:styleLbl>
+  <dgm:styleLbl name="bgSibTrans2D1">
+    <dgm:scene3d>
+      <a:camera prst="orthographicFront"/>
+      <a:lightRig rig="threePt" dir="t"/>
+    </dgm:scene3d>
+    <dgm:sp3d/>
+    <dgm:txPr/>
+    <dgm:style>
+      <a:lnRef idx="0">
+        <a:scrgbClr r="0" g="0" b="0"/>
+      </a:lnRef>
+      <a:fillRef idx="3">
+        <a:scrgbClr r="0" g="0" b="0"/>
+      </a:fillRef>
+      <a:effectRef idx="3">
+        <a:scrgbClr r="0" g="0" b="0"/>
+      </a:effectRef>
+      <a:fontRef idx="minor">
+        <a:schemeClr val="lt1"/>
+      </a:fontRef>
+    </dgm:style>
+  </dgm:styleLbl>
+  <dgm:styleLbl name="sibTrans1D1">
+    <dgm:scene3d>
+      <a:camera prst="orthographicFront"/>
+      <a:lightRig rig="threePt" dir="t"/>
+    </dgm:scene3d>
+    <dgm:sp3d/>
+    <dgm:txPr/>
+    <dgm:style>
+      <a:lnRef idx="1">
+        <a:scrgbClr r="0" g="0" b="0"/>
+      </a:lnRef>
+      <a:fillRef idx="0">
+        <a:scrgbClr r="0" g="0" b="0"/>
+      </a:fillRef>
+      <a:effectRef idx="0">
+        <a:scrgbClr r="0" g="0" b="0"/>
+      </a:effectRef>
+      <a:fontRef idx="minor"/>
+    </dgm:style>
+  </dgm:styleLbl>
+  <dgm:styleLbl name="callout">
+    <dgm:scene3d>
+      <a:camera prst="orthographicFront"/>
+      <a:lightRig rig="threePt" dir="t"/>
+    </dgm:scene3d>
+    <dgm:sp3d/>
+    <dgm:txPr/>
+    <dgm:style>
+      <a:lnRef idx="1">
+        <a:scrgbClr r="0" g="0" b="0"/>
+      </a:lnRef>
+      <a:fillRef idx="0">
+        <a:scrgbClr r="0" g="0" b="0"/>
+      </a:fillRef>
+      <a:effectRef idx="1">
+        <a:scrgbClr r="0" g="0" b="0"/>
+      </a:effectRef>
+      <a:fontRef idx="minor"/>
+    </dgm:style>
+  </dgm:styleLbl>
+  <dgm:styleLbl name="asst0">
+    <dgm:scene3d>
+      <a:camera prst="orthographicFront"/>
+      <a:lightRig rig="threePt" dir="t"/>
+    </dgm:scene3d>
+    <dgm:sp3d/>
+    <dgm:txPr/>
+    <dgm:style>
+      <a:lnRef idx="0">
+        <a:scrgbClr r="0" g="0" b="0"/>
+      </a:lnRef>
+      <a:fillRef idx="3">
+        <a:scrgbClr r="0" g="0" b="0"/>
+      </a:fillRef>
+      <a:effectRef idx="3">
+        <a:scrgbClr r="0" g="0" b="0"/>
+      </a:effectRef>
+      <a:fontRef idx="minor">
+        <a:schemeClr val="lt1"/>
+      </a:fontRef>
+    </dgm:style>
+  </dgm:styleLbl>
+  <dgm:styleLbl name="asst1">
+    <dgm:scene3d>
+      <a:camera prst="orthographicFront"/>
+      <a:lightRig rig="threePt" dir="t"/>
+    </dgm:scene3d>
+    <dgm:sp3d/>
+    <dgm:txPr/>
+    <dgm:style>
+      <a:lnRef idx="0">
+        <a:scrgbClr r="0" g="0" b="0"/>
+      </a:lnRef>
+      <a:fillRef idx="3">
+        <a:scrgbClr r="0" g="0" b="0"/>
+      </a:fillRef>
+      <a:effectRef idx="3">
+        <a:scrgbClr r="0" g="0" b="0"/>
+      </a:effectRef>
+      <a:fontRef idx="minor">
+        <a:schemeClr val="lt1"/>
+      </a:fontRef>
+    </dgm:style>
+  </dgm:styleLbl>
+  <dgm:styleLbl name="asst2">
+    <dgm:scene3d>
+      <a:camera prst="orthographicFront"/>
+      <a:lightRig rig="threePt" dir="t"/>
+    </dgm:scene3d>
+    <dgm:sp3d/>
+    <dgm:txPr/>
+    <dgm:style>
+      <a:lnRef idx="0">
+        <a:scrgbClr r="0" g="0" b="0"/>
+      </a:lnRef>
+      <a:fillRef idx="3">
+        <a:scrgbClr r="0" g="0" b="0"/>
+      </a:fillRef>
+      <a:effectRef idx="3">
+        <a:scrgbClr r="0" g="0" b="0"/>
+      </a:effectRef>
+      <a:fontRef idx="minor">
+        <a:schemeClr val="lt1"/>
+      </a:fontRef>
+    </dgm:style>
+  </dgm:styleLbl>
+  <dgm:styleLbl name="asst3">
+    <dgm:scene3d>
+      <a:camera prst="orthographicFront"/>
+      <a:lightRig rig="threePt" dir="t"/>
+    </dgm:scene3d>
+    <dgm:sp3d/>
+    <dgm:txPr/>
+    <dgm:style>
+      <a:lnRef idx="0">
+        <a:scrgbClr r="0" g="0" b="0"/>
+      </a:lnRef>
+      <a:fillRef idx="3">
+        <a:scrgbClr r="0" g="0" b="0"/>
+      </a:fillRef>
+      <a:effectRef idx="3">
+        <a:scrgbClr r="0" g="0" b="0"/>
+      </a:effectRef>
+      <a:fontRef idx="minor">
+        <a:schemeClr val="lt1"/>
+      </a:fontRef>
+    </dgm:style>
+  </dgm:styleLbl>
+  <dgm:styleLbl name="asst4">
+    <dgm:scene3d>
+      <a:camera prst="orthographicFront"/>
+      <a:lightRig rig="threePt" dir="t"/>
+    </dgm:scene3d>
+    <dgm:sp3d/>
+    <dgm:txPr/>
+    <dgm:style>
+      <a:lnRef idx="0">
+        <a:scrgbClr r="0" g="0" b="0"/>
+      </a:lnRef>
+      <a:fillRef idx="3">
+        <a:scrgbClr r="0" g="0" b="0"/>
+      </a:fillRef>
+      <a:effectRef idx="3">
+        <a:scrgbClr r="0" g="0" b="0"/>
+      </a:effectRef>
+      <a:fontRef idx="minor">
+        <a:schemeClr val="lt1"/>
+      </a:fontRef>
+    </dgm:style>
+  </dgm:styleLbl>
+  <dgm:styleLbl name="parChTrans2D1">
+    <dgm:scene3d>
+      <a:camera prst="orthographicFront"/>
+      <a:lightRig rig="threePt" dir="t"/>
+    </dgm:scene3d>
+    <dgm:sp3d/>
+    <dgm:txPr/>
+    <dgm:style>
+      <a:lnRef idx="0">
+        <a:scrgbClr r="0" g="0" b="0"/>
+      </a:lnRef>
+      <a:fillRef idx="3">
+        <a:scrgbClr r="0" g="0" b="0"/>
+      </a:fillRef>
+      <a:effectRef idx="3">
+        <a:scrgbClr r="0" g="0" b="0"/>
+      </a:effectRef>
+      <a:fontRef idx="minor">
+        <a:schemeClr val="lt1"/>
+      </a:fontRef>
+    </dgm:style>
+  </dgm:styleLbl>
+  <dgm:styleLbl name="parChTrans2D2">
+    <dgm:scene3d>
+      <a:camera prst="orthographicFront"/>
+      <a:lightRig rig="threePt" dir="t"/>
+    </dgm:scene3d>
+    <dgm:sp3d/>
+    <dgm:txPr/>
+    <dgm:style>
+      <a:lnRef idx="0">
+        <a:scrgbClr r="0" g="0" b="0"/>
+      </a:lnRef>
+      <a:fillRef idx="3">
+        <a:scrgbClr r="0" g="0" b="0"/>
+      </a:fillRef>
+      <a:effectRef idx="3">
+        <a:scrgbClr r="0" g="0" b="0"/>
+      </a:effectRef>
+      <a:fontRef idx="minor">
+        <a:schemeClr val="lt1"/>
+      </a:fontRef>
+    </dgm:style>
+  </dgm:styleLbl>
+  <dgm:styleLbl name="parChTrans2D3">
+    <dgm:scene3d>
+      <a:camera prst="orthographicFront"/>
+      <a:lightRig rig="threePt" dir="t"/>
+    </dgm:scene3d>
+    <dgm:sp3d/>
+    <dgm:txPr/>
+    <dgm:style>
+      <a:lnRef idx="0">
+        <a:scrgbClr r="0" g="0" b="0"/>
+      </a:lnRef>
+      <a:fillRef idx="3">
+        <a:scrgbClr r="0" g="0" b="0"/>
+      </a:fillRef>
+      <a:effectRef idx="3">
+        <a:scrgbClr r="0" g="0" b="0"/>
+      </a:effectRef>
+      <a:fontRef idx="minor">
+        <a:schemeClr val="lt1"/>
+      </a:fontRef>
+    </dgm:style>
+  </dgm:styleLbl>
+  <dgm:styleLbl name="parChTrans2D4">
+    <dgm:scene3d>
+      <a:camera prst="orthographicFront"/>
+      <a:lightRig rig="threePt" dir="t"/>
+    </dgm:scene3d>
+    <dgm:sp3d/>
+    <dgm:txPr/>
+    <dgm:style>
+      <a:lnRef idx="0">
+        <a:scrgbClr r="0" g="0" b="0"/>
+      </a:lnRef>
+      <a:fillRef idx="3">
+        <a:scrgbClr r="0" g="0" b="0"/>
+      </a:fillRef>
+      <a:effectRef idx="3">
+        <a:scrgbClr r="0" g="0" b="0"/>
+      </a:effectRef>
+      <a:fontRef idx="minor">
+        <a:schemeClr val="lt1"/>
+      </a:fontRef>
+    </dgm:style>
+  </dgm:styleLbl>
+  <dgm:styleLbl name="parChTrans1D1">
+    <dgm:scene3d>
+      <a:camera prst="orthographicFront"/>
+      <a:lightRig rig="threePt" dir="t"/>
+    </dgm:scene3d>
+    <dgm:sp3d/>
+    <dgm:txPr/>
+    <dgm:style>
+      <a:lnRef idx="2">
+        <a:scrgbClr r="0" g="0" b="0"/>
+      </a:lnRef>
+      <a:fillRef idx="0">
+        <a:scrgbClr r="0" g="0" b="0"/>
+      </a:fillRef>
+      <a:effectRef idx="0">
+        <a:scrgbClr r="0" g="0" b="0"/>
+      </a:effectRef>
+      <a:fontRef idx="minor"/>
+    </dgm:style>
+  </dgm:styleLbl>
+  <dgm:styleLbl name="parChTrans1D2">
+    <dgm:scene3d>
+      <a:camera prst="orthographicFront"/>
+      <a:lightRig rig="threePt" dir="t"/>
+    </dgm:scene3d>
+    <dgm:sp3d/>
+    <dgm:txPr/>
+    <dgm:style>
+      <a:lnRef idx="2">
+        <a:scrgbClr r="0" g="0" b="0"/>
+      </a:lnRef>
+      <a:fillRef idx="0">
+        <a:scrgbClr r="0" g="0" b="0"/>
+      </a:fillRef>
+      <a:effectRef idx="0">
+        <a:scrgbClr r="0" g="0" b="0"/>
+      </a:effectRef>
+      <a:fontRef idx="minor"/>
+    </dgm:style>
+  </dgm:styleLbl>
+  <dgm:styleLbl name="parChTrans1D3">
+    <dgm:scene3d>
+      <a:camera prst="orthographicFront"/>
+      <a:lightRig rig="threePt" dir="t"/>
+    </dgm:scene3d>
+    <dgm:sp3d/>
+    <dgm:txPr/>
+    <dgm:style>
+      <a:lnRef idx="2">
+        <a:scrgbClr r="0" g="0" b="0"/>
+      </a:lnRef>
+      <a:fillRef idx="0">
+        <a:scrgbClr r="0" g="0" b="0"/>
+      </a:fillRef>
+      <a:effectRef idx="0">
+        <a:scrgbClr r="0" g="0" b="0"/>
+      </a:effectRef>
+      <a:fontRef idx="minor"/>
+    </dgm:style>
+  </dgm:styleLbl>
+  <dgm:styleLbl name="parChTrans1D4">
+    <dgm:scene3d>
+      <a:camera prst="orthographicFront"/>
+      <a:lightRig rig="threePt" dir="t"/>
+    </dgm:scene3d>
+    <dgm:sp3d/>
+    <dgm:txPr/>
+    <dgm:style>
+      <a:lnRef idx="2">
+        <a:scrgbClr r="0" g="0" b="0"/>
+      </a:lnRef>
+      <a:fillRef idx="0">
+        <a:scrgbClr r="0" g="0" b="0"/>
+      </a:fillRef>
+      <a:effectRef idx="0">
+        <a:scrgbClr r="0" g="0" b="0"/>
+      </a:effectRef>
+      <a:fontRef idx="minor"/>
+    </dgm:style>
+  </dgm:styleLbl>
+  <dgm:styleLbl name="fgAcc1">
+    <dgm:scene3d>
+      <a:camera prst="orthographicFront"/>
+      <a:lightRig rig="threePt" dir="t"/>
+    </dgm:scene3d>
+    <dgm:sp3d/>
+    <dgm:txPr/>
+    <dgm:style>
+      <a:lnRef idx="1">
+        <a:scrgbClr r="0" g="0" b="0"/>
+      </a:lnRef>
+      <a:fillRef idx="1">
+        <a:scrgbClr r="0" g="0" b="0"/>
+      </a:fillRef>
+      <a:effectRef idx="2">
+        <a:scrgbClr r="0" g="0" b="0"/>
+      </a:effectRef>
+      <a:fontRef idx="minor"/>
+    </dgm:style>
+  </dgm:styleLbl>
+  <dgm:styleLbl name="conFgAcc1">
+    <dgm:scene3d>
+      <a:camera prst="orthographicFront"/>
+      <a:lightRig rig="threePt" dir="t"/>
+    </dgm:scene3d>
+    <dgm:sp3d/>
+    <dgm:txPr/>
+    <dgm:style>
+      <a:lnRef idx="1">
+        <a:scrgbClr r="0" g="0" b="0"/>
+      </a:lnRef>
+      <a:fillRef idx="1">
+        <a:scrgbClr r="0" g="0" b="0"/>
+      </a:fillRef>
+      <a:effectRef idx="2">
+        <a:scrgbClr r="0" g="0" b="0"/>
+      </a:effectRef>
+      <a:fontRef idx="minor"/>
+    </dgm:style>
+  </dgm:styleLbl>
+  <dgm:styleLbl name="alignAcc1">
+    <dgm:scene3d>
+      <a:camera prst="orthographicFront"/>
+      <a:lightRig rig="threePt" dir="t"/>
+    </dgm:scene3d>
+    <dgm:sp3d/>
+    <dgm:txPr/>
+    <dgm:style>
+      <a:lnRef idx="1">
+        <a:scrgbClr r="0" g="0" b="0"/>
+      </a:lnRef>
+      <a:fillRef idx="1">
+        <a:scrgbClr r="0" g="0" b="0"/>
+      </a:fillRef>
+      <a:effectRef idx="2">
+        <a:scrgbClr r="0" g="0" b="0"/>
+      </a:effectRef>
+      <a:fontRef idx="minor"/>
+    </dgm:style>
+  </dgm:styleLbl>
+  <dgm:styleLbl name="trAlignAcc1">
+    <dgm:scene3d>
+      <a:camera prst="orthographicFront"/>
+      <a:lightRig rig="threePt" dir="t"/>
+    </dgm:scene3d>
+    <dgm:sp3d/>
+    <dgm:txPr/>
+    <dgm:style>
+      <a:lnRef idx="1">
+        <a:scrgbClr r="0" g="0" b="0"/>
+      </a:lnRef>
+      <a:fillRef idx="1">
+        <a:scrgbClr r="0" g="0" b="0"/>
+      </a:fillRef>
+      <a:effectRef idx="0">
+        <a:scrgbClr r="0" g="0" b="0"/>
+      </a:effectRef>
+      <a:fontRef idx="minor"/>
+    </dgm:style>
+  </dgm:styleLbl>
+  <dgm:styleLbl name="bgAcc1">
+    <dgm:scene3d>
+      <a:camera prst="orthographicFront"/>
+      <a:lightRig rig="threePt" dir="t"/>
+    </dgm:scene3d>
+    <dgm:sp3d/>
+    <dgm:txPr/>
+    <dgm:style>
+      <a:lnRef idx="1">
+        <a:scrgbClr r="0" g="0" b="0"/>
+      </a:lnRef>
+      <a:fillRef idx="1">
+        <a:scrgbClr r="0" g="0" b="0"/>
+      </a:fillRef>
+      <a:effectRef idx="2">
+        <a:scrgbClr r="0" g="0" b="0"/>
+      </a:effectRef>
+      <a:fontRef idx="minor"/>
+    </dgm:style>
+  </dgm:styleLbl>
+  <dgm:styleLbl name="solidFgAcc1">
+    <dgm:scene3d>
+      <a:camera prst="orthographicFront"/>
+      <a:lightRig rig="threePt" dir="t"/>
+    </dgm:scene3d>
+    <dgm:sp3d/>
+    <dgm:txPr/>
+    <dgm:style>
+      <a:lnRef idx="1">
+        <a:scrgbClr r="0" g="0" b="0"/>
+      </a:lnRef>
+      <a:fillRef idx="1">
+        <a:scrgbClr r="0" g="0" b="0"/>
+      </a:fillRef>
+      <a:effectRef idx="2">
+        <a:scrgbClr r="0" g="0" b="0"/>
+      </a:effectRef>
+      <a:fontRef idx="minor"/>
+    </dgm:style>
+  </dgm:styleLbl>
+  <dgm:styleLbl name="solidAlignAcc1">
+    <dgm:scene3d>
+      <a:camera prst="orthographicFront"/>
+      <a:lightRig rig="threePt" dir="t"/>
+    </dgm:scene3d>
+    <dgm:sp3d/>
+    <dgm:txPr/>
+    <dgm:style>
+      <a:lnRef idx="1">
+        <a:scrgbClr r="0" g="0" b="0"/>
+      </a:lnRef>
+      <a:fillRef idx="1">
+        <a:scrgbClr r="0" g="0" b="0"/>
+      </a:fillRef>
+      <a:effectRef idx="3">
+        <a:scrgbClr r="0" g="0" b="0"/>
+      </a:effectRef>
+      <a:fontRef idx="minor"/>
+    </dgm:style>
+  </dgm:styleLbl>
+  <dgm:styleLbl name="solidBgAcc1">
+    <dgm:scene3d>
+      <a:camera prst="orthographicFront"/>
+      <a:lightRig rig="threePt" dir="t"/>
+    </dgm:scene3d>
+    <dgm:sp3d/>
+    <dgm:txPr/>
+    <dgm:style>
+      <a:lnRef idx="1">
+        <a:scrgbClr r="0" g="0" b="0"/>
+      </a:lnRef>
+      <a:fillRef idx="1">
+        <a:scrgbClr r="0" g="0" b="0"/>
+      </a:fillRef>
+      <a:effectRef idx="3">
+        <a:scrgbClr r="0" g="0" b="0"/>
+      </a:effectRef>
+      <a:fontRef idx="minor"/>
+    </dgm:style>
+  </dgm:styleLbl>
+  <dgm:styleLbl name="fgAccFollowNode1">
+    <dgm:scene3d>
+      <a:camera prst="orthographicFront"/>
+      <a:lightRig rig="threePt" dir="t"/>
+    </dgm:scene3d>
+    <dgm:sp3d/>
+    <dgm:txPr/>
+    <dgm:style>
+      <a:lnRef idx="1">
+        <a:scrgbClr r="0" g="0" b="0"/>
+      </a:lnRef>
+      <a:fillRef idx="1">
+        <a:scrgbClr r="0" g="0" b="0"/>
+      </a:fillRef>
+      <a:effectRef idx="2">
+        <a:scrgbClr r="0" g="0" b="0"/>
+      </a:effectRef>
+      <a:fontRef idx="minor"/>
+    </dgm:style>
+  </dgm:styleLbl>
+  <dgm:styleLbl name="alignAccFollowNode1">
+    <dgm:scene3d>
+      <a:camera prst="orthographicFront"/>
+      <a:lightRig rig="threePt" dir="t"/>
+    </dgm:scene3d>
+    <dgm:sp3d/>
+    <dgm:txPr/>
+    <dgm:style>
+      <a:lnRef idx="1">
+        <a:scrgbClr r="0" g="0" b="0"/>
+      </a:lnRef>
+      <a:fillRef idx="1">
+        <a:scrgbClr r="0" g="0" b="0"/>
+      </a:fillRef>
+      <a:effectRef idx="2">
+        <a:scrgbClr r="0" g="0" b="0"/>
+      </a:effectRef>
+      <a:fontRef idx="minor"/>
+    </dgm:style>
+  </dgm:styleLbl>
+  <dgm:styleLbl name="bgAccFollowNode1">
+    <dgm:scene3d>
+      <a:camera prst="orthographicFront"/>
+      <a:lightRig rig="threePt" dir="t"/>
+    </dgm:scene3d>
+    <dgm:sp3d/>
+    <dgm:txPr/>
+    <dgm:style>
+      <a:lnRef idx="1">
+        <a:scrgbClr r="0" g="0" b="0"/>
+      </a:lnRef>
+      <a:fillRef idx="1">
+        <a:scrgbClr r="0" g="0" b="0"/>
+      </a:fillRef>
+      <a:effectRef idx="2">
+        <a:scrgbClr r="0" g="0" b="0"/>
+      </a:effectRef>
+      <a:fontRef idx="minor"/>
+    </dgm:style>
+  </dgm:styleLbl>
+  <dgm:styleLbl name="fgAcc0">
+    <dgm:scene3d>
+      <a:camera prst="orthographicFront"/>
+      <a:lightRig rig="threePt" dir="t"/>
+    </dgm:scene3d>
+    <dgm:sp3d/>
+    <dgm:txPr/>
+    <dgm:style>
+      <a:lnRef idx="1">
+        <a:scrgbClr r="0" g="0" b="0"/>
+      </a:lnRef>
+      <a:fillRef idx="1">
+        <a:scrgbClr r="0" g="0" b="0"/>
+      </a:fillRef>
+      <a:effectRef idx="2">
+        <a:scrgbClr r="0" g="0" b="0"/>
+      </a:effectRef>
+      <a:fontRef idx="minor"/>
+    </dgm:style>
+  </dgm:styleLbl>
+  <dgm:styleLbl name="fgAcc2">
+    <dgm:scene3d>
+      <a:camera prst="orthographicFront"/>
+      <a:lightRig rig="threePt" dir="t"/>
+    </dgm:scene3d>
+    <dgm:sp3d/>
+    <dgm:txPr/>
+    <dgm:style>
+      <a:lnRef idx="1">
+        <a:scrgbClr r="0" g="0" b="0"/>
+      </a:lnRef>
+      <a:fillRef idx="1">
+        <a:scrgbClr r="0" g="0" b="0"/>
+      </a:fillRef>
+      <a:effectRef idx="2">
+        <a:scrgbClr r="0" g="0" b="0"/>
+      </a:effectRef>
+      <a:fontRef idx="minor"/>
+    </dgm:style>
+  </dgm:styleLbl>
+  <dgm:styleLbl name="fgAcc3">
+    <dgm:scene3d>
+      <a:camera prst="orthographicFront"/>
+      <a:lightRig rig="threePt" dir="t"/>
+    </dgm:scene3d>
+    <dgm:sp3d/>
+    <dgm:txPr/>
+    <dgm:style>
+      <a:lnRef idx="1">
+        <a:scrgbClr r="0" g="0" b="0"/>
+      </a:lnRef>
+      <a:fillRef idx="1">
+        <a:scrgbClr r="0" g="0" b="0"/>
+      </a:fillRef>
+      <a:effectRef idx="2">
+        <a:scrgbClr r="0" g="0" b="0"/>
+      </a:effectRef>
+      <a:fontRef idx="minor"/>
+    </dgm:style>
+  </dgm:styleLbl>
+  <dgm:styleLbl name="fgAcc4">
+    <dgm:scene3d>
+      <a:camera prst="orthographicFront"/>
+      <a:lightRig rig="threePt" dir="t"/>
+    </dgm:scene3d>
+    <dgm:sp3d/>
+    <dgm:txPr/>
+    <dgm:style>
+      <a:lnRef idx="1">
+        <a:scrgbClr r="0" g="0" b="0"/>
+      </a:lnRef>
+      <a:fillRef idx="1">
+        <a:scrgbClr r="0" g="0" b="0"/>
+      </a:fillRef>
+      <a:effectRef idx="2">
+        <a:scrgbClr r="0" g="0" b="0"/>
+      </a:effectRef>
+      <a:fontRef idx="minor"/>
+    </dgm:style>
+  </dgm:styleLbl>
+  <dgm:styleLbl name="bgShp">
+    <dgm:scene3d>
+      <a:camera prst="orthographicFront"/>
+      <a:lightRig rig="threePt" dir="t"/>
+    </dgm:scene3d>
+    <dgm:sp3d/>
+    <dgm:txPr/>
+    <dgm:style>
+      <a:lnRef idx="0">
+        <a:scrgbClr r="0" g="0" b="0"/>
+      </a:lnRef>
+      <a:fillRef idx="1">
+        <a:scrgbClr r="0" g="0" b="0"/>
+      </a:fillRef>
+      <a:effectRef idx="2">
+        <a:scrgbClr r="0" g="0" b="0"/>
+      </a:effectRef>
+      <a:fontRef idx="minor"/>
+    </dgm:style>
+  </dgm:styleLbl>
+  <dgm:styleLbl name="dkBgShp">
+    <dgm:scene3d>
+      <a:camera prst="orthographicFront"/>
+      <a:lightRig rig="threePt" dir="t"/>
+    </dgm:scene3d>
+    <dgm:sp3d/>
+    <dgm:txPr/>
+    <dgm:style>
+      <a:lnRef idx="0">
+        <a:scrgbClr r="0" g="0" b="0"/>
+      </a:lnRef>
+      <a:fillRef idx="1">
+        <a:scrgbClr r="0" g="0" b="0"/>
+      </a:fillRef>
+      <a:effectRef idx="3">
+        <a:scrgbClr r="0" g="0" b="0"/>
+      </a:effectRef>
+      <a:fontRef idx="minor"/>
+    </dgm:style>
+  </dgm:styleLbl>
+  <dgm:styleLbl name="trBgShp">
+    <dgm:scene3d>
+      <a:camera prst="orthographicFront"/>
+      <a:lightRig rig="threePt" dir="t"/>
+    </dgm:scene3d>
+    <dgm:sp3d/>
+    <dgm:txPr/>
+    <dgm:style>
+      <a:lnRef idx="0">
+        <a:scrgbClr r="0" g="0" b="0"/>
+      </a:lnRef>
+      <a:fillRef idx="1">
+        <a:scrgbClr r="0" g="0" b="0"/>
+      </a:fillRef>
+      <a:effectRef idx="0">
+        <a:scrgbClr r="0" g="0" b="0"/>
+      </a:effectRef>
+      <a:fontRef idx="minor"/>
+    </dgm:style>
+  </dgm:styleLbl>
+  <dgm:styleLbl name="fgShp">
+    <dgm:scene3d>
+      <a:camera prst="orthographicFront"/>
+      <a:lightRig rig="threePt" dir="t"/>
+    </dgm:scene3d>
+    <dgm:sp3d/>
+    <dgm:txPr/>
+    <dgm:style>
+      <a:lnRef idx="0">
+        <a:scrgbClr r="0" g="0" b="0"/>
+      </a:lnRef>
+      <a:fillRef idx="3">
+        <a:scrgbClr r="0" g="0" b="0"/>
+      </a:fillRef>
+      <a:effectRef idx="3">
+        <a:scrgbClr r="0" g="0" b="0"/>
+      </a:effectRef>
+      <a:fontRef idx="minor"/>
+    </dgm:style>
+  </dgm:styleLbl>
+  <dgm:styleLbl name="revTx">
+    <dgm:scene3d>
+      <a:camera prst="orthographicFront"/>
+      <a:lightRig rig="threePt" dir="t"/>
+    </dgm:scene3d>
+    <dgm:sp3d/>
+    <dgm:txPr/>
+    <dgm:style>
+      <a:lnRef idx="0">
+        <a:scrgbClr r="0" g="0" b="0"/>
+      </a:lnRef>
+      <a:fillRef idx="0">
+        <a:scrgbClr r="0" g="0" b="0"/>
+      </a:fillRef>
+      <a:effectRef idx="0">
+        <a:scrgbClr r="0" g="0" b="0"/>
+      </a:effectRef>
+      <a:fontRef idx="minor"/>
+    </dgm:style>
+  </dgm:styleLbl>
+</dgm:styleDef>
+</file>
+
+<file path=ppt/diagrams/quickStyle9.xml><?xml version="1.0" encoding="utf-8"?>
 <dgm:styleDef xmlns:dgm="http://schemas.openxmlformats.org/drawingml/2006/diagram" xmlns:a="http://schemas.openxmlformats.org/drawingml/2006/main" uniqueId="urn:microsoft.com/office/officeart/2005/8/quickstyle/simple5">
   <dgm:title val=""/>
   <dgm:desc val=""/>
@@ -23536,6 +28426,1272 @@
 </p:sld>
 </file>
 
+<file path=ppt/slides/slide11.xml><?xml version="1.0" encoding="utf-8"?>
+<p:sld xmlns:a="http://schemas.openxmlformats.org/drawingml/2006/main" xmlns:r="http://schemas.openxmlformats.org/officeDocument/2006/relationships" xmlns:p="http://schemas.openxmlformats.org/presentationml/2006/main">
+  <p:cSld>
+    <p:bg>
+      <p:bgPr>
+        <a:solidFill>
+          <a:schemeClr val="bg1"/>
+        </a:solidFill>
+        <a:effectLst/>
+      </p:bgPr>
+    </p:bg>
+    <p:spTree>
+      <p:nvGrpSpPr>
+        <p:cNvPr id="1" name=""/>
+        <p:cNvGrpSpPr/>
+        <p:nvPr/>
+      </p:nvGrpSpPr>
+      <p:grpSpPr>
+        <a:xfrm>
+          <a:off x="0" y="0"/>
+          <a:ext cx="0" cy="0"/>
+          <a:chOff x="0" y="0"/>
+          <a:chExt cx="0" cy="0"/>
+        </a:xfrm>
+      </p:grpSpPr>
+      <p:sp useBgFill="1">
+        <p:nvSpPr>
+          <p:cNvPr id="34" name="Rectangle 33">
+            <a:extLst>
+              <a:ext uri="{FF2B5EF4-FFF2-40B4-BE49-F238E27FC236}">
+                <a16:creationId xmlns:a16="http://schemas.microsoft.com/office/drawing/2014/main" id="{02E612C7-B066-4023-9D0A-7C54D1E33070}"/>
+              </a:ext>
+              <a:ext uri="{C183D7F6-B498-43B3-948B-1728B52AA6E4}">
+                <adec:decorative xmlns:adec="http://schemas.microsoft.com/office/drawing/2017/decorative" val="1"/>
+              </a:ext>
+            </a:extLst>
+          </p:cNvPr>
+          <p:cNvSpPr>
+            <a:spLocks noGrp="1" noRot="1" noChangeAspect="1" noMove="1" noResize="1" noEditPoints="1" noAdjustHandles="1" noChangeArrowheads="1" noChangeShapeType="1" noTextEdit="1"/>
+          </p:cNvSpPr>
+          <p:nvPr>
+            <p:extLst>
+              <p:ext uri="{386F3935-93C4-4BCD-93E2-E3B085C9AB24}">
+                <p16:designElem xmlns:p16="http://schemas.microsoft.com/office/powerpoint/2015/main" val="1"/>
+              </p:ext>
+            </p:extLst>
+          </p:nvPr>
+        </p:nvSpPr>
+        <p:spPr>
+          <a:xfrm>
+            <a:off x="0" y="0"/>
+            <a:ext cx="12192000" cy="6858000"/>
+          </a:xfrm>
+          <a:prstGeom prst="rect">
+            <a:avLst/>
+          </a:prstGeom>
+          <a:ln>
+            <a:noFill/>
+          </a:ln>
+        </p:spPr>
+        <p:style>
+          <a:lnRef idx="2">
+            <a:schemeClr val="accent1">
+              <a:shade val="50000"/>
+            </a:schemeClr>
+          </a:lnRef>
+          <a:fillRef idx="1">
+            <a:schemeClr val="accent1"/>
+          </a:fillRef>
+          <a:effectRef idx="0">
+            <a:schemeClr val="accent1"/>
+          </a:effectRef>
+          <a:fontRef idx="minor">
+            <a:schemeClr val="lt1"/>
+          </a:fontRef>
+        </p:style>
+        <p:txBody>
+          <a:bodyPr rtlCol="0" anchor="ctr"/>
+          <a:lstStyle/>
+          <a:p>
+            <a:pPr algn="ctr"/>
+            <a:endParaRPr lang="en-US"/>
+          </a:p>
+        </p:txBody>
+      </p:sp>
+      <p:sp>
+        <p:nvSpPr>
+          <p:cNvPr id="36" name="Freeform: Shape 35">
+            <a:extLst>
+              <a:ext uri="{FF2B5EF4-FFF2-40B4-BE49-F238E27FC236}">
+                <a16:creationId xmlns:a16="http://schemas.microsoft.com/office/drawing/2014/main" id="{EE2DB3C6-DA3F-4C8D-AF76-5A712D9F1E10}"/>
+              </a:ext>
+              <a:ext uri="{C183D7F6-B498-43B3-948B-1728B52AA6E4}">
+                <adec:decorative xmlns:adec="http://schemas.microsoft.com/office/drawing/2017/decorative" val="1"/>
+              </a:ext>
+            </a:extLst>
+          </p:cNvPr>
+          <p:cNvSpPr>
+            <a:spLocks noGrp="1" noRot="1" noChangeAspect="1" noMove="1" noResize="1" noEditPoints="1" noAdjustHandles="1" noChangeArrowheads="1" noChangeShapeType="1" noTextEdit="1"/>
+          </p:cNvSpPr>
+          <p:nvPr>
+            <p:extLst>
+              <p:ext uri="{386F3935-93C4-4BCD-93E2-E3B085C9AB24}">
+                <p16:designElem xmlns:p16="http://schemas.microsoft.com/office/powerpoint/2015/main" val="1"/>
+              </p:ext>
+            </p:extLst>
+          </p:nvPr>
+        </p:nvSpPr>
+        <p:spPr>
+          <a:xfrm>
+            <a:off x="1" y="0"/>
+            <a:ext cx="4681641" cy="6858000"/>
+          </a:xfrm>
+          <a:custGeom>
+            <a:avLst/>
+            <a:gdLst>
+              <a:gd name="connsiteX0" fmla="*/ 0 w 4681641"/>
+              <a:gd name="connsiteY0" fmla="*/ 0 h 6858000"/>
+              <a:gd name="connsiteX1" fmla="*/ 1849486 w 4681641"/>
+              <a:gd name="connsiteY1" fmla="*/ 0 h 6858000"/>
+              <a:gd name="connsiteX2" fmla="*/ 3062013 w 4681641"/>
+              <a:gd name="connsiteY2" fmla="*/ 0 h 6858000"/>
+              <a:gd name="connsiteX3" fmla="*/ 3066019 w 4681641"/>
+              <a:gd name="connsiteY3" fmla="*/ 3148 h 6858000"/>
+              <a:gd name="connsiteX4" fmla="*/ 4681641 w 4681641"/>
+              <a:gd name="connsiteY4" fmla="*/ 3429000 h 6858000"/>
+              <a:gd name="connsiteX5" fmla="*/ 3066019 w 4681641"/>
+              <a:gd name="connsiteY5" fmla="*/ 6854853 h 6858000"/>
+              <a:gd name="connsiteX6" fmla="*/ 3062014 w 4681641"/>
+              <a:gd name="connsiteY6" fmla="*/ 6858000 h 6858000"/>
+              <a:gd name="connsiteX7" fmla="*/ 1849486 w 4681641"/>
+              <a:gd name="connsiteY7" fmla="*/ 6858000 h 6858000"/>
+              <a:gd name="connsiteX8" fmla="*/ 0 w 4681641"/>
+              <a:gd name="connsiteY8" fmla="*/ 6858000 h 6858000"/>
+            </a:gdLst>
+            <a:ahLst/>
+            <a:cxnLst>
+              <a:cxn ang="0">
+                <a:pos x="connsiteX0" y="connsiteY0"/>
+              </a:cxn>
+              <a:cxn ang="0">
+                <a:pos x="connsiteX1" y="connsiteY1"/>
+              </a:cxn>
+              <a:cxn ang="0">
+                <a:pos x="connsiteX2" y="connsiteY2"/>
+              </a:cxn>
+              <a:cxn ang="0">
+                <a:pos x="connsiteX3" y="connsiteY3"/>
+              </a:cxn>
+              <a:cxn ang="0">
+                <a:pos x="connsiteX4" y="connsiteY4"/>
+              </a:cxn>
+              <a:cxn ang="0">
+                <a:pos x="connsiteX5" y="connsiteY5"/>
+              </a:cxn>
+              <a:cxn ang="0">
+                <a:pos x="connsiteX6" y="connsiteY6"/>
+              </a:cxn>
+              <a:cxn ang="0">
+                <a:pos x="connsiteX7" y="connsiteY7"/>
+              </a:cxn>
+              <a:cxn ang="0">
+                <a:pos x="connsiteX8" y="connsiteY8"/>
+              </a:cxn>
+            </a:cxnLst>
+            <a:rect l="l" t="t" r="r" b="b"/>
+            <a:pathLst>
+              <a:path w="4681641" h="6858000">
+                <a:moveTo>
+                  <a:pt x="0" y="0"/>
+                </a:moveTo>
+                <a:lnTo>
+                  <a:pt x="1849486" y="0"/>
+                </a:lnTo>
+                <a:lnTo>
+                  <a:pt x="3062013" y="0"/>
+                </a:lnTo>
+                <a:lnTo>
+                  <a:pt x="3066019" y="3148"/>
+                </a:lnTo>
+                <a:cubicBezTo>
+                  <a:pt x="4052720" y="817446"/>
+                  <a:pt x="4681641" y="2049777"/>
+                  <a:pt x="4681641" y="3429000"/>
+                </a:cubicBezTo>
+                <a:cubicBezTo>
+                  <a:pt x="4681641" y="4808224"/>
+                  <a:pt x="4052720" y="6040555"/>
+                  <a:pt x="3066019" y="6854853"/>
+                </a:cubicBezTo>
+                <a:lnTo>
+                  <a:pt x="3062014" y="6858000"/>
+                </a:lnTo>
+                <a:lnTo>
+                  <a:pt x="1849486" y="6858000"/>
+                </a:lnTo>
+                <a:lnTo>
+                  <a:pt x="0" y="6858000"/>
+                </a:lnTo>
+                <a:close/>
+              </a:path>
+            </a:pathLst>
+          </a:custGeom>
+          <a:solidFill>
+            <a:schemeClr val="tx1">
+              <a:lumMod val="50000"/>
+              <a:lumOff val="50000"/>
+              <a:alpha val="20000"/>
+            </a:schemeClr>
+          </a:solidFill>
+          <a:ln>
+            <a:noFill/>
+          </a:ln>
+        </p:spPr>
+        <p:style>
+          <a:lnRef idx="2">
+            <a:schemeClr val="accent1">
+              <a:shade val="50000"/>
+            </a:schemeClr>
+          </a:lnRef>
+          <a:fillRef idx="1">
+            <a:schemeClr val="accent1"/>
+          </a:fillRef>
+          <a:effectRef idx="0">
+            <a:schemeClr val="accent1"/>
+          </a:effectRef>
+          <a:fontRef idx="minor">
+            <a:schemeClr val="lt1"/>
+          </a:fontRef>
+        </p:style>
+        <p:txBody>
+          <a:bodyPr wrap="square" rtlCol="0" anchor="ctr">
+            <a:noAutofit/>
+          </a:bodyPr>
+          <a:lstStyle/>
+          <a:p>
+            <a:pPr algn="ctr"/>
+            <a:endParaRPr lang="en-US"/>
+          </a:p>
+        </p:txBody>
+      </p:sp>
+      <p:sp>
+        <p:nvSpPr>
+          <p:cNvPr id="38" name="Freeform: Shape 37">
+            <a:extLst>
+              <a:ext uri="{FF2B5EF4-FFF2-40B4-BE49-F238E27FC236}">
+                <a16:creationId xmlns:a16="http://schemas.microsoft.com/office/drawing/2014/main" id="{6B0D130E-005A-4A8B-AE4A-4F9E6A10E807}"/>
+              </a:ext>
+              <a:ext uri="{C183D7F6-B498-43B3-948B-1728B52AA6E4}">
+                <adec:decorative xmlns:adec="http://schemas.microsoft.com/office/drawing/2017/decorative" val="1"/>
+              </a:ext>
+            </a:extLst>
+          </p:cNvPr>
+          <p:cNvSpPr>
+            <a:spLocks noGrp="1" noRot="1" noChangeAspect="1" noMove="1" noResize="1" noEditPoints="1" noAdjustHandles="1" noChangeArrowheads="1" noChangeShapeType="1" noTextEdit="1"/>
+          </p:cNvSpPr>
+          <p:nvPr>
+            <p:extLst>
+              <p:ext uri="{386F3935-93C4-4BCD-93E2-E3B085C9AB24}">
+                <p16:designElem xmlns:p16="http://schemas.microsoft.com/office/powerpoint/2015/main" val="1"/>
+              </p:ext>
+            </p:extLst>
+          </p:nvPr>
+        </p:nvSpPr>
+        <p:spPr>
+          <a:xfrm>
+            <a:off x="4645420" y="470193"/>
+            <a:ext cx="2446744" cy="2452562"/>
+          </a:xfrm>
+          <a:custGeom>
+            <a:avLst/>
+            <a:gdLst>
+              <a:gd name="connsiteX0" fmla="*/ 0 w 2446744"/>
+              <a:gd name="connsiteY0" fmla="*/ 0 h 2452562"/>
+              <a:gd name="connsiteX1" fmla="*/ 230730 w 2446744"/>
+              <a:gd name="connsiteY1" fmla="*/ 35214 h 2452562"/>
+              <a:gd name="connsiteX2" fmla="*/ 2410483 w 2446744"/>
+              <a:gd name="connsiteY2" fmla="*/ 2214968 h 2452562"/>
+              <a:gd name="connsiteX3" fmla="*/ 2446744 w 2446744"/>
+              <a:gd name="connsiteY3" fmla="*/ 2452562 h 2452562"/>
+              <a:gd name="connsiteX4" fmla="*/ 1847625 w 2446744"/>
+              <a:gd name="connsiteY4" fmla="*/ 2452562 h 2452562"/>
+              <a:gd name="connsiteX5" fmla="*/ 1829601 w 2446744"/>
+              <a:gd name="connsiteY5" fmla="*/ 2334463 h 2452562"/>
+              <a:gd name="connsiteX6" fmla="*/ 111235 w 2446744"/>
+              <a:gd name="connsiteY6" fmla="*/ 616095 h 2452562"/>
+              <a:gd name="connsiteX7" fmla="*/ 0 w 2446744"/>
+              <a:gd name="connsiteY7" fmla="*/ 599119 h 2452562"/>
+            </a:gdLst>
+            <a:ahLst/>
+            <a:cxnLst>
+              <a:cxn ang="0">
+                <a:pos x="connsiteX0" y="connsiteY0"/>
+              </a:cxn>
+              <a:cxn ang="0">
+                <a:pos x="connsiteX1" y="connsiteY1"/>
+              </a:cxn>
+              <a:cxn ang="0">
+                <a:pos x="connsiteX2" y="connsiteY2"/>
+              </a:cxn>
+              <a:cxn ang="0">
+                <a:pos x="connsiteX3" y="connsiteY3"/>
+              </a:cxn>
+              <a:cxn ang="0">
+                <a:pos x="connsiteX4" y="connsiteY4"/>
+              </a:cxn>
+              <a:cxn ang="0">
+                <a:pos x="connsiteX5" y="connsiteY5"/>
+              </a:cxn>
+              <a:cxn ang="0">
+                <a:pos x="connsiteX6" y="connsiteY6"/>
+              </a:cxn>
+              <a:cxn ang="0">
+                <a:pos x="connsiteX7" y="connsiteY7"/>
+              </a:cxn>
+            </a:cxnLst>
+            <a:rect l="l" t="t" r="r" b="b"/>
+            <a:pathLst>
+              <a:path w="2446744" h="2452562">
+                <a:moveTo>
+                  <a:pt x="0" y="0"/>
+                </a:moveTo>
+                <a:lnTo>
+                  <a:pt x="230730" y="35214"/>
+                </a:lnTo>
+                <a:cubicBezTo>
+                  <a:pt x="1324840" y="259101"/>
+                  <a:pt x="2186596" y="1120858"/>
+                  <a:pt x="2410483" y="2214968"/>
+                </a:cubicBezTo>
+                <a:lnTo>
+                  <a:pt x="2446744" y="2452562"/>
+                </a:lnTo>
+                <a:lnTo>
+                  <a:pt x="1847625" y="2452562"/>
+                </a:lnTo>
+                <a:lnTo>
+                  <a:pt x="1829601" y="2334463"/>
+                </a:lnTo>
+                <a:cubicBezTo>
+                  <a:pt x="1653104" y="1471942"/>
+                  <a:pt x="973755" y="792593"/>
+                  <a:pt x="111235" y="616095"/>
+                </a:cubicBezTo>
+                <a:lnTo>
+                  <a:pt x="0" y="599119"/>
+                </a:lnTo>
+                <a:close/>
+              </a:path>
+            </a:pathLst>
+          </a:custGeom>
+          <a:solidFill>
+            <a:schemeClr val="accent6">
+              <a:alpha val="90000"/>
+            </a:schemeClr>
+          </a:solidFill>
+          <a:ln>
+            <a:noFill/>
+          </a:ln>
+        </p:spPr>
+        <p:style>
+          <a:lnRef idx="2">
+            <a:schemeClr val="accent1">
+              <a:shade val="50000"/>
+            </a:schemeClr>
+          </a:lnRef>
+          <a:fillRef idx="1">
+            <a:schemeClr val="accent1"/>
+          </a:fillRef>
+          <a:effectRef idx="0">
+            <a:schemeClr val="accent1"/>
+          </a:effectRef>
+          <a:fontRef idx="minor">
+            <a:schemeClr val="lt1"/>
+          </a:fontRef>
+        </p:style>
+        <p:txBody>
+          <a:bodyPr wrap="square" rtlCol="0" anchor="ctr">
+            <a:noAutofit/>
+          </a:bodyPr>
+          <a:lstStyle/>
+          <a:p>
+            <a:pPr algn="ctr"/>
+            <a:endParaRPr lang="en-US"/>
+          </a:p>
+        </p:txBody>
+      </p:sp>
+      <p:sp>
+        <p:nvSpPr>
+          <p:cNvPr id="40" name="Oval 39">
+            <a:extLst>
+              <a:ext uri="{FF2B5EF4-FFF2-40B4-BE49-F238E27FC236}">
+                <a16:creationId xmlns:a16="http://schemas.microsoft.com/office/drawing/2014/main" id="{4DE0FBC4-76C2-4FA1-A14B-AF5A773FF09E}"/>
+              </a:ext>
+              <a:ext uri="{C183D7F6-B498-43B3-948B-1728B52AA6E4}">
+                <adec:decorative xmlns:adec="http://schemas.microsoft.com/office/drawing/2017/decorative" val="1"/>
+              </a:ext>
+            </a:extLst>
+          </p:cNvPr>
+          <p:cNvSpPr>
+            <a:spLocks noGrp="1" noRot="1" noChangeAspect="1" noMove="1" noResize="1" noEditPoints="1" noAdjustHandles="1" noChangeArrowheads="1" noChangeShapeType="1" noTextEdit="1"/>
+          </p:cNvSpPr>
+          <p:nvPr>
+            <p:extLst>
+              <p:ext uri="{386F3935-93C4-4BCD-93E2-E3B085C9AB24}">
+                <p16:designElem xmlns:p16="http://schemas.microsoft.com/office/powerpoint/2015/main" val="1"/>
+              </p:ext>
+            </p:extLst>
+          </p:nvPr>
+        </p:nvSpPr>
+        <p:spPr>
+          <a:xfrm>
+            <a:off x="6547613" y="3163625"/>
+            <a:ext cx="530750" cy="530750"/>
+          </a:xfrm>
+          <a:prstGeom prst="ellipse">
+            <a:avLst/>
+          </a:prstGeom>
+          <a:solidFill>
+            <a:schemeClr val="tx1">
+              <a:lumMod val="65000"/>
+              <a:lumOff val="35000"/>
+              <a:alpha val="80000"/>
+            </a:schemeClr>
+          </a:solidFill>
+          <a:ln>
+            <a:noFill/>
+          </a:ln>
+        </p:spPr>
+        <p:style>
+          <a:lnRef idx="2">
+            <a:schemeClr val="accent1">
+              <a:shade val="50000"/>
+            </a:schemeClr>
+          </a:lnRef>
+          <a:fillRef idx="1">
+            <a:schemeClr val="accent1"/>
+          </a:fillRef>
+          <a:effectRef idx="0">
+            <a:schemeClr val="accent1"/>
+          </a:effectRef>
+          <a:fontRef idx="minor">
+            <a:schemeClr val="lt1"/>
+          </a:fontRef>
+        </p:style>
+        <p:txBody>
+          <a:bodyPr rtlCol="0" anchor="ctr"/>
+          <a:lstStyle/>
+          <a:p>
+            <a:pPr algn="ctr"/>
+            <a:endParaRPr lang="en-US"/>
+          </a:p>
+        </p:txBody>
+      </p:sp>
+      <p:sp>
+        <p:nvSpPr>
+          <p:cNvPr id="5" name="CuadroTexto 4">
+            <a:extLst>
+              <a:ext uri="{FF2B5EF4-FFF2-40B4-BE49-F238E27FC236}">
+                <a16:creationId xmlns:a16="http://schemas.microsoft.com/office/drawing/2014/main" id="{207B3B08-1CF5-4E0B-89B8-16BC57250AEA}"/>
+              </a:ext>
+            </a:extLst>
+          </p:cNvPr>
+          <p:cNvSpPr txBox="1"/>
+          <p:nvPr/>
+        </p:nvSpPr>
+        <p:spPr>
+          <a:xfrm>
+            <a:off x="516132" y="3163625"/>
+            <a:ext cx="4241241" cy="1000274"/>
+          </a:xfrm>
+          <a:prstGeom prst="rect">
+            <a:avLst/>
+          </a:prstGeom>
+          <a:noFill/>
+        </p:spPr>
+        <p:txBody>
+          <a:bodyPr wrap="square" rtlCol="0">
+            <a:spAutoFit/>
+          </a:bodyPr>
+          <a:lstStyle/>
+          <a:p>
+            <a:pPr>
+              <a:spcAft>
+                <a:spcPts val="600"/>
+              </a:spcAft>
+            </a:pPr>
+            <a:r>
+              <a:rPr lang="es-CL" dirty="0"/>
+              <a:t>Procesos agroindustriales por proceso, categoría y empresa.</a:t>
+            </a:r>
+          </a:p>
+          <a:p>
+            <a:pPr>
+              <a:spcAft>
+                <a:spcPts val="600"/>
+              </a:spcAft>
+            </a:pPr>
+            <a:r>
+              <a:rPr lang="es-CL" dirty="0"/>
+              <a:t>Que sean filtrables por comuna</a:t>
+            </a:r>
+          </a:p>
+        </p:txBody>
+      </p:sp>
+      <p:sp>
+        <p:nvSpPr>
+          <p:cNvPr id="29" name="CuadroTexto 28">
+            <a:extLst>
+              <a:ext uri="{FF2B5EF4-FFF2-40B4-BE49-F238E27FC236}">
+                <a16:creationId xmlns:a16="http://schemas.microsoft.com/office/drawing/2014/main" id="{4765D351-3A45-47B5-8F7B-9109E34D80C9}"/>
+              </a:ext>
+            </a:extLst>
+          </p:cNvPr>
+          <p:cNvSpPr txBox="1"/>
+          <p:nvPr/>
+        </p:nvSpPr>
+        <p:spPr>
+          <a:xfrm>
+            <a:off x="598380" y="473247"/>
+            <a:ext cx="3484882" cy="338554"/>
+          </a:xfrm>
+          <a:prstGeom prst="rect">
+            <a:avLst/>
+          </a:prstGeom>
+          <a:solidFill>
+            <a:schemeClr val="tx1">
+              <a:lumMod val="65000"/>
+              <a:lumOff val="35000"/>
+            </a:schemeClr>
+          </a:solidFill>
+        </p:spPr>
+        <p:txBody>
+          <a:bodyPr wrap="square" rtlCol="0">
+            <a:spAutoFit/>
+          </a:bodyPr>
+          <a:lstStyle/>
+          <a:p>
+            <a:pPr>
+              <a:spcAft>
+                <a:spcPts val="600"/>
+              </a:spcAft>
+            </a:pPr>
+            <a:r>
+              <a:rPr lang="es-CL" sz="1600" dirty="0">
+                <a:solidFill>
+                  <a:schemeClr val="bg1"/>
+                </a:solidFill>
+              </a:rPr>
+              <a:t>DATAFRUTAS</a:t>
+            </a:r>
+          </a:p>
+        </p:txBody>
+      </p:sp>
+      <p:graphicFrame>
+        <p:nvGraphicFramePr>
+          <p:cNvPr id="21" name="Marcador de contenido 14">
+            <a:extLst>
+              <a:ext uri="{FF2B5EF4-FFF2-40B4-BE49-F238E27FC236}">
+                <a16:creationId xmlns:a16="http://schemas.microsoft.com/office/drawing/2014/main" id="{F833B683-42B4-41EB-81B3-337DA17A2D15}"/>
+              </a:ext>
+            </a:extLst>
+          </p:cNvPr>
+          <p:cNvGraphicFramePr>
+            <a:graphicFrameLocks/>
+          </p:cNvGraphicFramePr>
+          <p:nvPr>
+            <p:extLst>
+              <p:ext uri="{D42A27DB-BD31-4B8C-83A1-F6EECF244321}">
+                <p14:modId xmlns:p14="http://schemas.microsoft.com/office/powerpoint/2010/main" val="184725106"/>
+              </p:ext>
+            </p:extLst>
+          </p:nvPr>
+        </p:nvGraphicFramePr>
+        <p:xfrm>
+          <a:off x="7566017" y="2499017"/>
+          <a:ext cx="3812299" cy="2931510"/>
+        </p:xfrm>
+        <a:graphic>
+          <a:graphicData uri="http://schemas.openxmlformats.org/drawingml/2006/diagram">
+            <dgm:relIds xmlns:dgm="http://schemas.openxmlformats.org/drawingml/2006/diagram" xmlns:r="http://schemas.openxmlformats.org/officeDocument/2006/relationships" r:dm="rId2" r:lo="rId3" r:qs="rId4" r:cs="rId5"/>
+          </a:graphicData>
+        </a:graphic>
+      </p:graphicFrame>
+      <p:sp>
+        <p:nvSpPr>
+          <p:cNvPr id="10" name="CuadroTexto 9">
+            <a:extLst>
+              <a:ext uri="{FF2B5EF4-FFF2-40B4-BE49-F238E27FC236}">
+                <a16:creationId xmlns:a16="http://schemas.microsoft.com/office/drawing/2014/main" id="{24F7E3C6-93FF-4978-928D-0CB83018EBE8}"/>
+              </a:ext>
+            </a:extLst>
+          </p:cNvPr>
+          <p:cNvSpPr txBox="1"/>
+          <p:nvPr/>
+        </p:nvSpPr>
+        <p:spPr>
+          <a:xfrm>
+            <a:off x="7800975" y="5374702"/>
+            <a:ext cx="6096000" cy="369332"/>
+          </a:xfrm>
+          <a:prstGeom prst="rect">
+            <a:avLst/>
+          </a:prstGeom>
+          <a:noFill/>
+        </p:spPr>
+        <p:txBody>
+          <a:bodyPr wrap="square">
+            <a:spAutoFit/>
+          </a:bodyPr>
+          <a:lstStyle/>
+          <a:p>
+            <a:r>
+              <a:rPr lang="es-CL" dirty="0" err="1"/>
+              <a:t>Procesos_Agroindustriales</a:t>
+            </a:r>
+            <a:endParaRPr lang="es-CL" dirty="0"/>
+          </a:p>
+        </p:txBody>
+      </p:sp>
+    </p:spTree>
+    <p:extLst>
+      <p:ext uri="{BB962C8B-B14F-4D97-AF65-F5344CB8AC3E}">
+        <p14:creationId xmlns:p14="http://schemas.microsoft.com/office/powerpoint/2010/main" val="2845761085"/>
+      </p:ext>
+    </p:extLst>
+  </p:cSld>
+  <p:clrMapOvr>
+    <a:masterClrMapping/>
+  </p:clrMapOvr>
+</p:sld>
+</file>
+
+<file path=ppt/slides/slide12.xml><?xml version="1.0" encoding="utf-8"?>
+<p:sld xmlns:a="http://schemas.openxmlformats.org/drawingml/2006/main" xmlns:r="http://schemas.openxmlformats.org/officeDocument/2006/relationships" xmlns:p="http://schemas.openxmlformats.org/presentationml/2006/main">
+  <p:cSld>
+    <p:bg>
+      <p:bgPr>
+        <a:solidFill>
+          <a:schemeClr val="bg1"/>
+        </a:solidFill>
+        <a:effectLst/>
+      </p:bgPr>
+    </p:bg>
+    <p:spTree>
+      <p:nvGrpSpPr>
+        <p:cNvPr id="1" name=""/>
+        <p:cNvGrpSpPr/>
+        <p:nvPr/>
+      </p:nvGrpSpPr>
+      <p:grpSpPr>
+        <a:xfrm>
+          <a:off x="0" y="0"/>
+          <a:ext cx="0" cy="0"/>
+          <a:chOff x="0" y="0"/>
+          <a:chExt cx="0" cy="0"/>
+        </a:xfrm>
+      </p:grpSpPr>
+      <p:sp useBgFill="1">
+        <p:nvSpPr>
+          <p:cNvPr id="34" name="Rectangle 33">
+            <a:extLst>
+              <a:ext uri="{FF2B5EF4-FFF2-40B4-BE49-F238E27FC236}">
+                <a16:creationId xmlns:a16="http://schemas.microsoft.com/office/drawing/2014/main" id="{02E612C7-B066-4023-9D0A-7C54D1E33070}"/>
+              </a:ext>
+              <a:ext uri="{C183D7F6-B498-43B3-948B-1728B52AA6E4}">
+                <adec:decorative xmlns:adec="http://schemas.microsoft.com/office/drawing/2017/decorative" val="1"/>
+              </a:ext>
+            </a:extLst>
+          </p:cNvPr>
+          <p:cNvSpPr>
+            <a:spLocks noGrp="1" noRot="1" noChangeAspect="1" noMove="1" noResize="1" noEditPoints="1" noAdjustHandles="1" noChangeArrowheads="1" noChangeShapeType="1" noTextEdit="1"/>
+          </p:cNvSpPr>
+          <p:nvPr>
+            <p:extLst>
+              <p:ext uri="{386F3935-93C4-4BCD-93E2-E3B085C9AB24}">
+                <p16:designElem xmlns:p16="http://schemas.microsoft.com/office/powerpoint/2015/main" val="1"/>
+              </p:ext>
+            </p:extLst>
+          </p:nvPr>
+        </p:nvSpPr>
+        <p:spPr>
+          <a:xfrm>
+            <a:off x="0" y="0"/>
+            <a:ext cx="12192000" cy="6858000"/>
+          </a:xfrm>
+          <a:prstGeom prst="rect">
+            <a:avLst/>
+          </a:prstGeom>
+          <a:ln>
+            <a:noFill/>
+          </a:ln>
+        </p:spPr>
+        <p:style>
+          <a:lnRef idx="2">
+            <a:schemeClr val="accent1">
+              <a:shade val="50000"/>
+            </a:schemeClr>
+          </a:lnRef>
+          <a:fillRef idx="1">
+            <a:schemeClr val="accent1"/>
+          </a:fillRef>
+          <a:effectRef idx="0">
+            <a:schemeClr val="accent1"/>
+          </a:effectRef>
+          <a:fontRef idx="minor">
+            <a:schemeClr val="lt1"/>
+          </a:fontRef>
+        </p:style>
+        <p:txBody>
+          <a:bodyPr rtlCol="0" anchor="ctr"/>
+          <a:lstStyle/>
+          <a:p>
+            <a:pPr algn="ctr"/>
+            <a:endParaRPr lang="en-US"/>
+          </a:p>
+        </p:txBody>
+      </p:sp>
+      <p:sp>
+        <p:nvSpPr>
+          <p:cNvPr id="36" name="Freeform: Shape 35">
+            <a:extLst>
+              <a:ext uri="{FF2B5EF4-FFF2-40B4-BE49-F238E27FC236}">
+                <a16:creationId xmlns:a16="http://schemas.microsoft.com/office/drawing/2014/main" id="{EE2DB3C6-DA3F-4C8D-AF76-5A712D9F1E10}"/>
+              </a:ext>
+              <a:ext uri="{C183D7F6-B498-43B3-948B-1728B52AA6E4}">
+                <adec:decorative xmlns:adec="http://schemas.microsoft.com/office/drawing/2017/decorative" val="1"/>
+              </a:ext>
+            </a:extLst>
+          </p:cNvPr>
+          <p:cNvSpPr>
+            <a:spLocks noGrp="1" noRot="1" noChangeAspect="1" noMove="1" noResize="1" noEditPoints="1" noAdjustHandles="1" noChangeArrowheads="1" noChangeShapeType="1" noTextEdit="1"/>
+          </p:cNvSpPr>
+          <p:nvPr>
+            <p:extLst>
+              <p:ext uri="{386F3935-93C4-4BCD-93E2-E3B085C9AB24}">
+                <p16:designElem xmlns:p16="http://schemas.microsoft.com/office/powerpoint/2015/main" val="1"/>
+              </p:ext>
+            </p:extLst>
+          </p:nvPr>
+        </p:nvSpPr>
+        <p:spPr>
+          <a:xfrm>
+            <a:off x="1" y="0"/>
+            <a:ext cx="4681641" cy="6858000"/>
+          </a:xfrm>
+          <a:custGeom>
+            <a:avLst/>
+            <a:gdLst>
+              <a:gd name="connsiteX0" fmla="*/ 0 w 4681641"/>
+              <a:gd name="connsiteY0" fmla="*/ 0 h 6858000"/>
+              <a:gd name="connsiteX1" fmla="*/ 1849486 w 4681641"/>
+              <a:gd name="connsiteY1" fmla="*/ 0 h 6858000"/>
+              <a:gd name="connsiteX2" fmla="*/ 3062013 w 4681641"/>
+              <a:gd name="connsiteY2" fmla="*/ 0 h 6858000"/>
+              <a:gd name="connsiteX3" fmla="*/ 3066019 w 4681641"/>
+              <a:gd name="connsiteY3" fmla="*/ 3148 h 6858000"/>
+              <a:gd name="connsiteX4" fmla="*/ 4681641 w 4681641"/>
+              <a:gd name="connsiteY4" fmla="*/ 3429000 h 6858000"/>
+              <a:gd name="connsiteX5" fmla="*/ 3066019 w 4681641"/>
+              <a:gd name="connsiteY5" fmla="*/ 6854853 h 6858000"/>
+              <a:gd name="connsiteX6" fmla="*/ 3062014 w 4681641"/>
+              <a:gd name="connsiteY6" fmla="*/ 6858000 h 6858000"/>
+              <a:gd name="connsiteX7" fmla="*/ 1849486 w 4681641"/>
+              <a:gd name="connsiteY7" fmla="*/ 6858000 h 6858000"/>
+              <a:gd name="connsiteX8" fmla="*/ 0 w 4681641"/>
+              <a:gd name="connsiteY8" fmla="*/ 6858000 h 6858000"/>
+            </a:gdLst>
+            <a:ahLst/>
+            <a:cxnLst>
+              <a:cxn ang="0">
+                <a:pos x="connsiteX0" y="connsiteY0"/>
+              </a:cxn>
+              <a:cxn ang="0">
+                <a:pos x="connsiteX1" y="connsiteY1"/>
+              </a:cxn>
+              <a:cxn ang="0">
+                <a:pos x="connsiteX2" y="connsiteY2"/>
+              </a:cxn>
+              <a:cxn ang="0">
+                <a:pos x="connsiteX3" y="connsiteY3"/>
+              </a:cxn>
+              <a:cxn ang="0">
+                <a:pos x="connsiteX4" y="connsiteY4"/>
+              </a:cxn>
+              <a:cxn ang="0">
+                <a:pos x="connsiteX5" y="connsiteY5"/>
+              </a:cxn>
+              <a:cxn ang="0">
+                <a:pos x="connsiteX6" y="connsiteY6"/>
+              </a:cxn>
+              <a:cxn ang="0">
+                <a:pos x="connsiteX7" y="connsiteY7"/>
+              </a:cxn>
+              <a:cxn ang="0">
+                <a:pos x="connsiteX8" y="connsiteY8"/>
+              </a:cxn>
+            </a:cxnLst>
+            <a:rect l="l" t="t" r="r" b="b"/>
+            <a:pathLst>
+              <a:path w="4681641" h="6858000">
+                <a:moveTo>
+                  <a:pt x="0" y="0"/>
+                </a:moveTo>
+                <a:lnTo>
+                  <a:pt x="1849486" y="0"/>
+                </a:lnTo>
+                <a:lnTo>
+                  <a:pt x="3062013" y="0"/>
+                </a:lnTo>
+                <a:lnTo>
+                  <a:pt x="3066019" y="3148"/>
+                </a:lnTo>
+                <a:cubicBezTo>
+                  <a:pt x="4052720" y="817446"/>
+                  <a:pt x="4681641" y="2049777"/>
+                  <a:pt x="4681641" y="3429000"/>
+                </a:cubicBezTo>
+                <a:cubicBezTo>
+                  <a:pt x="4681641" y="4808224"/>
+                  <a:pt x="4052720" y="6040555"/>
+                  <a:pt x="3066019" y="6854853"/>
+                </a:cubicBezTo>
+                <a:lnTo>
+                  <a:pt x="3062014" y="6858000"/>
+                </a:lnTo>
+                <a:lnTo>
+                  <a:pt x="1849486" y="6858000"/>
+                </a:lnTo>
+                <a:lnTo>
+                  <a:pt x="0" y="6858000"/>
+                </a:lnTo>
+                <a:close/>
+              </a:path>
+            </a:pathLst>
+          </a:custGeom>
+          <a:solidFill>
+            <a:schemeClr val="tx1">
+              <a:lumMod val="50000"/>
+              <a:lumOff val="50000"/>
+              <a:alpha val="20000"/>
+            </a:schemeClr>
+          </a:solidFill>
+          <a:ln>
+            <a:noFill/>
+          </a:ln>
+        </p:spPr>
+        <p:style>
+          <a:lnRef idx="2">
+            <a:schemeClr val="accent1">
+              <a:shade val="50000"/>
+            </a:schemeClr>
+          </a:lnRef>
+          <a:fillRef idx="1">
+            <a:schemeClr val="accent1"/>
+          </a:fillRef>
+          <a:effectRef idx="0">
+            <a:schemeClr val="accent1"/>
+          </a:effectRef>
+          <a:fontRef idx="minor">
+            <a:schemeClr val="lt1"/>
+          </a:fontRef>
+        </p:style>
+        <p:txBody>
+          <a:bodyPr wrap="square" rtlCol="0" anchor="ctr">
+            <a:noAutofit/>
+          </a:bodyPr>
+          <a:lstStyle/>
+          <a:p>
+            <a:pPr algn="ctr"/>
+            <a:endParaRPr lang="en-US"/>
+          </a:p>
+        </p:txBody>
+      </p:sp>
+      <p:sp>
+        <p:nvSpPr>
+          <p:cNvPr id="38" name="Freeform: Shape 37">
+            <a:extLst>
+              <a:ext uri="{FF2B5EF4-FFF2-40B4-BE49-F238E27FC236}">
+                <a16:creationId xmlns:a16="http://schemas.microsoft.com/office/drawing/2014/main" id="{6B0D130E-005A-4A8B-AE4A-4F9E6A10E807}"/>
+              </a:ext>
+              <a:ext uri="{C183D7F6-B498-43B3-948B-1728B52AA6E4}">
+                <adec:decorative xmlns:adec="http://schemas.microsoft.com/office/drawing/2017/decorative" val="1"/>
+              </a:ext>
+            </a:extLst>
+          </p:cNvPr>
+          <p:cNvSpPr>
+            <a:spLocks noGrp="1" noRot="1" noChangeAspect="1" noMove="1" noResize="1" noEditPoints="1" noAdjustHandles="1" noChangeArrowheads="1" noChangeShapeType="1" noTextEdit="1"/>
+          </p:cNvSpPr>
+          <p:nvPr>
+            <p:extLst>
+              <p:ext uri="{386F3935-93C4-4BCD-93E2-E3B085C9AB24}">
+                <p16:designElem xmlns:p16="http://schemas.microsoft.com/office/powerpoint/2015/main" val="1"/>
+              </p:ext>
+            </p:extLst>
+          </p:nvPr>
+        </p:nvSpPr>
+        <p:spPr>
+          <a:xfrm>
+            <a:off x="4645420" y="470193"/>
+            <a:ext cx="2446744" cy="2452562"/>
+          </a:xfrm>
+          <a:custGeom>
+            <a:avLst/>
+            <a:gdLst>
+              <a:gd name="connsiteX0" fmla="*/ 0 w 2446744"/>
+              <a:gd name="connsiteY0" fmla="*/ 0 h 2452562"/>
+              <a:gd name="connsiteX1" fmla="*/ 230730 w 2446744"/>
+              <a:gd name="connsiteY1" fmla="*/ 35214 h 2452562"/>
+              <a:gd name="connsiteX2" fmla="*/ 2410483 w 2446744"/>
+              <a:gd name="connsiteY2" fmla="*/ 2214968 h 2452562"/>
+              <a:gd name="connsiteX3" fmla="*/ 2446744 w 2446744"/>
+              <a:gd name="connsiteY3" fmla="*/ 2452562 h 2452562"/>
+              <a:gd name="connsiteX4" fmla="*/ 1847625 w 2446744"/>
+              <a:gd name="connsiteY4" fmla="*/ 2452562 h 2452562"/>
+              <a:gd name="connsiteX5" fmla="*/ 1829601 w 2446744"/>
+              <a:gd name="connsiteY5" fmla="*/ 2334463 h 2452562"/>
+              <a:gd name="connsiteX6" fmla="*/ 111235 w 2446744"/>
+              <a:gd name="connsiteY6" fmla="*/ 616095 h 2452562"/>
+              <a:gd name="connsiteX7" fmla="*/ 0 w 2446744"/>
+              <a:gd name="connsiteY7" fmla="*/ 599119 h 2452562"/>
+            </a:gdLst>
+            <a:ahLst/>
+            <a:cxnLst>
+              <a:cxn ang="0">
+                <a:pos x="connsiteX0" y="connsiteY0"/>
+              </a:cxn>
+              <a:cxn ang="0">
+                <a:pos x="connsiteX1" y="connsiteY1"/>
+              </a:cxn>
+              <a:cxn ang="0">
+                <a:pos x="connsiteX2" y="connsiteY2"/>
+              </a:cxn>
+              <a:cxn ang="0">
+                <a:pos x="connsiteX3" y="connsiteY3"/>
+              </a:cxn>
+              <a:cxn ang="0">
+                <a:pos x="connsiteX4" y="connsiteY4"/>
+              </a:cxn>
+              <a:cxn ang="0">
+                <a:pos x="connsiteX5" y="connsiteY5"/>
+              </a:cxn>
+              <a:cxn ang="0">
+                <a:pos x="connsiteX6" y="connsiteY6"/>
+              </a:cxn>
+              <a:cxn ang="0">
+                <a:pos x="connsiteX7" y="connsiteY7"/>
+              </a:cxn>
+            </a:cxnLst>
+            <a:rect l="l" t="t" r="r" b="b"/>
+            <a:pathLst>
+              <a:path w="2446744" h="2452562">
+                <a:moveTo>
+                  <a:pt x="0" y="0"/>
+                </a:moveTo>
+                <a:lnTo>
+                  <a:pt x="230730" y="35214"/>
+                </a:lnTo>
+                <a:cubicBezTo>
+                  <a:pt x="1324840" y="259101"/>
+                  <a:pt x="2186596" y="1120858"/>
+                  <a:pt x="2410483" y="2214968"/>
+                </a:cubicBezTo>
+                <a:lnTo>
+                  <a:pt x="2446744" y="2452562"/>
+                </a:lnTo>
+                <a:lnTo>
+                  <a:pt x="1847625" y="2452562"/>
+                </a:lnTo>
+                <a:lnTo>
+                  <a:pt x="1829601" y="2334463"/>
+                </a:lnTo>
+                <a:cubicBezTo>
+                  <a:pt x="1653104" y="1471942"/>
+                  <a:pt x="973755" y="792593"/>
+                  <a:pt x="111235" y="616095"/>
+                </a:cubicBezTo>
+                <a:lnTo>
+                  <a:pt x="0" y="599119"/>
+                </a:lnTo>
+                <a:close/>
+              </a:path>
+            </a:pathLst>
+          </a:custGeom>
+          <a:solidFill>
+            <a:schemeClr val="accent6">
+              <a:alpha val="90000"/>
+            </a:schemeClr>
+          </a:solidFill>
+          <a:ln>
+            <a:noFill/>
+          </a:ln>
+        </p:spPr>
+        <p:style>
+          <a:lnRef idx="2">
+            <a:schemeClr val="accent1">
+              <a:shade val="50000"/>
+            </a:schemeClr>
+          </a:lnRef>
+          <a:fillRef idx="1">
+            <a:schemeClr val="accent1"/>
+          </a:fillRef>
+          <a:effectRef idx="0">
+            <a:schemeClr val="accent1"/>
+          </a:effectRef>
+          <a:fontRef idx="minor">
+            <a:schemeClr val="lt1"/>
+          </a:fontRef>
+        </p:style>
+        <p:txBody>
+          <a:bodyPr wrap="square" rtlCol="0" anchor="ctr">
+            <a:noAutofit/>
+          </a:bodyPr>
+          <a:lstStyle/>
+          <a:p>
+            <a:pPr algn="ctr"/>
+            <a:endParaRPr lang="en-US"/>
+          </a:p>
+        </p:txBody>
+      </p:sp>
+      <p:sp>
+        <p:nvSpPr>
+          <p:cNvPr id="40" name="Oval 39">
+            <a:extLst>
+              <a:ext uri="{FF2B5EF4-FFF2-40B4-BE49-F238E27FC236}">
+                <a16:creationId xmlns:a16="http://schemas.microsoft.com/office/drawing/2014/main" id="{4DE0FBC4-76C2-4FA1-A14B-AF5A773FF09E}"/>
+              </a:ext>
+              <a:ext uri="{C183D7F6-B498-43B3-948B-1728B52AA6E4}">
+                <adec:decorative xmlns:adec="http://schemas.microsoft.com/office/drawing/2017/decorative" val="1"/>
+              </a:ext>
+            </a:extLst>
+          </p:cNvPr>
+          <p:cNvSpPr>
+            <a:spLocks noGrp="1" noRot="1" noChangeAspect="1" noMove="1" noResize="1" noEditPoints="1" noAdjustHandles="1" noChangeArrowheads="1" noChangeShapeType="1" noTextEdit="1"/>
+          </p:cNvSpPr>
+          <p:nvPr>
+            <p:extLst>
+              <p:ext uri="{386F3935-93C4-4BCD-93E2-E3B085C9AB24}">
+                <p16:designElem xmlns:p16="http://schemas.microsoft.com/office/powerpoint/2015/main" val="1"/>
+              </p:ext>
+            </p:extLst>
+          </p:nvPr>
+        </p:nvSpPr>
+        <p:spPr>
+          <a:xfrm>
+            <a:off x="6547613" y="3163625"/>
+            <a:ext cx="530750" cy="530750"/>
+          </a:xfrm>
+          <a:prstGeom prst="ellipse">
+            <a:avLst/>
+          </a:prstGeom>
+          <a:solidFill>
+            <a:schemeClr val="tx1">
+              <a:lumMod val="65000"/>
+              <a:lumOff val="35000"/>
+              <a:alpha val="80000"/>
+            </a:schemeClr>
+          </a:solidFill>
+          <a:ln>
+            <a:noFill/>
+          </a:ln>
+        </p:spPr>
+        <p:style>
+          <a:lnRef idx="2">
+            <a:schemeClr val="accent1">
+              <a:shade val="50000"/>
+            </a:schemeClr>
+          </a:lnRef>
+          <a:fillRef idx="1">
+            <a:schemeClr val="accent1"/>
+          </a:fillRef>
+          <a:effectRef idx="0">
+            <a:schemeClr val="accent1"/>
+          </a:effectRef>
+          <a:fontRef idx="minor">
+            <a:schemeClr val="lt1"/>
+          </a:fontRef>
+        </p:style>
+        <p:txBody>
+          <a:bodyPr rtlCol="0" anchor="ctr"/>
+          <a:lstStyle/>
+          <a:p>
+            <a:pPr algn="ctr"/>
+            <a:endParaRPr lang="en-US"/>
+          </a:p>
+        </p:txBody>
+      </p:sp>
+      <p:sp>
+        <p:nvSpPr>
+          <p:cNvPr id="5" name="CuadroTexto 4">
+            <a:extLst>
+              <a:ext uri="{FF2B5EF4-FFF2-40B4-BE49-F238E27FC236}">
+                <a16:creationId xmlns:a16="http://schemas.microsoft.com/office/drawing/2014/main" id="{207B3B08-1CF5-4E0B-89B8-16BC57250AEA}"/>
+              </a:ext>
+            </a:extLst>
+          </p:cNvPr>
+          <p:cNvSpPr txBox="1"/>
+          <p:nvPr/>
+        </p:nvSpPr>
+        <p:spPr>
+          <a:xfrm>
+            <a:off x="516132" y="3163625"/>
+            <a:ext cx="4241241" cy="723275"/>
+          </a:xfrm>
+          <a:prstGeom prst="rect">
+            <a:avLst/>
+          </a:prstGeom>
+          <a:noFill/>
+        </p:spPr>
+        <p:txBody>
+          <a:bodyPr wrap="square" rtlCol="0">
+            <a:spAutoFit/>
+          </a:bodyPr>
+          <a:lstStyle/>
+          <a:p>
+            <a:pPr>
+              <a:spcAft>
+                <a:spcPts val="600"/>
+              </a:spcAft>
+            </a:pPr>
+            <a:r>
+              <a:rPr lang="es-CL" dirty="0"/>
+              <a:t>Agroindustria por categoría y empresa.</a:t>
+            </a:r>
+          </a:p>
+          <a:p>
+            <a:pPr>
+              <a:spcAft>
+                <a:spcPts val="600"/>
+              </a:spcAft>
+            </a:pPr>
+            <a:r>
+              <a:rPr lang="es-CL" dirty="0"/>
+              <a:t>Que sean filtrables por comuna</a:t>
+            </a:r>
+          </a:p>
+        </p:txBody>
+      </p:sp>
+      <p:sp>
+        <p:nvSpPr>
+          <p:cNvPr id="29" name="CuadroTexto 28">
+            <a:extLst>
+              <a:ext uri="{FF2B5EF4-FFF2-40B4-BE49-F238E27FC236}">
+                <a16:creationId xmlns:a16="http://schemas.microsoft.com/office/drawing/2014/main" id="{4765D351-3A45-47B5-8F7B-9109E34D80C9}"/>
+              </a:ext>
+            </a:extLst>
+          </p:cNvPr>
+          <p:cNvSpPr txBox="1"/>
+          <p:nvPr/>
+        </p:nvSpPr>
+        <p:spPr>
+          <a:xfrm>
+            <a:off x="598380" y="473247"/>
+            <a:ext cx="3484882" cy="338554"/>
+          </a:xfrm>
+          <a:prstGeom prst="rect">
+            <a:avLst/>
+          </a:prstGeom>
+          <a:solidFill>
+            <a:schemeClr val="tx1">
+              <a:lumMod val="65000"/>
+              <a:lumOff val="35000"/>
+            </a:schemeClr>
+          </a:solidFill>
+        </p:spPr>
+        <p:txBody>
+          <a:bodyPr wrap="square" rtlCol="0">
+            <a:spAutoFit/>
+          </a:bodyPr>
+          <a:lstStyle/>
+          <a:p>
+            <a:pPr>
+              <a:spcAft>
+                <a:spcPts val="600"/>
+              </a:spcAft>
+            </a:pPr>
+            <a:r>
+              <a:rPr lang="es-CL" sz="1600" dirty="0">
+                <a:solidFill>
+                  <a:schemeClr val="bg1"/>
+                </a:solidFill>
+              </a:rPr>
+              <a:t>DATAFRUTAS</a:t>
+            </a:r>
+          </a:p>
+        </p:txBody>
+      </p:sp>
+      <p:graphicFrame>
+        <p:nvGraphicFramePr>
+          <p:cNvPr id="21" name="Marcador de contenido 14">
+            <a:extLst>
+              <a:ext uri="{FF2B5EF4-FFF2-40B4-BE49-F238E27FC236}">
+                <a16:creationId xmlns:a16="http://schemas.microsoft.com/office/drawing/2014/main" id="{F833B683-42B4-41EB-81B3-337DA17A2D15}"/>
+              </a:ext>
+            </a:extLst>
+          </p:cNvPr>
+          <p:cNvGraphicFramePr>
+            <a:graphicFrameLocks/>
+          </p:cNvGraphicFramePr>
+          <p:nvPr>
+            <p:extLst>
+              <p:ext uri="{D42A27DB-BD31-4B8C-83A1-F6EECF244321}">
+                <p14:modId xmlns:p14="http://schemas.microsoft.com/office/powerpoint/2010/main" val="3927646520"/>
+              </p:ext>
+            </p:extLst>
+          </p:nvPr>
+        </p:nvGraphicFramePr>
+        <p:xfrm>
+          <a:off x="7566017" y="2499017"/>
+          <a:ext cx="3812299" cy="2931510"/>
+        </p:xfrm>
+        <a:graphic>
+          <a:graphicData uri="http://schemas.openxmlformats.org/drawingml/2006/diagram">
+            <dgm:relIds xmlns:dgm="http://schemas.openxmlformats.org/drawingml/2006/diagram" xmlns:r="http://schemas.openxmlformats.org/officeDocument/2006/relationships" r:dm="rId2" r:lo="rId3" r:qs="rId4" r:cs="rId5"/>
+          </a:graphicData>
+        </a:graphic>
+      </p:graphicFrame>
+      <p:sp>
+        <p:nvSpPr>
+          <p:cNvPr id="10" name="CuadroTexto 9">
+            <a:extLst>
+              <a:ext uri="{FF2B5EF4-FFF2-40B4-BE49-F238E27FC236}">
+                <a16:creationId xmlns:a16="http://schemas.microsoft.com/office/drawing/2014/main" id="{24F7E3C6-93FF-4978-928D-0CB83018EBE8}"/>
+              </a:ext>
+            </a:extLst>
+          </p:cNvPr>
+          <p:cNvSpPr txBox="1"/>
+          <p:nvPr/>
+        </p:nvSpPr>
+        <p:spPr>
+          <a:xfrm>
+            <a:off x="7800975" y="5374702"/>
+            <a:ext cx="6096000" cy="369332"/>
+          </a:xfrm>
+          <a:prstGeom prst="rect">
+            <a:avLst/>
+          </a:prstGeom>
+          <a:noFill/>
+        </p:spPr>
+        <p:txBody>
+          <a:bodyPr wrap="square">
+            <a:spAutoFit/>
+          </a:bodyPr>
+          <a:lstStyle/>
+          <a:p>
+            <a:r>
+              <a:rPr lang="es-CL" dirty="0" err="1"/>
+              <a:t>Directorio_agroindustria</a:t>
+            </a:r>
+            <a:endParaRPr lang="es-CL" dirty="0"/>
+          </a:p>
+        </p:txBody>
+      </p:sp>
+    </p:spTree>
+    <p:extLst>
+      <p:ext uri="{BB962C8B-B14F-4D97-AF65-F5344CB8AC3E}">
+        <p14:creationId xmlns:p14="http://schemas.microsoft.com/office/powerpoint/2010/main" val="2947243643"/>
+      </p:ext>
+    </p:extLst>
+  </p:cSld>
+  <p:clrMapOvr>
+    <a:masterClrMapping/>
+  </p:clrMapOvr>
+</p:sld>
+</file>
+
 <file path=ppt/slides/slide2.xml><?xml version="1.0" encoding="utf-8"?>
 <p:sld xmlns:a="http://schemas.openxmlformats.org/drawingml/2006/main" xmlns:r="http://schemas.openxmlformats.org/officeDocument/2006/relationships" xmlns:p="http://schemas.openxmlformats.org/presentationml/2006/main">
   <p:cSld>
@@ -24534,7 +30690,7 @@
           <p:nvPr>
             <p:extLst>
               <p:ext uri="{D42A27DB-BD31-4B8C-83A1-F6EECF244321}">
-                <p14:modId xmlns:p14="http://schemas.microsoft.com/office/powerpoint/2010/main" val="3200026394"/>
+                <p14:modId xmlns:p14="http://schemas.microsoft.com/office/powerpoint/2010/main" val="3342734272"/>
               </p:ext>
             </p:extLst>
           </p:nvPr>

--- a/DATAAGRO-Frutas/Power BI_Frutas.pptx
+++ b/DATAAGRO-Frutas/Power BI_Frutas.pptx
@@ -24307,7 +24307,7 @@
           <a:p>
             <a:fld id="{6F863FF5-5640-4E1F-A6B1-2019BEDD815C}" type="datetimeFigureOut">
               <a:rPr lang="es-CL" smtClean="0"/>
-              <a:t>11-12-2020</a:t>
+              <a:t>04-02-2021</a:t>
             </a:fld>
             <a:endParaRPr lang="es-CL"/>
           </a:p>
@@ -24507,7 +24507,7 @@
           <a:p>
             <a:fld id="{6F863FF5-5640-4E1F-A6B1-2019BEDD815C}" type="datetimeFigureOut">
               <a:rPr lang="es-CL" smtClean="0"/>
-              <a:t>11-12-2020</a:t>
+              <a:t>04-02-2021</a:t>
             </a:fld>
             <a:endParaRPr lang="es-CL"/>
           </a:p>
@@ -24717,7 +24717,7 @@
           <a:p>
             <a:fld id="{6F863FF5-5640-4E1F-A6B1-2019BEDD815C}" type="datetimeFigureOut">
               <a:rPr lang="es-CL" smtClean="0"/>
-              <a:t>11-12-2020</a:t>
+              <a:t>04-02-2021</a:t>
             </a:fld>
             <a:endParaRPr lang="es-CL"/>
           </a:p>
@@ -24917,7 +24917,7 @@
           <a:p>
             <a:fld id="{6F863FF5-5640-4E1F-A6B1-2019BEDD815C}" type="datetimeFigureOut">
               <a:rPr lang="es-CL" smtClean="0"/>
-              <a:t>11-12-2020</a:t>
+              <a:t>04-02-2021</a:t>
             </a:fld>
             <a:endParaRPr lang="es-CL"/>
           </a:p>
@@ -25193,7 +25193,7 @@
           <a:p>
             <a:fld id="{6F863FF5-5640-4E1F-A6B1-2019BEDD815C}" type="datetimeFigureOut">
               <a:rPr lang="es-CL" smtClean="0"/>
-              <a:t>11-12-2020</a:t>
+              <a:t>04-02-2021</a:t>
             </a:fld>
             <a:endParaRPr lang="es-CL"/>
           </a:p>
@@ -25461,7 +25461,7 @@
           <a:p>
             <a:fld id="{6F863FF5-5640-4E1F-A6B1-2019BEDD815C}" type="datetimeFigureOut">
               <a:rPr lang="es-CL" smtClean="0"/>
-              <a:t>11-12-2020</a:t>
+              <a:t>04-02-2021</a:t>
             </a:fld>
             <a:endParaRPr lang="es-CL"/>
           </a:p>
@@ -25876,7 +25876,7 @@
           <a:p>
             <a:fld id="{6F863FF5-5640-4E1F-A6B1-2019BEDD815C}" type="datetimeFigureOut">
               <a:rPr lang="es-CL" smtClean="0"/>
-              <a:t>11-12-2020</a:t>
+              <a:t>04-02-2021</a:t>
             </a:fld>
             <a:endParaRPr lang="es-CL"/>
           </a:p>
@@ -26018,7 +26018,7 @@
           <a:p>
             <a:fld id="{6F863FF5-5640-4E1F-A6B1-2019BEDD815C}" type="datetimeFigureOut">
               <a:rPr lang="es-CL" smtClean="0"/>
-              <a:t>11-12-2020</a:t>
+              <a:t>04-02-2021</a:t>
             </a:fld>
             <a:endParaRPr lang="es-CL"/>
           </a:p>
@@ -26131,7 +26131,7 @@
           <a:p>
             <a:fld id="{6F863FF5-5640-4E1F-A6B1-2019BEDD815C}" type="datetimeFigureOut">
               <a:rPr lang="es-CL" smtClean="0"/>
-              <a:t>11-12-2020</a:t>
+              <a:t>04-02-2021</a:t>
             </a:fld>
             <a:endParaRPr lang="es-CL"/>
           </a:p>
@@ -26444,7 +26444,7 @@
           <a:p>
             <a:fld id="{6F863FF5-5640-4E1F-A6B1-2019BEDD815C}" type="datetimeFigureOut">
               <a:rPr lang="es-CL" smtClean="0"/>
-              <a:t>11-12-2020</a:t>
+              <a:t>04-02-2021</a:t>
             </a:fld>
             <a:endParaRPr lang="es-CL"/>
           </a:p>
@@ -26733,7 +26733,7 @@
           <a:p>
             <a:fld id="{6F863FF5-5640-4E1F-A6B1-2019BEDD815C}" type="datetimeFigureOut">
               <a:rPr lang="es-CL" smtClean="0"/>
-              <a:t>11-12-2020</a:t>
+              <a:t>04-02-2021</a:t>
             </a:fld>
             <a:endParaRPr lang="es-CL"/>
           </a:p>
@@ -26976,7 +26976,7 @@
           <a:p>
             <a:fld id="{6F863FF5-5640-4E1F-A6B1-2019BEDD815C}" type="datetimeFigureOut">
               <a:rPr lang="es-CL" smtClean="0"/>
-              <a:t>11-12-2020</a:t>
+              <a:t>04-02-2021</a:t>
             </a:fld>
             <a:endParaRPr lang="es-CL"/>
           </a:p>
@@ -28329,7 +28329,7 @@
             </a:pPr>
             <a:r>
               <a:rPr lang="es-CL" dirty="0"/>
-              <a:t>Colocaciones mensuales para fruticultura por región y banco</a:t>
+              <a:t>Colocaciones mensuales para fruticultura por institución y región </a:t>
             </a:r>
           </a:p>
         </p:txBody>
